--- a/presentation_02072015.pptx
+++ b/presentation_02072015.pptx
@@ -5,7 +5,7 @@
     <p:sldMasterId id="2147484742" r:id="rId1"/>
   </p:sldMasterIdLst>
   <p:notesMasterIdLst>
-    <p:notesMasterId r:id="rId39"/>
+    <p:notesMasterId r:id="rId41"/>
   </p:notesMasterIdLst>
   <p:sldIdLst>
     <p:sldId id="256" r:id="rId2"/>
@@ -25,26 +25,28 @@
     <p:sldId id="316" r:id="rId16"/>
     <p:sldId id="317" r:id="rId17"/>
     <p:sldId id="318" r:id="rId18"/>
-    <p:sldId id="319" r:id="rId19"/>
-    <p:sldId id="305" r:id="rId20"/>
-    <p:sldId id="291" r:id="rId21"/>
-    <p:sldId id="268" r:id="rId22"/>
-    <p:sldId id="288" r:id="rId23"/>
-    <p:sldId id="292" r:id="rId24"/>
-    <p:sldId id="299" r:id="rId25"/>
-    <p:sldId id="302" r:id="rId26"/>
-    <p:sldId id="273" r:id="rId27"/>
-    <p:sldId id="307" r:id="rId28"/>
-    <p:sldId id="312" r:id="rId29"/>
-    <p:sldId id="308" r:id="rId30"/>
-    <p:sldId id="310" r:id="rId31"/>
-    <p:sldId id="301" r:id="rId32"/>
-    <p:sldId id="276" r:id="rId33"/>
-    <p:sldId id="277" r:id="rId34"/>
-    <p:sldId id="275" r:id="rId35"/>
-    <p:sldId id="309" r:id="rId36"/>
-    <p:sldId id="272" r:id="rId37"/>
-    <p:sldId id="278" r:id="rId38"/>
+    <p:sldId id="321" r:id="rId19"/>
+    <p:sldId id="320" r:id="rId20"/>
+    <p:sldId id="319" r:id="rId21"/>
+    <p:sldId id="305" r:id="rId22"/>
+    <p:sldId id="291" r:id="rId23"/>
+    <p:sldId id="268" r:id="rId24"/>
+    <p:sldId id="288" r:id="rId25"/>
+    <p:sldId id="292" r:id="rId26"/>
+    <p:sldId id="299" r:id="rId27"/>
+    <p:sldId id="302" r:id="rId28"/>
+    <p:sldId id="273" r:id="rId29"/>
+    <p:sldId id="307" r:id="rId30"/>
+    <p:sldId id="312" r:id="rId31"/>
+    <p:sldId id="308" r:id="rId32"/>
+    <p:sldId id="310" r:id="rId33"/>
+    <p:sldId id="301" r:id="rId34"/>
+    <p:sldId id="276" r:id="rId35"/>
+    <p:sldId id="277" r:id="rId36"/>
+    <p:sldId id="275" r:id="rId37"/>
+    <p:sldId id="309" r:id="rId38"/>
+    <p:sldId id="272" r:id="rId39"/>
+    <p:sldId id="278" r:id="rId40"/>
   </p:sldIdLst>
   <p:sldSz cx="9144000" cy="6858000" type="screen4x3"/>
   <p:notesSz cx="6858000" cy="9144000"/>
@@ -228,7 +230,7 @@
           <a:p>
             <a:fld id="{1BF24338-8FE5-A549-9133-2F9CA6604A31}" type="datetimeFigureOut">
               <a:rPr lang="en-US" smtClean="0"/>
-              <a:t>7/2/15</a:t>
+              <a:t>7/3/15</a:t>
             </a:fld>
             <a:endParaRPr lang="en-US"/>
           </a:p>
@@ -681,7 +683,7 @@
           <a:p>
             <a:fld id="{CBCB814A-C381-D740-A57F-AB00D2524292}" type="slidenum">
               <a:rPr lang="en-US" smtClean="0"/>
-              <a:t>22</a:t>
+              <a:t>24</a:t>
             </a:fld>
             <a:endParaRPr lang="en-US"/>
           </a:p>
@@ -795,7 +797,7 @@
           <a:p>
             <a:fld id="{CBCB814A-C381-D740-A57F-AB00D2524292}" type="slidenum">
               <a:rPr lang="en-US" smtClean="0"/>
-              <a:t>23</a:t>
+              <a:t>25</a:t>
             </a:fld>
             <a:endParaRPr lang="en-US"/>
           </a:p>
@@ -887,7 +889,7 @@
           <a:p>
             <a:fld id="{CBCB814A-C381-D740-A57F-AB00D2524292}" type="slidenum">
               <a:rPr lang="en-US" smtClean="0"/>
-              <a:t>24</a:t>
+              <a:t>26</a:t>
             </a:fld>
             <a:endParaRPr lang="en-US"/>
           </a:p>
@@ -995,7 +997,7 @@
           <a:p>
             <a:fld id="{CBCB814A-C381-D740-A57F-AB00D2524292}" type="slidenum">
               <a:rPr lang="en-US" smtClean="0"/>
-              <a:t>26</a:t>
+              <a:t>28</a:t>
             </a:fld>
             <a:endParaRPr lang="en-US"/>
           </a:p>
@@ -1091,7 +1093,7 @@
           <a:p>
             <a:fld id="{CBCB814A-C381-D740-A57F-AB00D2524292}" type="slidenum">
               <a:rPr lang="en-US" smtClean="0"/>
-              <a:t>27</a:t>
+              <a:t>29</a:t>
             </a:fld>
             <a:endParaRPr lang="en-US"/>
           </a:p>
@@ -1187,7 +1189,7 @@
           <a:p>
             <a:fld id="{CBCB814A-C381-D740-A57F-AB00D2524292}" type="slidenum">
               <a:rPr lang="en-US" smtClean="0"/>
-              <a:t>28</a:t>
+              <a:t>30</a:t>
             </a:fld>
             <a:endParaRPr lang="en-US"/>
           </a:p>
@@ -1283,7 +1285,7 @@
           <a:p>
             <a:fld id="{CBCB814A-C381-D740-A57F-AB00D2524292}" type="slidenum">
               <a:rPr lang="en-US" smtClean="0"/>
-              <a:t>29</a:t>
+              <a:t>31</a:t>
             </a:fld>
             <a:endParaRPr lang="en-US"/>
           </a:p>
@@ -1379,7 +1381,7 @@
           <a:p>
             <a:fld id="{CBCB814A-C381-D740-A57F-AB00D2524292}" type="slidenum">
               <a:rPr lang="en-US" smtClean="0"/>
-              <a:t>30</a:t>
+              <a:t>32</a:t>
             </a:fld>
             <a:endParaRPr lang="en-US"/>
           </a:p>
@@ -1657,7 +1659,7 @@
           <a:p>
             <a:fld id="{CBCB814A-C381-D740-A57F-AB00D2524292}" type="slidenum">
               <a:rPr lang="en-US" smtClean="0"/>
-              <a:t>31</a:t>
+              <a:t>33</a:t>
             </a:fld>
             <a:endParaRPr lang="en-US"/>
           </a:p>
@@ -1759,7 +1761,7 @@
           <a:p>
             <a:fld id="{CBCB814A-C381-D740-A57F-AB00D2524292}" type="slidenum">
               <a:rPr lang="en-US" smtClean="0"/>
-              <a:t>33</a:t>
+              <a:t>35</a:t>
             </a:fld>
             <a:endParaRPr lang="en-US"/>
           </a:p>
@@ -1957,7 +1959,7 @@
           <a:p>
             <a:fld id="{CBCB814A-C381-D740-A57F-AB00D2524292}" type="slidenum">
               <a:rPr lang="en-US" smtClean="0"/>
-              <a:t>34</a:t>
+              <a:t>36</a:t>
             </a:fld>
             <a:endParaRPr lang="en-US"/>
           </a:p>
@@ -2053,7 +2055,7 @@
           <a:p>
             <a:fld id="{CBCB814A-C381-D740-A57F-AB00D2524292}" type="slidenum">
               <a:rPr lang="en-US" smtClean="0"/>
-              <a:t>35</a:t>
+              <a:t>37</a:t>
             </a:fld>
             <a:endParaRPr lang="en-US"/>
           </a:p>
@@ -2149,7 +2151,7 @@
           <a:p>
             <a:fld id="{CBCB814A-C381-D740-A57F-AB00D2524292}" type="slidenum">
               <a:rPr lang="en-US" smtClean="0"/>
-              <a:t>36</a:t>
+              <a:t>38</a:t>
             </a:fld>
             <a:endParaRPr lang="en-US"/>
           </a:p>
@@ -2254,7 +2256,7 @@
           <a:p>
             <a:fld id="{CBCB814A-C381-D740-A57F-AB00D2524292}" type="slidenum">
               <a:rPr lang="en-US" smtClean="0"/>
-              <a:t>37</a:t>
+              <a:t>39</a:t>
             </a:fld>
             <a:endParaRPr lang="en-US"/>
           </a:p>
@@ -2861,7 +2863,7 @@
           <a:p>
             <a:fld id="{CBCB814A-C381-D740-A57F-AB00D2524292}" type="slidenum">
               <a:rPr lang="en-US" smtClean="0"/>
-              <a:t>20</a:t>
+              <a:t>22</a:t>
             </a:fld>
             <a:endParaRPr lang="en-US"/>
           </a:p>
@@ -2957,7 +2959,7 @@
           <a:p>
             <a:fld id="{CBCB814A-C381-D740-A57F-AB00D2524292}" type="slidenum">
               <a:rPr lang="en-US" smtClean="0"/>
-              <a:t>21</a:t>
+              <a:t>23</a:t>
             </a:fld>
             <a:endParaRPr lang="en-US"/>
           </a:p>
@@ -3268,7 +3270,7 @@
             <a:fld id="{8ACDB3CC-F982-40F9-8DD6-BCC9AFBF44BD}" type="datetime1">
               <a:rPr lang="en-US" smtClean="0"/>
               <a:pPr/>
-              <a:t>7/2/15</a:t>
+              <a:t>7/3/15</a:t>
             </a:fld>
             <a:endParaRPr lang="en-US" dirty="0"/>
           </a:p>
@@ -3459,7 +3461,7 @@
           <a:p>
             <a:fld id="{8721B7BD-4072-1D4E-A318-4ADA917144DE}" type="datetimeFigureOut">
               <a:rPr lang="en-US" smtClean="0"/>
-              <a:t>7/2/15</a:t>
+              <a:t>7/3/15</a:t>
             </a:fld>
             <a:endParaRPr lang="en-US"/>
           </a:p>
@@ -3644,7 +3646,7 @@
           <a:p>
             <a:fld id="{8721B7BD-4072-1D4E-A318-4ADA917144DE}" type="datetimeFigureOut">
               <a:rPr lang="en-US" smtClean="0"/>
-              <a:t>7/2/15</a:t>
+              <a:t>7/3/15</a:t>
             </a:fld>
             <a:endParaRPr lang="en-US"/>
           </a:p>
@@ -3907,7 +3909,7 @@
           <a:p>
             <a:fld id="{8721B7BD-4072-1D4E-A318-4ADA917144DE}" type="datetimeFigureOut">
               <a:rPr lang="en-US" smtClean="0"/>
-              <a:t>7/2/15</a:t>
+              <a:t>7/3/15</a:t>
             </a:fld>
             <a:endParaRPr lang="en-US"/>
           </a:p>
@@ -4324,7 +4326,7 @@
             <a:fld id="{64DDAE5B-B07C-441A-8026-C23A427A74DC}" type="datetime1">
               <a:rPr lang="en-US" smtClean="0"/>
               <a:pPr/>
-              <a:t>7/2/15</a:t>
+              <a:t>7/3/15</a:t>
             </a:fld>
             <a:endParaRPr lang="en-US"/>
           </a:p>
@@ -4567,7 +4569,7 @@
           <a:p>
             <a:fld id="{8721B7BD-4072-1D4E-A318-4ADA917144DE}" type="datetimeFigureOut">
               <a:rPr lang="en-US" smtClean="0"/>
-              <a:t>7/2/15</a:t>
+              <a:t>7/3/15</a:t>
             </a:fld>
             <a:endParaRPr lang="en-US"/>
           </a:p>
@@ -4803,7 +4805,7 @@
           <a:p>
             <a:fld id="{8721B7BD-4072-1D4E-A318-4ADA917144DE}" type="datetimeFigureOut">
               <a:rPr lang="en-US" smtClean="0"/>
-              <a:t>7/2/15</a:t>
+              <a:t>7/3/15</a:t>
             </a:fld>
             <a:endParaRPr lang="en-US"/>
           </a:p>
@@ -4998,7 +5000,7 @@
           <a:p>
             <a:fld id="{8721B7BD-4072-1D4E-A318-4ADA917144DE}" type="datetimeFigureOut">
               <a:rPr lang="en-US" smtClean="0"/>
-              <a:t>7/2/15</a:t>
+              <a:t>7/3/15</a:t>
             </a:fld>
             <a:endParaRPr lang="en-US"/>
           </a:p>
@@ -5096,7 +5098,7 @@
           <a:p>
             <a:fld id="{8721B7BD-4072-1D4E-A318-4ADA917144DE}" type="datetimeFigureOut">
               <a:rPr lang="en-US" smtClean="0"/>
-              <a:t>7/2/15</a:t>
+              <a:t>7/3/15</a:t>
             </a:fld>
             <a:endParaRPr lang="en-US"/>
           </a:p>
@@ -5232,7 +5234,7 @@
           <a:p>
             <a:fld id="{8721B7BD-4072-1D4E-A318-4ADA917144DE}" type="datetimeFigureOut">
               <a:rPr lang="en-US" smtClean="0"/>
-              <a:t>7/2/15</a:t>
+              <a:t>7/3/15</a:t>
             </a:fld>
             <a:endParaRPr lang="en-US"/>
           </a:p>
@@ -5750,7 +5752,7 @@
           <a:p>
             <a:fld id="{8721B7BD-4072-1D4E-A318-4ADA917144DE}" type="datetimeFigureOut">
               <a:rPr lang="en-US" smtClean="0"/>
-              <a:t>7/2/15</a:t>
+              <a:t>7/3/15</a:t>
             </a:fld>
             <a:endParaRPr lang="en-US"/>
           </a:p>
@@ -6011,7 +6013,7 @@
           <a:p>
             <a:fld id="{8721B7BD-4072-1D4E-A318-4ADA917144DE}" type="datetimeFigureOut">
               <a:rPr lang="en-US" smtClean="0"/>
-              <a:t>7/2/15</a:t>
+              <a:t>7/3/15</a:t>
             </a:fld>
             <a:endParaRPr lang="en-US"/>
           </a:p>
@@ -6992,11 +6994,7 @@
             </a:r>
             <a:r>
               <a:rPr lang="en-US" dirty="0"/>
-              <a:t>when </a:t>
-            </a:r>
-            <a:r>
-              <a:rPr lang="en-US" dirty="0"/>
-              <a:t>there are differences between the </a:t>
+              <a:t>when there are differences between the </a:t>
             </a:r>
             <a:r>
               <a:rPr lang="en-US" dirty="0" smtClean="0"/>
@@ -9239,6 +9237,2475 @@
       </p:grpSpPr>
       <p:sp>
         <p:nvSpPr>
+          <p:cNvPr id="3" name="Content Placeholder 2"/>
+          <p:cNvSpPr>
+            <a:spLocks noGrp="1"/>
+          </p:cNvSpPr>
+          <p:nvPr>
+            <p:ph sz="quarter" idx="1"/>
+          </p:nvPr>
+        </p:nvSpPr>
+        <p:spPr/>
+        <p:txBody>
+          <a:bodyPr/>
+          <a:lstStyle/>
+          <a:p>
+            <a:r>
+              <a:rPr lang="en-US" dirty="0" smtClean="0"/>
+              <a:t>In our example,</a:t>
+            </a:r>
+          </a:p>
+          <a:p>
+            <a:pPr lvl="1"/>
+            <a:r>
+              <a:rPr lang="en-US" dirty="0" smtClean="0"/>
+              <a:t>A potential choice for child 1 was: </a:t>
+            </a:r>
+            <a:r>
+              <a:rPr lang="en-US" sz="2800" dirty="0"/>
+              <a:t>(A,B,C),(D,E)</a:t>
+            </a:r>
+          </a:p>
+          <a:p>
+            <a:pPr lvl="1"/>
+            <a:r>
+              <a:rPr lang="en-US" dirty="0" smtClean="0"/>
+              <a:t>A potential choice for child 2 was</a:t>
+            </a:r>
+            <a:r>
+              <a:rPr lang="en-US" dirty="0" smtClean="0">
+                <a:solidFill>
+                  <a:srgbClr val="000000"/>
+                </a:solidFill>
+              </a:rPr>
+              <a:t>: </a:t>
+            </a:r>
+            <a:r>
+              <a:rPr lang="en-US" sz="2800" dirty="0">
+                <a:solidFill>
+                  <a:srgbClr val="000000"/>
+                </a:solidFill>
+              </a:rPr>
+              <a:t>(A,B),(D),(E,E)</a:t>
+            </a:r>
+          </a:p>
+          <a:p>
+            <a:r>
+              <a:rPr lang="en-US" dirty="0" smtClean="0">
+                <a:solidFill>
+                  <a:srgbClr val="000000"/>
+                </a:solidFill>
+              </a:rPr>
+              <a:t>Supposing the script we found was the minimal edit script, ONE of the potential choice groups for our parent would include these intermediates </a:t>
+            </a:r>
+          </a:p>
+        </p:txBody>
+      </p:sp>
+      <p:sp>
+        <p:nvSpPr>
+          <p:cNvPr id="5" name="Title 1"/>
+          <p:cNvSpPr>
+            <a:spLocks noGrp="1"/>
+          </p:cNvSpPr>
+          <p:nvPr>
+            <p:ph type="title"/>
+          </p:nvPr>
+        </p:nvSpPr>
+        <p:spPr/>
+        <p:txBody>
+          <a:bodyPr>
+            <a:normAutofit fontScale="90000"/>
+          </a:bodyPr>
+          <a:lstStyle/>
+          <a:p>
+            <a:r>
+              <a:rPr lang="en-US" dirty="0" smtClean="0"/>
+              <a:t>Determine possible assignments</a:t>
+            </a:r>
+            <a:endParaRPr lang="en-US" dirty="0"/>
+          </a:p>
+        </p:txBody>
+      </p:sp>
+    </p:spTree>
+    <p:extLst>
+      <p:ext uri="{BB962C8B-B14F-4D97-AF65-F5344CB8AC3E}">
+        <p14:creationId xmlns:p14="http://schemas.microsoft.com/office/powerpoint/2010/main" val="3519959280"/>
+      </p:ext>
+    </p:extLst>
+  </p:cSld>
+  <p:clrMapOvr>
+    <a:masterClrMapping/>
+  </p:clrMapOvr>
+</p:sld>
+</file>
+
+<file path=ppt/slides/slide19.xml><?xml version="1.0" encoding="utf-8"?>
+<p:sld xmlns:a="http://schemas.openxmlformats.org/drawingml/2006/main" xmlns:r="http://schemas.openxmlformats.org/officeDocument/2006/relationships" xmlns:p="http://schemas.openxmlformats.org/presentationml/2006/main">
+  <p:cSld>
+    <p:spTree>
+      <p:nvGrpSpPr>
+        <p:cNvPr id="1" name=""/>
+        <p:cNvGrpSpPr/>
+        <p:nvPr/>
+      </p:nvGrpSpPr>
+      <p:grpSpPr>
+        <a:xfrm>
+          <a:off x="0" y="0"/>
+          <a:ext cx="0" cy="0"/>
+          <a:chOff x="0" y="0"/>
+          <a:chExt cx="0" cy="0"/>
+        </a:xfrm>
+      </p:grpSpPr>
+      <p:sp>
+        <p:nvSpPr>
+          <p:cNvPr id="2" name="Title 1"/>
+          <p:cNvSpPr>
+            <a:spLocks noGrp="1"/>
+          </p:cNvSpPr>
+          <p:nvPr>
+            <p:ph type="title"/>
+          </p:nvPr>
+        </p:nvSpPr>
+        <p:spPr/>
+        <p:txBody>
+          <a:bodyPr>
+            <a:normAutofit fontScale="90000"/>
+          </a:bodyPr>
+          <a:lstStyle/>
+          <a:p>
+            <a:r>
+              <a:rPr lang="en-US" dirty="0" smtClean="0"/>
+              <a:t>Determine possible assignments</a:t>
+            </a:r>
+            <a:endParaRPr lang="en-US" dirty="0"/>
+          </a:p>
+        </p:txBody>
+      </p:sp>
+      <p:sp>
+        <p:nvSpPr>
+          <p:cNvPr id="7" name="Oval 6"/>
+          <p:cNvSpPr/>
+          <p:nvPr/>
+        </p:nvSpPr>
+        <p:spPr>
+          <a:xfrm>
+            <a:off x="5330441" y="4977969"/>
+            <a:ext cx="731633" cy="729278"/>
+          </a:xfrm>
+          <a:prstGeom prst="ellipse">
+            <a:avLst/>
+          </a:prstGeom>
+        </p:spPr>
+        <p:style>
+          <a:lnRef idx="1">
+            <a:schemeClr val="dk1"/>
+          </a:lnRef>
+          <a:fillRef idx="3">
+            <a:schemeClr val="dk1"/>
+          </a:fillRef>
+          <a:effectRef idx="2">
+            <a:schemeClr val="dk1"/>
+          </a:effectRef>
+          <a:fontRef idx="minor">
+            <a:schemeClr val="lt1"/>
+          </a:fontRef>
+        </p:style>
+        <p:txBody>
+          <a:bodyPr rtlCol="0" anchor="ctr"/>
+          <a:lstStyle/>
+          <a:p>
+            <a:pPr algn="ctr"/>
+            <a:endParaRPr lang="en-US"/>
+          </a:p>
+        </p:txBody>
+      </p:sp>
+      <p:sp>
+        <p:nvSpPr>
+          <p:cNvPr id="41" name="TextBox 40"/>
+          <p:cNvSpPr txBox="1"/>
+          <p:nvPr/>
+        </p:nvSpPr>
+        <p:spPr>
+          <a:xfrm>
+            <a:off x="372955" y="6160237"/>
+            <a:ext cx="971326" cy="523220"/>
+          </a:xfrm>
+          <a:prstGeom prst="rect">
+            <a:avLst/>
+          </a:prstGeom>
+          <a:noFill/>
+        </p:spPr>
+        <p:txBody>
+          <a:bodyPr wrap="square" rtlCol="0">
+            <a:spAutoFit/>
+          </a:bodyPr>
+          <a:lstStyle/>
+          <a:p>
+            <a:pPr algn="ctr"/>
+            <a:r>
+              <a:rPr lang="en-US" sz="1400" dirty="0" smtClean="0">
+                <a:solidFill>
+                  <a:schemeClr val="bg1"/>
+                </a:solidFill>
+              </a:rPr>
+              <a:t>(A,B,C),(D,E)</a:t>
+            </a:r>
+            <a:endParaRPr lang="en-US" sz="1400" dirty="0">
+              <a:solidFill>
+                <a:schemeClr val="bg1"/>
+              </a:solidFill>
+            </a:endParaRPr>
+          </a:p>
+        </p:txBody>
+      </p:sp>
+      <p:sp>
+        <p:nvSpPr>
+          <p:cNvPr id="8" name="Oval 7"/>
+          <p:cNvSpPr/>
+          <p:nvPr/>
+        </p:nvSpPr>
+        <p:spPr>
+          <a:xfrm>
+            <a:off x="26462" y="3354550"/>
+            <a:ext cx="956739" cy="956596"/>
+          </a:xfrm>
+          <a:prstGeom prst="ellipse">
+            <a:avLst/>
+          </a:prstGeom>
+        </p:spPr>
+        <p:style>
+          <a:lnRef idx="1">
+            <a:schemeClr val="dk1"/>
+          </a:lnRef>
+          <a:fillRef idx="3">
+            <a:schemeClr val="dk1"/>
+          </a:fillRef>
+          <a:effectRef idx="2">
+            <a:schemeClr val="dk1"/>
+          </a:effectRef>
+          <a:fontRef idx="minor">
+            <a:schemeClr val="lt1"/>
+          </a:fontRef>
+        </p:style>
+        <p:txBody>
+          <a:bodyPr rtlCol="0" anchor="ctr"/>
+          <a:lstStyle/>
+          <a:p>
+            <a:pPr algn="ctr"/>
+            <a:endParaRPr lang="en-US"/>
+          </a:p>
+        </p:txBody>
+      </p:sp>
+      <p:sp>
+        <p:nvSpPr>
+          <p:cNvPr id="34" name="Oval 33"/>
+          <p:cNvSpPr/>
+          <p:nvPr/>
+        </p:nvSpPr>
+        <p:spPr>
+          <a:xfrm>
+            <a:off x="6512911" y="1540599"/>
+            <a:ext cx="731633" cy="729278"/>
+          </a:xfrm>
+          <a:prstGeom prst="ellipse">
+            <a:avLst/>
+          </a:prstGeom>
+        </p:spPr>
+        <p:style>
+          <a:lnRef idx="1">
+            <a:schemeClr val="dk1"/>
+          </a:lnRef>
+          <a:fillRef idx="3">
+            <a:schemeClr val="dk1"/>
+          </a:fillRef>
+          <a:effectRef idx="2">
+            <a:schemeClr val="dk1"/>
+          </a:effectRef>
+          <a:fontRef idx="minor">
+            <a:schemeClr val="lt1"/>
+          </a:fontRef>
+        </p:style>
+        <p:txBody>
+          <a:bodyPr rtlCol="0" anchor="ctr"/>
+          <a:lstStyle/>
+          <a:p>
+            <a:pPr algn="ctr"/>
+            <a:endParaRPr lang="en-US"/>
+          </a:p>
+        </p:txBody>
+      </p:sp>
+      <p:cxnSp>
+        <p:nvCxnSpPr>
+          <p:cNvPr id="25" name="Elbow Connector 24"/>
+          <p:cNvCxnSpPr>
+            <a:stCxn id="8" idx="4"/>
+            <a:endCxn id="7" idx="2"/>
+          </p:cNvCxnSpPr>
+          <p:nvPr/>
+        </p:nvCxnSpPr>
+        <p:spPr>
+          <a:xfrm rot="16200000" flipH="1">
+            <a:off x="2401905" y="2414072"/>
+            <a:ext cx="1031462" cy="4825609"/>
+          </a:xfrm>
+          <a:prstGeom prst="bentConnector2">
+            <a:avLst/>
+          </a:prstGeom>
+        </p:spPr>
+        <p:style>
+          <a:lnRef idx="2">
+            <a:schemeClr val="dk1"/>
+          </a:lnRef>
+          <a:fillRef idx="0">
+            <a:schemeClr val="dk1"/>
+          </a:fillRef>
+          <a:effectRef idx="1">
+            <a:schemeClr val="dk1"/>
+          </a:effectRef>
+          <a:fontRef idx="minor">
+            <a:schemeClr val="tx1"/>
+          </a:fontRef>
+        </p:style>
+      </p:cxnSp>
+      <p:cxnSp>
+        <p:nvCxnSpPr>
+          <p:cNvPr id="49" name="Elbow Connector 48"/>
+          <p:cNvCxnSpPr>
+            <a:stCxn id="8" idx="0"/>
+            <a:endCxn id="34" idx="2"/>
+          </p:cNvCxnSpPr>
+          <p:nvPr/>
+        </p:nvCxnSpPr>
+        <p:spPr>
+          <a:xfrm rot="5400000" flipH="1" flipV="1">
+            <a:off x="2784215" y="-374145"/>
+            <a:ext cx="1449312" cy="6008079"/>
+          </a:xfrm>
+          <a:prstGeom prst="bentConnector2">
+            <a:avLst/>
+          </a:prstGeom>
+        </p:spPr>
+        <p:style>
+          <a:lnRef idx="2">
+            <a:schemeClr val="dk1"/>
+          </a:lnRef>
+          <a:fillRef idx="0">
+            <a:schemeClr val="dk1"/>
+          </a:fillRef>
+          <a:effectRef idx="1">
+            <a:schemeClr val="dk1"/>
+          </a:effectRef>
+          <a:fontRef idx="minor">
+            <a:schemeClr val="tx1"/>
+          </a:fontRef>
+        </p:style>
+      </p:cxnSp>
+      <p:sp>
+        <p:nvSpPr>
+          <p:cNvPr id="84" name="Rectangle 83"/>
+          <p:cNvSpPr/>
+          <p:nvPr/>
+        </p:nvSpPr>
+        <p:spPr>
+          <a:xfrm>
+            <a:off x="1069570" y="2606065"/>
+            <a:ext cx="458517" cy="1327541"/>
+          </a:xfrm>
+          <a:prstGeom prst="rect">
+            <a:avLst/>
+          </a:prstGeom>
+        </p:spPr>
+        <p:style>
+          <a:lnRef idx="2">
+            <a:schemeClr val="accent3"/>
+          </a:lnRef>
+          <a:fillRef idx="1">
+            <a:schemeClr val="lt1"/>
+          </a:fillRef>
+          <a:effectRef idx="0">
+            <a:schemeClr val="accent3"/>
+          </a:effectRef>
+          <a:fontRef idx="minor">
+            <a:schemeClr val="dk1"/>
+          </a:fontRef>
+        </p:style>
+        <p:txBody>
+          <a:bodyPr rtlCol="0" anchor="ctr"/>
+          <a:lstStyle/>
+          <a:p>
+            <a:pPr algn="ctr"/>
+            <a:endParaRPr lang="en-US" sz="1600" dirty="0" smtClean="0"/>
+          </a:p>
+        </p:txBody>
+      </p:sp>
+      <p:sp>
+        <p:nvSpPr>
+          <p:cNvPr id="88" name="Rectangle 87"/>
+          <p:cNvSpPr/>
+          <p:nvPr/>
+        </p:nvSpPr>
+        <p:spPr>
+          <a:xfrm>
+            <a:off x="2214468" y="2695830"/>
+            <a:ext cx="1616513" cy="1111977"/>
+          </a:xfrm>
+          <a:prstGeom prst="rect">
+            <a:avLst/>
+          </a:prstGeom>
+        </p:spPr>
+        <p:style>
+          <a:lnRef idx="2">
+            <a:schemeClr val="accent3"/>
+          </a:lnRef>
+          <a:fillRef idx="1">
+            <a:schemeClr val="lt1"/>
+          </a:fillRef>
+          <a:effectRef idx="0">
+            <a:schemeClr val="accent3"/>
+          </a:effectRef>
+          <a:fontRef idx="minor">
+            <a:schemeClr val="dk1"/>
+          </a:fontRef>
+        </p:style>
+        <p:txBody>
+          <a:bodyPr rtlCol="0" anchor="ctr"/>
+          <a:lstStyle/>
+          <a:p>
+            <a:pPr marL="285750" indent="-285750">
+              <a:buFont typeface="Arial"/>
+              <a:buChar char="•"/>
+            </a:pPr>
+            <a:r>
+              <a:rPr lang="en-US" sz="1400" dirty="0" smtClean="0"/>
+              <a:t>Intermediates</a:t>
+            </a:r>
+          </a:p>
+          <a:p>
+            <a:pPr marL="285750" indent="-285750">
+              <a:buFont typeface="Arial"/>
+              <a:buChar char="•"/>
+            </a:pPr>
+            <a:r>
+              <a:rPr lang="en-US" sz="1400" dirty="0"/>
+              <a:t>Child </a:t>
+            </a:r>
+            <a:r>
+              <a:rPr lang="en-US" sz="1400" dirty="0" smtClean="0"/>
+              <a:t>Choices</a:t>
+            </a:r>
+          </a:p>
+          <a:p>
+            <a:pPr marL="285750" indent="-285750">
+              <a:buFont typeface="Arial"/>
+              <a:buChar char="•"/>
+            </a:pPr>
+            <a:r>
+              <a:rPr lang="en-US" sz="1400" dirty="0" smtClean="0"/>
+              <a:t>Score</a:t>
+            </a:r>
+            <a:endParaRPr lang="en-US" sz="1400" dirty="0"/>
+          </a:p>
+        </p:txBody>
+      </p:sp>
+      <p:sp>
+        <p:nvSpPr>
+          <p:cNvPr id="91" name="Rectangle 90"/>
+          <p:cNvSpPr/>
+          <p:nvPr/>
+        </p:nvSpPr>
+        <p:spPr>
+          <a:xfrm>
+            <a:off x="4657885" y="1987476"/>
+            <a:ext cx="1166716" cy="291781"/>
+          </a:xfrm>
+          <a:prstGeom prst="rect">
+            <a:avLst/>
+          </a:prstGeom>
+        </p:spPr>
+        <p:style>
+          <a:lnRef idx="1">
+            <a:schemeClr val="accent3"/>
+          </a:lnRef>
+          <a:fillRef idx="3">
+            <a:schemeClr val="accent3"/>
+          </a:fillRef>
+          <a:effectRef idx="2">
+            <a:schemeClr val="accent3"/>
+          </a:effectRef>
+          <a:fontRef idx="minor">
+            <a:schemeClr val="lt1"/>
+          </a:fontRef>
+        </p:style>
+        <p:txBody>
+          <a:bodyPr rtlCol="0" anchor="ctr"/>
+          <a:lstStyle/>
+          <a:p>
+            <a:pPr algn="ctr"/>
+            <a:r>
+              <a:rPr lang="en-US" sz="1400" dirty="0" smtClean="0"/>
+              <a:t>(A,B),(D,E)</a:t>
+            </a:r>
+            <a:endParaRPr lang="en-US" sz="1400" dirty="0"/>
+          </a:p>
+        </p:txBody>
+      </p:sp>
+      <p:sp>
+        <p:nvSpPr>
+          <p:cNvPr id="92" name="Rectangle 91"/>
+          <p:cNvSpPr/>
+          <p:nvPr/>
+        </p:nvSpPr>
+        <p:spPr>
+          <a:xfrm>
+            <a:off x="4657885" y="2765206"/>
+            <a:ext cx="1401501" cy="291781"/>
+          </a:xfrm>
+          <a:prstGeom prst="rect">
+            <a:avLst/>
+          </a:prstGeom>
+        </p:spPr>
+        <p:style>
+          <a:lnRef idx="1">
+            <a:schemeClr val="accent3"/>
+          </a:lnRef>
+          <a:fillRef idx="3">
+            <a:schemeClr val="accent3"/>
+          </a:fillRef>
+          <a:effectRef idx="2">
+            <a:schemeClr val="accent3"/>
+          </a:effectRef>
+          <a:fontRef idx="minor">
+            <a:schemeClr val="lt1"/>
+          </a:fontRef>
+        </p:style>
+        <p:txBody>
+          <a:bodyPr rtlCol="0" anchor="ctr"/>
+          <a:lstStyle/>
+          <a:p>
+            <a:pPr algn="ctr"/>
+            <a:r>
+              <a:rPr lang="en-US" sz="1400" dirty="0" smtClean="0"/>
+              <a:t>(A,B,C),(D),(E)</a:t>
+            </a:r>
+            <a:endParaRPr lang="en-US" sz="1400" dirty="0"/>
+          </a:p>
+        </p:txBody>
+      </p:sp>
+      <p:sp>
+        <p:nvSpPr>
+          <p:cNvPr id="93" name="Rectangle 92"/>
+          <p:cNvSpPr/>
+          <p:nvPr/>
+        </p:nvSpPr>
+        <p:spPr>
+          <a:xfrm>
+            <a:off x="4657885" y="2360379"/>
+            <a:ext cx="1491951" cy="291781"/>
+          </a:xfrm>
+          <a:prstGeom prst="rect">
+            <a:avLst/>
+          </a:prstGeom>
+        </p:spPr>
+        <p:style>
+          <a:lnRef idx="1">
+            <a:schemeClr val="accent3"/>
+          </a:lnRef>
+          <a:fillRef idx="3">
+            <a:schemeClr val="accent3"/>
+          </a:fillRef>
+          <a:effectRef idx="2">
+            <a:schemeClr val="accent3"/>
+          </a:effectRef>
+          <a:fontRef idx="minor">
+            <a:schemeClr val="lt1"/>
+          </a:fontRef>
+        </p:style>
+        <p:txBody>
+          <a:bodyPr rtlCol="0" anchor="ctr"/>
+          <a:lstStyle/>
+          <a:p>
+            <a:pPr algn="ctr"/>
+            <a:r>
+              <a:rPr lang="en-US" sz="1400" dirty="0" smtClean="0"/>
+              <a:t>(A,B,C),(D,E,E)</a:t>
+            </a:r>
+            <a:endParaRPr lang="en-US" sz="1400" dirty="0"/>
+          </a:p>
+        </p:txBody>
+      </p:sp>
+      <p:sp>
+        <p:nvSpPr>
+          <p:cNvPr id="94" name="Rectangle 93"/>
+          <p:cNvSpPr/>
+          <p:nvPr/>
+        </p:nvSpPr>
+        <p:spPr>
+          <a:xfrm>
+            <a:off x="4657885" y="4003438"/>
+            <a:ext cx="1205328" cy="291781"/>
+          </a:xfrm>
+          <a:prstGeom prst="rect">
+            <a:avLst/>
+          </a:prstGeom>
+        </p:spPr>
+        <p:style>
+          <a:lnRef idx="1">
+            <a:schemeClr val="accent3"/>
+          </a:lnRef>
+          <a:fillRef idx="3">
+            <a:schemeClr val="accent3"/>
+          </a:fillRef>
+          <a:effectRef idx="2">
+            <a:schemeClr val="accent3"/>
+          </a:effectRef>
+          <a:fontRef idx="minor">
+            <a:schemeClr val="lt1"/>
+          </a:fontRef>
+        </p:style>
+        <p:txBody>
+          <a:bodyPr rtlCol="0" anchor="ctr"/>
+          <a:lstStyle/>
+          <a:p>
+            <a:pPr algn="ctr"/>
+            <a:r>
+              <a:rPr lang="en-US" sz="1400" dirty="0" smtClean="0"/>
+              <a:t>(A,B),(D),(E)</a:t>
+            </a:r>
+            <a:endParaRPr lang="en-US" sz="1400" dirty="0"/>
+          </a:p>
+        </p:txBody>
+      </p:sp>
+      <p:sp>
+        <p:nvSpPr>
+          <p:cNvPr id="95" name="Rectangle 94"/>
+          <p:cNvSpPr/>
+          <p:nvPr/>
+        </p:nvSpPr>
+        <p:spPr>
+          <a:xfrm>
+            <a:off x="4655197" y="3583353"/>
+            <a:ext cx="1484314" cy="291781"/>
+          </a:xfrm>
+          <a:prstGeom prst="rect">
+            <a:avLst/>
+          </a:prstGeom>
+        </p:spPr>
+        <p:style>
+          <a:lnRef idx="1">
+            <a:schemeClr val="accent3"/>
+          </a:lnRef>
+          <a:fillRef idx="3">
+            <a:schemeClr val="accent3"/>
+          </a:fillRef>
+          <a:effectRef idx="2">
+            <a:schemeClr val="accent3"/>
+          </a:effectRef>
+          <a:fontRef idx="minor">
+            <a:schemeClr val="lt1"/>
+          </a:fontRef>
+        </p:style>
+        <p:txBody>
+          <a:bodyPr rtlCol="0" anchor="ctr"/>
+          <a:lstStyle/>
+          <a:p>
+            <a:pPr algn="ctr"/>
+            <a:r>
+              <a:rPr lang="en-US" sz="1400" dirty="0" smtClean="0"/>
+              <a:t>(A,B,C),(D),(E,E)</a:t>
+            </a:r>
+            <a:endParaRPr lang="en-US" sz="1400" dirty="0"/>
+          </a:p>
+        </p:txBody>
+      </p:sp>
+      <p:sp>
+        <p:nvSpPr>
+          <p:cNvPr id="96" name="Rectangle 95"/>
+          <p:cNvSpPr/>
+          <p:nvPr/>
+        </p:nvSpPr>
+        <p:spPr>
+          <a:xfrm>
+            <a:off x="4655197" y="3165459"/>
+            <a:ext cx="1484314" cy="291781"/>
+          </a:xfrm>
+          <a:prstGeom prst="rect">
+            <a:avLst/>
+          </a:prstGeom>
+        </p:spPr>
+        <p:style>
+          <a:lnRef idx="1">
+            <a:schemeClr val="accent3"/>
+          </a:lnRef>
+          <a:fillRef idx="3">
+            <a:schemeClr val="accent3"/>
+          </a:fillRef>
+          <a:effectRef idx="2">
+            <a:schemeClr val="accent3"/>
+          </a:effectRef>
+          <a:fontRef idx="minor">
+            <a:schemeClr val="lt1"/>
+          </a:fontRef>
+        </p:style>
+        <p:txBody>
+          <a:bodyPr rtlCol="0" anchor="ctr"/>
+          <a:lstStyle/>
+          <a:p>
+            <a:pPr algn="ctr"/>
+            <a:r>
+              <a:rPr lang="en-US" sz="1400" dirty="0" smtClean="0"/>
+              <a:t>(A,B),(D,E,E)</a:t>
+            </a:r>
+            <a:endParaRPr lang="en-US" sz="1400" dirty="0"/>
+          </a:p>
+        </p:txBody>
+      </p:sp>
+      <p:sp>
+        <p:nvSpPr>
+          <p:cNvPr id="108" name="Rectangle 107"/>
+          <p:cNvSpPr/>
+          <p:nvPr/>
+        </p:nvSpPr>
+        <p:spPr>
+          <a:xfrm>
+            <a:off x="6715243" y="4483466"/>
+            <a:ext cx="1567824" cy="291781"/>
+          </a:xfrm>
+          <a:prstGeom prst="rect">
+            <a:avLst/>
+          </a:prstGeom>
+        </p:spPr>
+        <p:style>
+          <a:lnRef idx="1">
+            <a:schemeClr val="accent3"/>
+          </a:lnRef>
+          <a:fillRef idx="3">
+            <a:schemeClr val="accent3"/>
+          </a:fillRef>
+          <a:effectRef idx="2">
+            <a:schemeClr val="accent3"/>
+          </a:effectRef>
+          <a:fontRef idx="minor">
+            <a:schemeClr val="lt1"/>
+          </a:fontRef>
+        </p:style>
+        <p:txBody>
+          <a:bodyPr rtlCol="0" anchor="ctr"/>
+          <a:lstStyle/>
+          <a:p>
+            <a:pPr algn="ctr"/>
+            <a:r>
+              <a:rPr lang="en-US" sz="1400" dirty="0" smtClean="0"/>
+              <a:t>(A,</a:t>
+            </a:r>
+            <a:r>
+              <a:rPr lang="en-US" sz="1400" dirty="0" smtClean="0"/>
+              <a:t>B,C)</a:t>
+            </a:r>
+            <a:r>
+              <a:rPr lang="en-US" sz="1400" dirty="0" smtClean="0"/>
+              <a:t>,(D,E)</a:t>
+            </a:r>
+            <a:endParaRPr lang="en-US" sz="1400" dirty="0"/>
+          </a:p>
+        </p:txBody>
+      </p:sp>
+      <p:sp>
+        <p:nvSpPr>
+          <p:cNvPr id="255" name="Oval 254"/>
+          <p:cNvSpPr/>
+          <p:nvPr/>
+        </p:nvSpPr>
+        <p:spPr>
+          <a:xfrm>
+            <a:off x="1230708" y="2797919"/>
+            <a:ext cx="113574" cy="144335"/>
+          </a:xfrm>
+          <a:prstGeom prst="ellipse">
+            <a:avLst/>
+          </a:prstGeom>
+        </p:spPr>
+        <p:style>
+          <a:lnRef idx="1">
+            <a:schemeClr val="accent3"/>
+          </a:lnRef>
+          <a:fillRef idx="3">
+            <a:schemeClr val="accent3"/>
+          </a:fillRef>
+          <a:effectRef idx="2">
+            <a:schemeClr val="accent3"/>
+          </a:effectRef>
+          <a:fontRef idx="minor">
+            <a:schemeClr val="lt1"/>
+          </a:fontRef>
+        </p:style>
+        <p:txBody>
+          <a:bodyPr rtlCol="0" anchor="ctr"/>
+          <a:lstStyle/>
+          <a:p>
+            <a:pPr algn="ctr"/>
+            <a:endParaRPr lang="en-US"/>
+          </a:p>
+        </p:txBody>
+      </p:sp>
+      <p:sp>
+        <p:nvSpPr>
+          <p:cNvPr id="111" name="Oval 110"/>
+          <p:cNvSpPr/>
+          <p:nvPr/>
+        </p:nvSpPr>
+        <p:spPr>
+          <a:xfrm>
+            <a:off x="1230708" y="3064254"/>
+            <a:ext cx="113574" cy="144335"/>
+          </a:xfrm>
+          <a:prstGeom prst="ellipse">
+            <a:avLst/>
+          </a:prstGeom>
+        </p:spPr>
+        <p:style>
+          <a:lnRef idx="1">
+            <a:schemeClr val="accent3"/>
+          </a:lnRef>
+          <a:fillRef idx="3">
+            <a:schemeClr val="accent3"/>
+          </a:fillRef>
+          <a:effectRef idx="2">
+            <a:schemeClr val="accent3"/>
+          </a:effectRef>
+          <a:fontRef idx="minor">
+            <a:schemeClr val="lt1"/>
+          </a:fontRef>
+        </p:style>
+        <p:txBody>
+          <a:bodyPr rtlCol="0" anchor="ctr"/>
+          <a:lstStyle/>
+          <a:p>
+            <a:pPr algn="ctr"/>
+            <a:endParaRPr lang="en-US"/>
+          </a:p>
+        </p:txBody>
+      </p:sp>
+      <p:sp>
+        <p:nvSpPr>
+          <p:cNvPr id="112" name="Oval 111"/>
+          <p:cNvSpPr/>
+          <p:nvPr/>
+        </p:nvSpPr>
+        <p:spPr>
+          <a:xfrm>
+            <a:off x="1230707" y="3354550"/>
+            <a:ext cx="113574" cy="144335"/>
+          </a:xfrm>
+          <a:prstGeom prst="ellipse">
+            <a:avLst/>
+          </a:prstGeom>
+        </p:spPr>
+        <p:style>
+          <a:lnRef idx="1">
+            <a:schemeClr val="accent3"/>
+          </a:lnRef>
+          <a:fillRef idx="3">
+            <a:schemeClr val="accent3"/>
+          </a:fillRef>
+          <a:effectRef idx="2">
+            <a:schemeClr val="accent3"/>
+          </a:effectRef>
+          <a:fontRef idx="minor">
+            <a:schemeClr val="lt1"/>
+          </a:fontRef>
+        </p:style>
+        <p:txBody>
+          <a:bodyPr rtlCol="0" anchor="ctr"/>
+          <a:lstStyle/>
+          <a:p>
+            <a:pPr algn="ctr"/>
+            <a:endParaRPr lang="en-US"/>
+          </a:p>
+        </p:txBody>
+      </p:sp>
+      <p:sp>
+        <p:nvSpPr>
+          <p:cNvPr id="113" name="Oval 112"/>
+          <p:cNvSpPr/>
+          <p:nvPr/>
+        </p:nvSpPr>
+        <p:spPr>
+          <a:xfrm>
+            <a:off x="1230708" y="3647816"/>
+            <a:ext cx="113574" cy="144335"/>
+          </a:xfrm>
+          <a:prstGeom prst="ellipse">
+            <a:avLst/>
+          </a:prstGeom>
+        </p:spPr>
+        <p:style>
+          <a:lnRef idx="1">
+            <a:schemeClr val="accent3"/>
+          </a:lnRef>
+          <a:fillRef idx="3">
+            <a:schemeClr val="accent3"/>
+          </a:fillRef>
+          <a:effectRef idx="2">
+            <a:schemeClr val="accent3"/>
+          </a:effectRef>
+          <a:fontRef idx="minor">
+            <a:schemeClr val="lt1"/>
+          </a:fontRef>
+        </p:style>
+        <p:txBody>
+          <a:bodyPr rtlCol="0" anchor="ctr"/>
+          <a:lstStyle/>
+          <a:p>
+            <a:pPr algn="ctr"/>
+            <a:endParaRPr lang="en-US"/>
+          </a:p>
+        </p:txBody>
+      </p:sp>
+      <p:cxnSp>
+        <p:nvCxnSpPr>
+          <p:cNvPr id="33" name="Straight Arrow Connector 32"/>
+          <p:cNvCxnSpPr/>
+          <p:nvPr/>
+        </p:nvCxnSpPr>
+        <p:spPr>
+          <a:xfrm>
+            <a:off x="1424838" y="2818360"/>
+            <a:ext cx="939567" cy="0"/>
+          </a:xfrm>
+          <a:prstGeom prst="straightConnector1">
+            <a:avLst/>
+          </a:prstGeom>
+          <a:ln>
+            <a:tailEnd type="arrow"/>
+          </a:ln>
+        </p:spPr>
+        <p:style>
+          <a:lnRef idx="2">
+            <a:schemeClr val="dk1"/>
+          </a:lnRef>
+          <a:fillRef idx="0">
+            <a:schemeClr val="dk1"/>
+          </a:fillRef>
+          <a:effectRef idx="1">
+            <a:schemeClr val="dk1"/>
+          </a:effectRef>
+          <a:fontRef idx="minor">
+            <a:schemeClr val="tx1"/>
+          </a:fontRef>
+        </p:style>
+      </p:cxnSp>
+      <p:cxnSp>
+        <p:nvCxnSpPr>
+          <p:cNvPr id="116" name="Straight Arrow Connector 115"/>
+          <p:cNvCxnSpPr>
+            <a:endCxn id="39" idx="1"/>
+          </p:cNvCxnSpPr>
+          <p:nvPr/>
+        </p:nvCxnSpPr>
+        <p:spPr>
+          <a:xfrm flipV="1">
+            <a:off x="3718318" y="2913859"/>
+            <a:ext cx="349697" cy="143128"/>
+          </a:xfrm>
+          <a:prstGeom prst="straightConnector1">
+            <a:avLst/>
+          </a:prstGeom>
+          <a:ln>
+            <a:tailEnd type="arrow"/>
+          </a:ln>
+        </p:spPr>
+        <p:style>
+          <a:lnRef idx="2">
+            <a:schemeClr val="dk1"/>
+          </a:lnRef>
+          <a:fillRef idx="0">
+            <a:schemeClr val="dk1"/>
+          </a:fillRef>
+          <a:effectRef idx="1">
+            <a:schemeClr val="dk1"/>
+          </a:effectRef>
+          <a:fontRef idx="minor">
+            <a:schemeClr val="tx1"/>
+          </a:fontRef>
+        </p:style>
+      </p:cxnSp>
+      <p:sp>
+        <p:nvSpPr>
+          <p:cNvPr id="39" name="Left Brace 38"/>
+          <p:cNvSpPr/>
+          <p:nvPr/>
+        </p:nvSpPr>
+        <p:spPr>
+          <a:xfrm>
+            <a:off x="4068015" y="1712768"/>
+            <a:ext cx="877618" cy="2620182"/>
+          </a:xfrm>
+          <a:prstGeom prst="leftBrace">
+            <a:avLst>
+              <a:gd name="adj1" fmla="val 42352"/>
+              <a:gd name="adj2" fmla="val 45840"/>
+            </a:avLst>
+          </a:prstGeom>
+        </p:spPr>
+        <p:style>
+          <a:lnRef idx="2">
+            <a:schemeClr val="dk1"/>
+          </a:lnRef>
+          <a:fillRef idx="0">
+            <a:schemeClr val="dk1"/>
+          </a:fillRef>
+          <a:effectRef idx="1">
+            <a:schemeClr val="dk1"/>
+          </a:effectRef>
+          <a:fontRef idx="minor">
+            <a:schemeClr val="tx1"/>
+          </a:fontRef>
+        </p:style>
+        <p:txBody>
+          <a:bodyPr rtlCol="0" anchor="ctr"/>
+          <a:lstStyle/>
+          <a:p>
+            <a:pPr algn="ctr"/>
+            <a:endParaRPr lang="en-US"/>
+          </a:p>
+        </p:txBody>
+      </p:sp>
+      <p:sp>
+        <p:nvSpPr>
+          <p:cNvPr id="133" name="Rectangle 132"/>
+          <p:cNvSpPr/>
+          <p:nvPr/>
+        </p:nvSpPr>
+        <p:spPr>
+          <a:xfrm rot="5400000">
+            <a:off x="7969081" y="1337529"/>
+            <a:ext cx="458517" cy="1135417"/>
+          </a:xfrm>
+          <a:prstGeom prst="rect">
+            <a:avLst/>
+          </a:prstGeom>
+        </p:spPr>
+        <p:style>
+          <a:lnRef idx="2">
+            <a:schemeClr val="accent3"/>
+          </a:lnRef>
+          <a:fillRef idx="1">
+            <a:schemeClr val="lt1"/>
+          </a:fillRef>
+          <a:effectRef idx="0">
+            <a:schemeClr val="accent3"/>
+          </a:effectRef>
+          <a:fontRef idx="minor">
+            <a:schemeClr val="dk1"/>
+          </a:fontRef>
+        </p:style>
+        <p:txBody>
+          <a:bodyPr rtlCol="0" anchor="ctr"/>
+          <a:lstStyle/>
+          <a:p>
+            <a:pPr algn="ctr"/>
+            <a:endParaRPr lang="en-US" sz="1600" dirty="0" smtClean="0"/>
+          </a:p>
+        </p:txBody>
+      </p:sp>
+      <p:sp>
+        <p:nvSpPr>
+          <p:cNvPr id="134" name="Oval 133"/>
+          <p:cNvSpPr/>
+          <p:nvPr/>
+        </p:nvSpPr>
+        <p:spPr>
+          <a:xfrm rot="5400000">
+            <a:off x="7785834" y="1841792"/>
+            <a:ext cx="113574" cy="144335"/>
+          </a:xfrm>
+          <a:prstGeom prst="ellipse">
+            <a:avLst/>
+          </a:prstGeom>
+        </p:spPr>
+        <p:style>
+          <a:lnRef idx="1">
+            <a:schemeClr val="accent3"/>
+          </a:lnRef>
+          <a:fillRef idx="3">
+            <a:schemeClr val="accent3"/>
+          </a:fillRef>
+          <a:effectRef idx="2">
+            <a:schemeClr val="accent3"/>
+          </a:effectRef>
+          <a:fontRef idx="minor">
+            <a:schemeClr val="lt1"/>
+          </a:fontRef>
+        </p:style>
+        <p:txBody>
+          <a:bodyPr rtlCol="0" anchor="ctr"/>
+          <a:lstStyle/>
+          <a:p>
+            <a:pPr algn="ctr"/>
+            <a:endParaRPr lang="en-US"/>
+          </a:p>
+        </p:txBody>
+      </p:sp>
+      <p:sp>
+        <p:nvSpPr>
+          <p:cNvPr id="135" name="Oval 134"/>
+          <p:cNvSpPr/>
+          <p:nvPr/>
+        </p:nvSpPr>
+        <p:spPr>
+          <a:xfrm rot="5400000">
+            <a:off x="8154112" y="1841791"/>
+            <a:ext cx="113574" cy="144335"/>
+          </a:xfrm>
+          <a:prstGeom prst="ellipse">
+            <a:avLst/>
+          </a:prstGeom>
+        </p:spPr>
+        <p:style>
+          <a:lnRef idx="1">
+            <a:schemeClr val="accent3"/>
+          </a:lnRef>
+          <a:fillRef idx="3">
+            <a:schemeClr val="accent3"/>
+          </a:fillRef>
+          <a:effectRef idx="2">
+            <a:schemeClr val="accent3"/>
+          </a:effectRef>
+          <a:fontRef idx="minor">
+            <a:schemeClr val="lt1"/>
+          </a:fontRef>
+        </p:style>
+        <p:txBody>
+          <a:bodyPr rtlCol="0" anchor="ctr"/>
+          <a:lstStyle/>
+          <a:p>
+            <a:pPr algn="ctr"/>
+            <a:endParaRPr lang="en-US"/>
+          </a:p>
+        </p:txBody>
+      </p:sp>
+      <p:sp>
+        <p:nvSpPr>
+          <p:cNvPr id="137" name="Oval 136"/>
+          <p:cNvSpPr/>
+          <p:nvPr/>
+        </p:nvSpPr>
+        <p:spPr>
+          <a:xfrm rot="5400000">
+            <a:off x="8505160" y="1841793"/>
+            <a:ext cx="113574" cy="144335"/>
+          </a:xfrm>
+          <a:prstGeom prst="ellipse">
+            <a:avLst/>
+          </a:prstGeom>
+        </p:spPr>
+        <p:style>
+          <a:lnRef idx="1">
+            <a:schemeClr val="accent3"/>
+          </a:lnRef>
+          <a:fillRef idx="3">
+            <a:schemeClr val="accent3"/>
+          </a:fillRef>
+          <a:effectRef idx="2">
+            <a:schemeClr val="accent3"/>
+          </a:effectRef>
+          <a:fontRef idx="minor">
+            <a:schemeClr val="lt1"/>
+          </a:fontRef>
+        </p:style>
+        <p:txBody>
+          <a:bodyPr rtlCol="0" anchor="ctr"/>
+          <a:lstStyle/>
+          <a:p>
+            <a:pPr algn="ctr"/>
+            <a:endParaRPr lang="en-US"/>
+          </a:p>
+        </p:txBody>
+      </p:sp>
+      <p:sp>
+        <p:nvSpPr>
+          <p:cNvPr id="138" name="Rectangle 137"/>
+          <p:cNvSpPr/>
+          <p:nvPr/>
+        </p:nvSpPr>
+        <p:spPr>
+          <a:xfrm>
+            <a:off x="6474645" y="2848231"/>
+            <a:ext cx="761580" cy="824156"/>
+          </a:xfrm>
+          <a:prstGeom prst="rect">
+            <a:avLst/>
+          </a:prstGeom>
+        </p:spPr>
+        <p:style>
+          <a:lnRef idx="2">
+            <a:schemeClr val="accent3"/>
+          </a:lnRef>
+          <a:fillRef idx="1">
+            <a:schemeClr val="lt1"/>
+          </a:fillRef>
+          <a:effectRef idx="0">
+            <a:schemeClr val="accent3"/>
+          </a:effectRef>
+          <a:fontRef idx="minor">
+            <a:schemeClr val="dk1"/>
+          </a:fontRef>
+        </p:style>
+        <p:txBody>
+          <a:bodyPr rtlCol="0" anchor="ctr"/>
+          <a:lstStyle/>
+          <a:p>
+            <a:endParaRPr lang="en-US" sz="1400" dirty="0"/>
+          </a:p>
+        </p:txBody>
+      </p:sp>
+      <p:sp>
+        <p:nvSpPr>
+          <p:cNvPr id="139" name="Rectangle 138"/>
+          <p:cNvSpPr/>
+          <p:nvPr/>
+        </p:nvSpPr>
+        <p:spPr>
+          <a:xfrm>
+            <a:off x="7576176" y="3672387"/>
+            <a:ext cx="1567824" cy="291781"/>
+          </a:xfrm>
+          <a:prstGeom prst="rect">
+            <a:avLst/>
+          </a:prstGeom>
+        </p:spPr>
+        <p:style>
+          <a:lnRef idx="1">
+            <a:schemeClr val="accent3"/>
+          </a:lnRef>
+          <a:fillRef idx="3">
+            <a:schemeClr val="accent3"/>
+          </a:fillRef>
+          <a:effectRef idx="2">
+            <a:schemeClr val="accent3"/>
+          </a:effectRef>
+          <a:fontRef idx="minor">
+            <a:schemeClr val="lt1"/>
+          </a:fontRef>
+        </p:style>
+        <p:txBody>
+          <a:bodyPr rtlCol="0" anchor="ctr"/>
+          <a:lstStyle/>
+          <a:p>
+            <a:pPr algn="ctr"/>
+            <a:r>
+              <a:rPr lang="en-US" sz="1400" dirty="0" smtClean="0"/>
+              <a:t>(A,</a:t>
+            </a:r>
+            <a:r>
+              <a:rPr lang="en-US" sz="1400" dirty="0" smtClean="0"/>
+              <a:t>B)</a:t>
+            </a:r>
+            <a:r>
+              <a:rPr lang="en-US" sz="1400" dirty="0" smtClean="0"/>
+              <a:t>,(</a:t>
+            </a:r>
+            <a:r>
+              <a:rPr lang="en-US" sz="1400" dirty="0" smtClean="0"/>
+              <a:t>D),(E,E)</a:t>
+            </a:r>
+            <a:endParaRPr lang="en-US" sz="1400" dirty="0"/>
+          </a:p>
+        </p:txBody>
+      </p:sp>
+      <p:sp>
+        <p:nvSpPr>
+          <p:cNvPr id="140" name="Left Brace 139"/>
+          <p:cNvSpPr/>
+          <p:nvPr/>
+        </p:nvSpPr>
+        <p:spPr>
+          <a:xfrm>
+            <a:off x="7187301" y="2933822"/>
+            <a:ext cx="578250" cy="1293045"/>
+          </a:xfrm>
+          <a:prstGeom prst="leftBrace">
+            <a:avLst>
+              <a:gd name="adj1" fmla="val 42352"/>
+              <a:gd name="adj2" fmla="val 45840"/>
+            </a:avLst>
+          </a:prstGeom>
+        </p:spPr>
+        <p:style>
+          <a:lnRef idx="2">
+            <a:schemeClr val="dk1"/>
+          </a:lnRef>
+          <a:fillRef idx="0">
+            <a:schemeClr val="dk1"/>
+          </a:fillRef>
+          <a:effectRef idx="1">
+            <a:schemeClr val="dk1"/>
+          </a:effectRef>
+          <a:fontRef idx="minor">
+            <a:schemeClr val="tx1"/>
+          </a:fontRef>
+        </p:style>
+        <p:txBody>
+          <a:bodyPr rtlCol="0" anchor="ctr"/>
+          <a:lstStyle/>
+          <a:p>
+            <a:pPr algn="ctr"/>
+            <a:endParaRPr lang="en-US"/>
+          </a:p>
+        </p:txBody>
+      </p:sp>
+      <p:sp>
+        <p:nvSpPr>
+          <p:cNvPr id="141" name="Rectangle 140"/>
+          <p:cNvSpPr/>
+          <p:nvPr/>
+        </p:nvSpPr>
+        <p:spPr>
+          <a:xfrm>
+            <a:off x="7576176" y="3097005"/>
+            <a:ext cx="1567824" cy="291781"/>
+          </a:xfrm>
+          <a:prstGeom prst="rect">
+            <a:avLst/>
+          </a:prstGeom>
+        </p:spPr>
+        <p:style>
+          <a:lnRef idx="1">
+            <a:schemeClr val="accent3"/>
+          </a:lnRef>
+          <a:fillRef idx="3">
+            <a:schemeClr val="accent3"/>
+          </a:fillRef>
+          <a:effectRef idx="2">
+            <a:schemeClr val="accent3"/>
+          </a:effectRef>
+          <a:fontRef idx="minor">
+            <a:schemeClr val="lt1"/>
+          </a:fontRef>
+        </p:style>
+        <p:txBody>
+          <a:bodyPr rtlCol="0" anchor="ctr"/>
+          <a:lstStyle/>
+          <a:p>
+            <a:pPr algn="ctr"/>
+            <a:r>
+              <a:rPr lang="en-US" sz="1400" dirty="0" smtClean="0"/>
+              <a:t>…</a:t>
+            </a:r>
+            <a:endParaRPr lang="en-US" sz="1400" dirty="0"/>
+          </a:p>
+        </p:txBody>
+      </p:sp>
+      <p:cxnSp>
+        <p:nvCxnSpPr>
+          <p:cNvPr id="142" name="Straight Arrow Connector 141"/>
+          <p:cNvCxnSpPr/>
+          <p:nvPr/>
+        </p:nvCxnSpPr>
+        <p:spPr>
+          <a:xfrm>
+            <a:off x="7012452" y="3208589"/>
+            <a:ext cx="349697" cy="180197"/>
+          </a:xfrm>
+          <a:prstGeom prst="straightConnector1">
+            <a:avLst/>
+          </a:prstGeom>
+          <a:ln>
+            <a:tailEnd type="arrow"/>
+          </a:ln>
+        </p:spPr>
+        <p:style>
+          <a:lnRef idx="2">
+            <a:schemeClr val="dk1"/>
+          </a:lnRef>
+          <a:fillRef idx="0">
+            <a:schemeClr val="dk1"/>
+          </a:fillRef>
+          <a:effectRef idx="1">
+            <a:schemeClr val="dk1"/>
+          </a:effectRef>
+          <a:fontRef idx="minor">
+            <a:schemeClr val="tx1"/>
+          </a:fontRef>
+        </p:style>
+      </p:cxnSp>
+      <p:cxnSp>
+        <p:nvCxnSpPr>
+          <p:cNvPr id="144" name="Straight Arrow Connector 143"/>
+          <p:cNvCxnSpPr>
+            <a:stCxn id="135" idx="6"/>
+          </p:cNvCxnSpPr>
+          <p:nvPr/>
+        </p:nvCxnSpPr>
+        <p:spPr>
+          <a:xfrm flipH="1">
+            <a:off x="6928016" y="1970746"/>
+            <a:ext cx="1282883" cy="1093508"/>
+          </a:xfrm>
+          <a:prstGeom prst="straightConnector1">
+            <a:avLst/>
+          </a:prstGeom>
+          <a:ln>
+            <a:tailEnd type="arrow"/>
+          </a:ln>
+        </p:spPr>
+        <p:style>
+          <a:lnRef idx="2">
+            <a:schemeClr val="dk1"/>
+          </a:lnRef>
+          <a:fillRef idx="0">
+            <a:schemeClr val="dk1"/>
+          </a:fillRef>
+          <a:effectRef idx="1">
+            <a:schemeClr val="dk1"/>
+          </a:effectRef>
+          <a:fontRef idx="minor">
+            <a:schemeClr val="tx1"/>
+          </a:fontRef>
+        </p:style>
+      </p:cxnSp>
+      <p:sp>
+        <p:nvSpPr>
+          <p:cNvPr id="148" name="Rectangle 147"/>
+          <p:cNvSpPr/>
+          <p:nvPr/>
+        </p:nvSpPr>
+        <p:spPr>
+          <a:xfrm rot="5400000">
+            <a:off x="5782054" y="5720487"/>
+            <a:ext cx="458517" cy="1135417"/>
+          </a:xfrm>
+          <a:prstGeom prst="rect">
+            <a:avLst/>
+          </a:prstGeom>
+        </p:spPr>
+        <p:style>
+          <a:lnRef idx="2">
+            <a:schemeClr val="accent3"/>
+          </a:lnRef>
+          <a:fillRef idx="1">
+            <a:schemeClr val="lt1"/>
+          </a:fillRef>
+          <a:effectRef idx="0">
+            <a:schemeClr val="accent3"/>
+          </a:effectRef>
+          <a:fontRef idx="minor">
+            <a:schemeClr val="dk1"/>
+          </a:fontRef>
+        </p:style>
+        <p:txBody>
+          <a:bodyPr rtlCol="0" anchor="ctr"/>
+          <a:lstStyle/>
+          <a:p>
+            <a:pPr algn="ctr"/>
+            <a:endParaRPr lang="en-US" sz="1600" dirty="0" smtClean="0"/>
+          </a:p>
+        </p:txBody>
+      </p:sp>
+      <p:sp>
+        <p:nvSpPr>
+          <p:cNvPr id="149" name="Oval 148"/>
+          <p:cNvSpPr/>
+          <p:nvPr/>
+        </p:nvSpPr>
+        <p:spPr>
+          <a:xfrm rot="5400000">
+            <a:off x="5612734" y="6210293"/>
+            <a:ext cx="113574" cy="144335"/>
+          </a:xfrm>
+          <a:prstGeom prst="ellipse">
+            <a:avLst/>
+          </a:prstGeom>
+        </p:spPr>
+        <p:style>
+          <a:lnRef idx="1">
+            <a:schemeClr val="accent3"/>
+          </a:lnRef>
+          <a:fillRef idx="3">
+            <a:schemeClr val="accent3"/>
+          </a:fillRef>
+          <a:effectRef idx="2">
+            <a:schemeClr val="accent3"/>
+          </a:effectRef>
+          <a:fontRef idx="minor">
+            <a:schemeClr val="lt1"/>
+          </a:fontRef>
+        </p:style>
+        <p:txBody>
+          <a:bodyPr rtlCol="0" anchor="ctr"/>
+          <a:lstStyle/>
+          <a:p>
+            <a:pPr algn="ctr"/>
+            <a:endParaRPr lang="en-US"/>
+          </a:p>
+        </p:txBody>
+      </p:sp>
+      <p:sp>
+        <p:nvSpPr>
+          <p:cNvPr id="150" name="Oval 149"/>
+          <p:cNvSpPr/>
+          <p:nvPr/>
+        </p:nvSpPr>
+        <p:spPr>
+          <a:xfrm rot="5400000">
+            <a:off x="5981012" y="6210292"/>
+            <a:ext cx="113574" cy="144335"/>
+          </a:xfrm>
+          <a:prstGeom prst="ellipse">
+            <a:avLst/>
+          </a:prstGeom>
+        </p:spPr>
+        <p:style>
+          <a:lnRef idx="1">
+            <a:schemeClr val="accent3"/>
+          </a:lnRef>
+          <a:fillRef idx="3">
+            <a:schemeClr val="accent3"/>
+          </a:fillRef>
+          <a:effectRef idx="2">
+            <a:schemeClr val="accent3"/>
+          </a:effectRef>
+          <a:fontRef idx="minor">
+            <a:schemeClr val="lt1"/>
+          </a:fontRef>
+        </p:style>
+        <p:txBody>
+          <a:bodyPr rtlCol="0" anchor="ctr"/>
+          <a:lstStyle/>
+          <a:p>
+            <a:pPr algn="ctr"/>
+            <a:endParaRPr lang="en-US"/>
+          </a:p>
+        </p:txBody>
+      </p:sp>
+      <p:sp>
+        <p:nvSpPr>
+          <p:cNvPr id="151" name="Oval 150"/>
+          <p:cNvSpPr/>
+          <p:nvPr/>
+        </p:nvSpPr>
+        <p:spPr>
+          <a:xfrm rot="5400000">
+            <a:off x="6332060" y="6210294"/>
+            <a:ext cx="113574" cy="144335"/>
+          </a:xfrm>
+          <a:prstGeom prst="ellipse">
+            <a:avLst/>
+          </a:prstGeom>
+        </p:spPr>
+        <p:style>
+          <a:lnRef idx="1">
+            <a:schemeClr val="accent3"/>
+          </a:lnRef>
+          <a:fillRef idx="3">
+            <a:schemeClr val="accent3"/>
+          </a:fillRef>
+          <a:effectRef idx="2">
+            <a:schemeClr val="accent3"/>
+          </a:effectRef>
+          <a:fontRef idx="minor">
+            <a:schemeClr val="lt1"/>
+          </a:fontRef>
+        </p:style>
+        <p:txBody>
+          <a:bodyPr rtlCol="0" anchor="ctr"/>
+          <a:lstStyle/>
+          <a:p>
+            <a:pPr algn="ctr"/>
+            <a:endParaRPr lang="en-US"/>
+          </a:p>
+        </p:txBody>
+      </p:sp>
+      <p:sp>
+        <p:nvSpPr>
+          <p:cNvPr id="152" name="Rectangle 151"/>
+          <p:cNvSpPr/>
+          <p:nvPr/>
+        </p:nvSpPr>
+        <p:spPr>
+          <a:xfrm>
+            <a:off x="7470456" y="5764477"/>
+            <a:ext cx="761580" cy="824156"/>
+          </a:xfrm>
+          <a:prstGeom prst="rect">
+            <a:avLst/>
+          </a:prstGeom>
+        </p:spPr>
+        <p:style>
+          <a:lnRef idx="2">
+            <a:schemeClr val="accent3"/>
+          </a:lnRef>
+          <a:fillRef idx="1">
+            <a:schemeClr val="lt1"/>
+          </a:fillRef>
+          <a:effectRef idx="0">
+            <a:schemeClr val="accent3"/>
+          </a:effectRef>
+          <a:fontRef idx="minor">
+            <a:schemeClr val="dk1"/>
+          </a:fontRef>
+        </p:style>
+        <p:txBody>
+          <a:bodyPr rtlCol="0" anchor="ctr"/>
+          <a:lstStyle/>
+          <a:p>
+            <a:endParaRPr lang="en-US" sz="1400" dirty="0"/>
+          </a:p>
+        </p:txBody>
+      </p:sp>
+      <p:sp>
+        <p:nvSpPr>
+          <p:cNvPr id="154" name="Left Brace 153"/>
+          <p:cNvSpPr/>
+          <p:nvPr/>
+        </p:nvSpPr>
+        <p:spPr>
+          <a:xfrm rot="10800000">
+            <a:off x="8305769" y="4218138"/>
+            <a:ext cx="578250" cy="1293045"/>
+          </a:xfrm>
+          <a:prstGeom prst="leftBrace">
+            <a:avLst>
+              <a:gd name="adj1" fmla="val 42352"/>
+              <a:gd name="adj2" fmla="val 45840"/>
+            </a:avLst>
+          </a:prstGeom>
+        </p:spPr>
+        <p:style>
+          <a:lnRef idx="2">
+            <a:schemeClr val="dk1"/>
+          </a:lnRef>
+          <a:fillRef idx="0">
+            <a:schemeClr val="dk1"/>
+          </a:fillRef>
+          <a:effectRef idx="1">
+            <a:schemeClr val="dk1"/>
+          </a:effectRef>
+          <a:fontRef idx="minor">
+            <a:schemeClr val="tx1"/>
+          </a:fontRef>
+        </p:style>
+        <p:txBody>
+          <a:bodyPr rtlCol="0" anchor="ctr"/>
+          <a:lstStyle/>
+          <a:p>
+            <a:pPr algn="ctr"/>
+            <a:endParaRPr lang="en-US"/>
+          </a:p>
+        </p:txBody>
+      </p:sp>
+      <p:sp>
+        <p:nvSpPr>
+          <p:cNvPr id="155" name="Rectangle 154"/>
+          <p:cNvSpPr/>
+          <p:nvPr/>
+        </p:nvSpPr>
+        <p:spPr>
+          <a:xfrm>
+            <a:off x="6715243" y="4935538"/>
+            <a:ext cx="1567824" cy="291781"/>
+          </a:xfrm>
+          <a:prstGeom prst="rect">
+            <a:avLst/>
+          </a:prstGeom>
+        </p:spPr>
+        <p:style>
+          <a:lnRef idx="1">
+            <a:schemeClr val="accent3"/>
+          </a:lnRef>
+          <a:fillRef idx="3">
+            <a:schemeClr val="accent3"/>
+          </a:fillRef>
+          <a:effectRef idx="2">
+            <a:schemeClr val="accent3"/>
+          </a:effectRef>
+          <a:fontRef idx="minor">
+            <a:schemeClr val="lt1"/>
+          </a:fontRef>
+        </p:style>
+        <p:txBody>
+          <a:bodyPr rtlCol="0" anchor="ctr"/>
+          <a:lstStyle/>
+          <a:p>
+            <a:pPr algn="ctr"/>
+            <a:r>
+              <a:rPr lang="en-US" sz="1400" dirty="0" smtClean="0"/>
+              <a:t>…</a:t>
+            </a:r>
+            <a:endParaRPr lang="en-US" sz="1400" dirty="0"/>
+          </a:p>
+        </p:txBody>
+      </p:sp>
+      <p:cxnSp>
+        <p:nvCxnSpPr>
+          <p:cNvPr id="156" name="Straight Arrow Connector 155"/>
+          <p:cNvCxnSpPr/>
+          <p:nvPr/>
+        </p:nvCxnSpPr>
+        <p:spPr>
+          <a:xfrm flipV="1">
+            <a:off x="6478785" y="6127904"/>
+            <a:ext cx="1291668" cy="48652"/>
+          </a:xfrm>
+          <a:prstGeom prst="straightConnector1">
+            <a:avLst/>
+          </a:prstGeom>
+          <a:ln>
+            <a:tailEnd type="arrow"/>
+          </a:ln>
+        </p:spPr>
+        <p:style>
+          <a:lnRef idx="2">
+            <a:schemeClr val="dk1"/>
+          </a:lnRef>
+          <a:fillRef idx="0">
+            <a:schemeClr val="dk1"/>
+          </a:fillRef>
+          <a:effectRef idx="1">
+            <a:schemeClr val="dk1"/>
+          </a:effectRef>
+          <a:fontRef idx="minor">
+            <a:schemeClr val="tx1"/>
+          </a:fontRef>
+        </p:style>
+      </p:cxnSp>
+      <p:sp>
+        <p:nvSpPr>
+          <p:cNvPr id="171" name="Rectangle 170"/>
+          <p:cNvSpPr/>
+          <p:nvPr/>
+        </p:nvSpPr>
+        <p:spPr>
+          <a:xfrm rot="5400000">
+            <a:off x="4516371" y="4622758"/>
+            <a:ext cx="777687" cy="500036"/>
+          </a:xfrm>
+          <a:prstGeom prst="rect">
+            <a:avLst/>
+          </a:prstGeom>
+        </p:spPr>
+        <p:style>
+          <a:lnRef idx="2">
+            <a:schemeClr val="accent5"/>
+          </a:lnRef>
+          <a:fillRef idx="1">
+            <a:schemeClr val="lt1"/>
+          </a:fillRef>
+          <a:effectRef idx="0">
+            <a:schemeClr val="accent5"/>
+          </a:effectRef>
+          <a:fontRef idx="minor">
+            <a:schemeClr val="dk1"/>
+          </a:fontRef>
+        </p:style>
+        <p:txBody>
+          <a:bodyPr rtlCol="0" anchor="ctr"/>
+          <a:lstStyle/>
+          <a:p>
+            <a:pPr algn="ctr"/>
+            <a:endParaRPr lang="en-US" sz="1600" dirty="0" smtClean="0"/>
+          </a:p>
+        </p:txBody>
+      </p:sp>
+      <p:sp>
+        <p:nvSpPr>
+          <p:cNvPr id="172" name="Oval 171"/>
+          <p:cNvSpPr/>
+          <p:nvPr/>
+        </p:nvSpPr>
+        <p:spPr>
+          <a:xfrm rot="5400000">
+            <a:off x="4858465" y="4613977"/>
+            <a:ext cx="113574" cy="144335"/>
+          </a:xfrm>
+          <a:prstGeom prst="ellipse">
+            <a:avLst/>
+          </a:prstGeom>
+        </p:spPr>
+        <p:style>
+          <a:lnRef idx="1">
+            <a:schemeClr val="accent5"/>
+          </a:lnRef>
+          <a:fillRef idx="3">
+            <a:schemeClr val="accent5"/>
+          </a:fillRef>
+          <a:effectRef idx="2">
+            <a:schemeClr val="accent5"/>
+          </a:effectRef>
+          <a:fontRef idx="minor">
+            <a:schemeClr val="lt1"/>
+          </a:fontRef>
+        </p:style>
+        <p:txBody>
+          <a:bodyPr rtlCol="0" anchor="ctr"/>
+          <a:lstStyle/>
+          <a:p>
+            <a:pPr algn="ctr"/>
+            <a:endParaRPr lang="en-US"/>
+          </a:p>
+        </p:txBody>
+      </p:sp>
+      <p:sp>
+        <p:nvSpPr>
+          <p:cNvPr id="173" name="Oval 172"/>
+          <p:cNvSpPr/>
+          <p:nvPr/>
+        </p:nvSpPr>
+        <p:spPr>
+          <a:xfrm rot="5400000">
+            <a:off x="4858465" y="4962589"/>
+            <a:ext cx="113574" cy="144335"/>
+          </a:xfrm>
+          <a:prstGeom prst="ellipse">
+            <a:avLst/>
+          </a:prstGeom>
+        </p:spPr>
+        <p:style>
+          <a:lnRef idx="1">
+            <a:schemeClr val="accent5"/>
+          </a:lnRef>
+          <a:fillRef idx="3">
+            <a:schemeClr val="accent5"/>
+          </a:fillRef>
+          <a:effectRef idx="2">
+            <a:schemeClr val="accent5"/>
+          </a:effectRef>
+          <a:fontRef idx="minor">
+            <a:schemeClr val="lt1"/>
+          </a:fontRef>
+        </p:style>
+        <p:txBody>
+          <a:bodyPr rtlCol="0" anchor="ctr"/>
+          <a:lstStyle/>
+          <a:p>
+            <a:pPr algn="ctr"/>
+            <a:endParaRPr lang="en-US"/>
+          </a:p>
+        </p:txBody>
+      </p:sp>
+      <p:cxnSp>
+        <p:nvCxnSpPr>
+          <p:cNvPr id="103" name="Elbow Connector 102"/>
+          <p:cNvCxnSpPr>
+            <a:stCxn id="88" idx="3"/>
+            <a:endCxn id="171" idx="2"/>
+          </p:cNvCxnSpPr>
+          <p:nvPr/>
+        </p:nvCxnSpPr>
+        <p:spPr>
+          <a:xfrm>
+            <a:off x="3830981" y="3251819"/>
+            <a:ext cx="824216" cy="1620958"/>
+          </a:xfrm>
+          <a:prstGeom prst="bentConnector3">
+            <a:avLst>
+              <a:gd name="adj1" fmla="val 50000"/>
+            </a:avLst>
+          </a:prstGeom>
+        </p:spPr>
+        <p:style>
+          <a:lnRef idx="2">
+            <a:schemeClr val="dk1"/>
+          </a:lnRef>
+          <a:fillRef idx="0">
+            <a:schemeClr val="dk1"/>
+          </a:fillRef>
+          <a:effectRef idx="1">
+            <a:schemeClr val="dk1"/>
+          </a:effectRef>
+          <a:fontRef idx="minor">
+            <a:schemeClr val="tx1"/>
+          </a:fontRef>
+        </p:style>
+      </p:cxnSp>
+      <p:cxnSp>
+        <p:nvCxnSpPr>
+          <p:cNvPr id="178" name="Straight Arrow Connector 177"/>
+          <p:cNvCxnSpPr>
+            <a:stCxn id="172" idx="7"/>
+          </p:cNvCxnSpPr>
+          <p:nvPr/>
+        </p:nvCxnSpPr>
+        <p:spPr>
+          <a:xfrm flipV="1">
+            <a:off x="4966283" y="3807807"/>
+            <a:ext cx="2804170" cy="918492"/>
+          </a:xfrm>
+          <a:prstGeom prst="straightConnector1">
+            <a:avLst/>
+          </a:prstGeom>
+          <a:ln>
+            <a:tailEnd type="arrow"/>
+          </a:ln>
+        </p:spPr>
+        <p:style>
+          <a:lnRef idx="2">
+            <a:schemeClr val="dk1"/>
+          </a:lnRef>
+          <a:fillRef idx="0">
+            <a:schemeClr val="dk1"/>
+          </a:fillRef>
+          <a:effectRef idx="1">
+            <a:schemeClr val="dk1"/>
+          </a:effectRef>
+          <a:fontRef idx="minor">
+            <a:schemeClr val="tx1"/>
+          </a:fontRef>
+        </p:style>
+      </p:cxnSp>
+      <p:cxnSp>
+        <p:nvCxnSpPr>
+          <p:cNvPr id="184" name="Straight Arrow Connector 183"/>
+          <p:cNvCxnSpPr/>
+          <p:nvPr/>
+        </p:nvCxnSpPr>
+        <p:spPr>
+          <a:xfrm flipV="1">
+            <a:off x="8053431" y="5511184"/>
+            <a:ext cx="712617" cy="714488"/>
+          </a:xfrm>
+          <a:prstGeom prst="straightConnector1">
+            <a:avLst/>
+          </a:prstGeom>
+          <a:ln>
+            <a:tailEnd type="arrow"/>
+          </a:ln>
+        </p:spPr>
+        <p:style>
+          <a:lnRef idx="2">
+            <a:schemeClr val="dk1"/>
+          </a:lnRef>
+          <a:fillRef idx="0">
+            <a:schemeClr val="dk1"/>
+          </a:fillRef>
+          <a:effectRef idx="1">
+            <a:schemeClr val="dk1"/>
+          </a:effectRef>
+          <a:fontRef idx="minor">
+            <a:schemeClr val="tx1"/>
+          </a:fontRef>
+        </p:style>
+      </p:cxnSp>
+      <p:cxnSp>
+        <p:nvCxnSpPr>
+          <p:cNvPr id="189" name="Straight Arrow Connector 188"/>
+          <p:cNvCxnSpPr>
+            <a:stCxn id="173" idx="1"/>
+          </p:cNvCxnSpPr>
+          <p:nvPr/>
+        </p:nvCxnSpPr>
+        <p:spPr>
+          <a:xfrm>
+            <a:off x="4966283" y="4994603"/>
+            <a:ext cx="2046169" cy="96941"/>
+          </a:xfrm>
+          <a:prstGeom prst="straightConnector1">
+            <a:avLst/>
+          </a:prstGeom>
+          <a:ln>
+            <a:tailEnd type="arrow"/>
+          </a:ln>
+        </p:spPr>
+        <p:style>
+          <a:lnRef idx="2">
+            <a:schemeClr val="dk1"/>
+          </a:lnRef>
+          <a:fillRef idx="0">
+            <a:schemeClr val="dk1"/>
+          </a:fillRef>
+          <a:effectRef idx="1">
+            <a:schemeClr val="dk1"/>
+          </a:effectRef>
+          <a:fontRef idx="minor">
+            <a:schemeClr val="tx1"/>
+          </a:fontRef>
+        </p:style>
+      </p:cxnSp>
+    </p:spTree>
+    <p:extLst>
+      <p:ext uri="{BB962C8B-B14F-4D97-AF65-F5344CB8AC3E}">
+        <p14:creationId xmlns:p14="http://schemas.microsoft.com/office/powerpoint/2010/main" val="1806568674"/>
+      </p:ext>
+    </p:extLst>
+  </p:cSld>
+  <p:clrMapOvr>
+    <a:masterClrMapping/>
+  </p:clrMapOvr>
+</p:sld>
+</file>
+
+<file path=ppt/slides/slide2.xml><?xml version="1.0" encoding="utf-8"?>
+<p:sld xmlns:a="http://schemas.openxmlformats.org/drawingml/2006/main" xmlns:r="http://schemas.openxmlformats.org/officeDocument/2006/relationships" xmlns:p="http://schemas.openxmlformats.org/presentationml/2006/main">
+  <p:cSld>
+    <p:spTree>
+      <p:nvGrpSpPr>
+        <p:cNvPr id="1" name=""/>
+        <p:cNvGrpSpPr/>
+        <p:nvPr/>
+      </p:nvGrpSpPr>
+      <p:grpSpPr>
+        <a:xfrm>
+          <a:off x="0" y="0"/>
+          <a:ext cx="0" cy="0"/>
+          <a:chOff x="0" y="0"/>
+          <a:chExt cx="0" cy="0"/>
+        </a:xfrm>
+      </p:grpSpPr>
+      <p:sp>
+        <p:nvSpPr>
+          <p:cNvPr id="2" name="Title 1"/>
+          <p:cNvSpPr>
+            <a:spLocks noGrp="1"/>
+          </p:cNvSpPr>
+          <p:nvPr>
+            <p:ph type="title"/>
+          </p:nvPr>
+        </p:nvSpPr>
+        <p:spPr/>
+        <p:txBody>
+          <a:bodyPr/>
+          <a:lstStyle/>
+          <a:p>
+            <a:r>
+              <a:rPr lang="en-US" dirty="0" smtClean="0"/>
+              <a:t>Phylogenetic Tree</a:t>
+            </a:r>
+            <a:endParaRPr lang="en-US" dirty="0"/>
+          </a:p>
+        </p:txBody>
+      </p:sp>
+      <p:sp>
+        <p:nvSpPr>
+          <p:cNvPr id="3" name="Content Placeholder 2"/>
+          <p:cNvSpPr>
+            <a:spLocks noGrp="1"/>
+          </p:cNvSpPr>
+          <p:nvPr>
+            <p:ph sz="quarter" idx="1"/>
+          </p:nvPr>
+        </p:nvSpPr>
+        <p:spPr/>
+        <p:txBody>
+          <a:bodyPr>
+            <a:normAutofit/>
+          </a:bodyPr>
+          <a:lstStyle/>
+          <a:p>
+            <a:r>
+              <a:rPr lang="en-US" dirty="0"/>
+              <a:t>Representation of evolutionary relationships between a set of sequences/</a:t>
+            </a:r>
+            <a:r>
+              <a:rPr lang="en-US" dirty="0" smtClean="0"/>
+              <a:t>organisms</a:t>
+            </a:r>
+          </a:p>
+          <a:p>
+            <a:r>
+              <a:rPr lang="en-US" dirty="0" smtClean="0"/>
+              <a:t>Nodes of tree represent species</a:t>
+            </a:r>
+          </a:p>
+          <a:p>
+            <a:pPr lvl="1"/>
+            <a:r>
+              <a:rPr lang="en-US" dirty="0" smtClean="0"/>
+              <a:t>Leaves --- contemporary species</a:t>
+            </a:r>
+          </a:p>
+          <a:p>
+            <a:pPr lvl="1"/>
+            <a:r>
+              <a:rPr lang="en-US" dirty="0" smtClean="0"/>
+              <a:t>Internal nodes ---- hypothetical ancestral species</a:t>
+            </a:r>
+          </a:p>
+          <a:p>
+            <a:r>
+              <a:rPr lang="en-US" dirty="0" smtClean="0"/>
+              <a:t>Edges represent time of independent evolution</a:t>
+            </a:r>
+          </a:p>
+          <a:p>
+            <a:r>
+              <a:rPr lang="en-US" dirty="0" smtClean="0"/>
+              <a:t>The </a:t>
+            </a:r>
+            <a:r>
+              <a:rPr lang="en-US" i="1" dirty="0" smtClean="0"/>
+              <a:t>topology</a:t>
+            </a:r>
+            <a:r>
+              <a:rPr lang="en-US" dirty="0"/>
+              <a:t> </a:t>
+            </a:r>
+            <a:r>
+              <a:rPr lang="en-US" dirty="0" smtClean="0"/>
+              <a:t>of a tree </a:t>
+            </a:r>
+            <a:endParaRPr lang="en-US" dirty="0"/>
+          </a:p>
+        </p:txBody>
+      </p:sp>
+    </p:spTree>
+    <p:extLst>
+      <p:ext uri="{BB962C8B-B14F-4D97-AF65-F5344CB8AC3E}">
+        <p14:creationId xmlns:p14="http://schemas.microsoft.com/office/powerpoint/2010/main" val="4217128055"/>
+      </p:ext>
+    </p:extLst>
+  </p:cSld>
+  <p:clrMapOvr>
+    <a:masterClrMapping/>
+  </p:clrMapOvr>
+  <p:timing>
+    <p:tnLst>
+      <p:par>
+        <p:cTn xmlns:p14="http://schemas.microsoft.com/office/powerpoint/2010/main" id="1" dur="indefinite" restart="never" nodeType="tmRoot">
+          <p:childTnLst>
+            <p:seq concurrent="1" nextAc="seek">
+              <p:cTn id="2" dur="indefinite" nodeType="mainSeq">
+                <p:childTnLst>
+                  <p:par>
+                    <p:cTn id="3" fill="hold">
+                      <p:stCondLst>
+                        <p:cond delay="indefinite"/>
+                      </p:stCondLst>
+                      <p:childTnLst>
+                        <p:par>
+                          <p:cTn id="4" fill="hold">
+                            <p:stCondLst>
+                              <p:cond delay="0"/>
+                            </p:stCondLst>
+                            <p:childTnLst>
+                              <p:par>
+                                <p:cTn id="5" presetID="1" presetClass="entr" presetSubtype="0" fill="hold" grpId="0" nodeType="clickEffect">
+                                  <p:stCondLst>
+                                    <p:cond delay="0"/>
+                                  </p:stCondLst>
+                                  <p:childTnLst>
+                                    <p:set>
+                                      <p:cBhvr>
+                                        <p:cTn id="6" dur="1" fill="hold">
+                                          <p:stCondLst>
+                                            <p:cond delay="0"/>
+                                          </p:stCondLst>
+                                        </p:cTn>
+                                        <p:tgtEl>
+                                          <p:spTgt spid="3">
+                                            <p:txEl>
+                                              <p:pRg st="0" end="0"/>
+                                            </p:txEl>
+                                          </p:spTgt>
+                                        </p:tgtEl>
+                                        <p:attrNameLst>
+                                          <p:attrName>style.visibility</p:attrName>
+                                        </p:attrNameLst>
+                                      </p:cBhvr>
+                                      <p:to>
+                                        <p:strVal val="visible"/>
+                                      </p:to>
+                                    </p:set>
+                                  </p:childTnLst>
+                                </p:cTn>
+                              </p:par>
+                            </p:childTnLst>
+                          </p:cTn>
+                        </p:par>
+                      </p:childTnLst>
+                    </p:cTn>
+                  </p:par>
+                  <p:par>
+                    <p:cTn id="7" fill="hold">
+                      <p:stCondLst>
+                        <p:cond delay="indefinite"/>
+                      </p:stCondLst>
+                      <p:childTnLst>
+                        <p:par>
+                          <p:cTn id="8" fill="hold">
+                            <p:stCondLst>
+                              <p:cond delay="0"/>
+                            </p:stCondLst>
+                            <p:childTnLst>
+                              <p:par>
+                                <p:cTn id="9" presetID="1" presetClass="entr" presetSubtype="0" fill="hold" grpId="0" nodeType="clickEffect">
+                                  <p:stCondLst>
+                                    <p:cond delay="0"/>
+                                  </p:stCondLst>
+                                  <p:childTnLst>
+                                    <p:set>
+                                      <p:cBhvr>
+                                        <p:cTn id="10" dur="1" fill="hold">
+                                          <p:stCondLst>
+                                            <p:cond delay="0"/>
+                                          </p:stCondLst>
+                                        </p:cTn>
+                                        <p:tgtEl>
+                                          <p:spTgt spid="3">
+                                            <p:txEl>
+                                              <p:pRg st="1" end="1"/>
+                                            </p:txEl>
+                                          </p:spTgt>
+                                        </p:tgtEl>
+                                        <p:attrNameLst>
+                                          <p:attrName>style.visibility</p:attrName>
+                                        </p:attrNameLst>
+                                      </p:cBhvr>
+                                      <p:to>
+                                        <p:strVal val="visible"/>
+                                      </p:to>
+                                    </p:set>
+                                  </p:childTnLst>
+                                </p:cTn>
+                              </p:par>
+                            </p:childTnLst>
+                          </p:cTn>
+                        </p:par>
+                      </p:childTnLst>
+                    </p:cTn>
+                  </p:par>
+                  <p:par>
+                    <p:cTn id="11" fill="hold">
+                      <p:stCondLst>
+                        <p:cond delay="indefinite"/>
+                      </p:stCondLst>
+                      <p:childTnLst>
+                        <p:par>
+                          <p:cTn id="12" fill="hold">
+                            <p:stCondLst>
+                              <p:cond delay="0"/>
+                            </p:stCondLst>
+                            <p:childTnLst>
+                              <p:par>
+                                <p:cTn id="13" presetID="1" presetClass="entr" presetSubtype="0" fill="hold" grpId="0" nodeType="clickEffect">
+                                  <p:stCondLst>
+                                    <p:cond delay="0"/>
+                                  </p:stCondLst>
+                                  <p:childTnLst>
+                                    <p:set>
+                                      <p:cBhvr>
+                                        <p:cTn id="14" dur="1" fill="hold">
+                                          <p:stCondLst>
+                                            <p:cond delay="0"/>
+                                          </p:stCondLst>
+                                        </p:cTn>
+                                        <p:tgtEl>
+                                          <p:spTgt spid="3">
+                                            <p:txEl>
+                                              <p:pRg st="2" end="2"/>
+                                            </p:txEl>
+                                          </p:spTgt>
+                                        </p:tgtEl>
+                                        <p:attrNameLst>
+                                          <p:attrName>style.visibility</p:attrName>
+                                        </p:attrNameLst>
+                                      </p:cBhvr>
+                                      <p:to>
+                                        <p:strVal val="visible"/>
+                                      </p:to>
+                                    </p:set>
+                                  </p:childTnLst>
+                                </p:cTn>
+                              </p:par>
+                            </p:childTnLst>
+                          </p:cTn>
+                        </p:par>
+                      </p:childTnLst>
+                    </p:cTn>
+                  </p:par>
+                  <p:par>
+                    <p:cTn id="15" fill="hold">
+                      <p:stCondLst>
+                        <p:cond delay="indefinite"/>
+                      </p:stCondLst>
+                      <p:childTnLst>
+                        <p:par>
+                          <p:cTn id="16" fill="hold">
+                            <p:stCondLst>
+                              <p:cond delay="0"/>
+                            </p:stCondLst>
+                            <p:childTnLst>
+                              <p:par>
+                                <p:cTn id="17" presetID="1" presetClass="entr" presetSubtype="0" fill="hold" grpId="0" nodeType="clickEffect">
+                                  <p:stCondLst>
+                                    <p:cond delay="0"/>
+                                  </p:stCondLst>
+                                  <p:childTnLst>
+                                    <p:set>
+                                      <p:cBhvr>
+                                        <p:cTn id="18" dur="1" fill="hold">
+                                          <p:stCondLst>
+                                            <p:cond delay="0"/>
+                                          </p:stCondLst>
+                                        </p:cTn>
+                                        <p:tgtEl>
+                                          <p:spTgt spid="3">
+                                            <p:txEl>
+                                              <p:pRg st="3" end="3"/>
+                                            </p:txEl>
+                                          </p:spTgt>
+                                        </p:tgtEl>
+                                        <p:attrNameLst>
+                                          <p:attrName>style.visibility</p:attrName>
+                                        </p:attrNameLst>
+                                      </p:cBhvr>
+                                      <p:to>
+                                        <p:strVal val="visible"/>
+                                      </p:to>
+                                    </p:set>
+                                  </p:childTnLst>
+                                </p:cTn>
+                              </p:par>
+                            </p:childTnLst>
+                          </p:cTn>
+                        </p:par>
+                      </p:childTnLst>
+                    </p:cTn>
+                  </p:par>
+                  <p:par>
+                    <p:cTn id="19" fill="hold">
+                      <p:stCondLst>
+                        <p:cond delay="indefinite"/>
+                      </p:stCondLst>
+                      <p:childTnLst>
+                        <p:par>
+                          <p:cTn id="20" fill="hold">
+                            <p:stCondLst>
+                              <p:cond delay="0"/>
+                            </p:stCondLst>
+                            <p:childTnLst>
+                              <p:par>
+                                <p:cTn id="21" presetID="1" presetClass="entr" presetSubtype="0" fill="hold" grpId="0" nodeType="clickEffect">
+                                  <p:stCondLst>
+                                    <p:cond delay="0"/>
+                                  </p:stCondLst>
+                                  <p:childTnLst>
+                                    <p:set>
+                                      <p:cBhvr>
+                                        <p:cTn id="22" dur="1" fill="hold">
+                                          <p:stCondLst>
+                                            <p:cond delay="0"/>
+                                          </p:stCondLst>
+                                        </p:cTn>
+                                        <p:tgtEl>
+                                          <p:spTgt spid="3">
+                                            <p:txEl>
+                                              <p:pRg st="4" end="4"/>
+                                            </p:txEl>
+                                          </p:spTgt>
+                                        </p:tgtEl>
+                                        <p:attrNameLst>
+                                          <p:attrName>style.visibility</p:attrName>
+                                        </p:attrNameLst>
+                                      </p:cBhvr>
+                                      <p:to>
+                                        <p:strVal val="visible"/>
+                                      </p:to>
+                                    </p:set>
+                                  </p:childTnLst>
+                                </p:cTn>
+                              </p:par>
+                            </p:childTnLst>
+                          </p:cTn>
+                        </p:par>
+                      </p:childTnLst>
+                    </p:cTn>
+                  </p:par>
+                  <p:par>
+                    <p:cTn id="23" fill="hold">
+                      <p:stCondLst>
+                        <p:cond delay="indefinite"/>
+                      </p:stCondLst>
+                      <p:childTnLst>
+                        <p:par>
+                          <p:cTn id="24" fill="hold">
+                            <p:stCondLst>
+                              <p:cond delay="0"/>
+                            </p:stCondLst>
+                            <p:childTnLst>
+                              <p:par>
+                                <p:cTn id="25" presetID="1" presetClass="entr" presetSubtype="0" fill="hold" grpId="0" nodeType="clickEffect">
+                                  <p:stCondLst>
+                                    <p:cond delay="0"/>
+                                  </p:stCondLst>
+                                  <p:childTnLst>
+                                    <p:set>
+                                      <p:cBhvr>
+                                        <p:cTn id="26" dur="1" fill="hold">
+                                          <p:stCondLst>
+                                            <p:cond delay="0"/>
+                                          </p:stCondLst>
+                                        </p:cTn>
+                                        <p:tgtEl>
+                                          <p:spTgt spid="3">
+                                            <p:txEl>
+                                              <p:pRg st="5" end="5"/>
+                                            </p:txEl>
+                                          </p:spTgt>
+                                        </p:tgtEl>
+                                        <p:attrNameLst>
+                                          <p:attrName>style.visibility</p:attrName>
+                                        </p:attrNameLst>
+                                      </p:cBhvr>
+                                      <p:to>
+                                        <p:strVal val="visible"/>
+                                      </p:to>
+                                    </p:set>
+                                  </p:childTnLst>
+                                </p:cTn>
+                              </p:par>
+                            </p:childTnLst>
+                          </p:cTn>
+                        </p:par>
+                      </p:childTnLst>
+                    </p:cTn>
+                  </p:par>
+                </p:childTnLst>
+              </p:cTn>
+              <p:prevCondLst>
+                <p:cond evt="onPrev" delay="0">
+                  <p:tgtEl>
+                    <p:sldTgt/>
+                  </p:tgtEl>
+                </p:cond>
+              </p:prevCondLst>
+              <p:nextCondLst>
+                <p:cond evt="onNext" delay="0">
+                  <p:tgtEl>
+                    <p:sldTgt/>
+                  </p:tgtEl>
+                </p:cond>
+              </p:nextCondLst>
+            </p:seq>
+          </p:childTnLst>
+        </p:cTn>
+      </p:par>
+    </p:tnLst>
+    <p:bldLst>
+      <p:bldP spid="3" grpId="0" build="p"/>
+    </p:bldLst>
+  </p:timing>
+</p:sld>
+</file>
+
+<file path=ppt/slides/slide20.xml><?xml version="1.0" encoding="utf-8"?>
+<p:sld xmlns:a="http://schemas.openxmlformats.org/drawingml/2006/main" xmlns:r="http://schemas.openxmlformats.org/officeDocument/2006/relationships" xmlns:p="http://schemas.openxmlformats.org/presentationml/2006/main">
+  <p:cSld>
+    <p:spTree>
+      <p:nvGrpSpPr>
+        <p:cNvPr id="1" name=""/>
+        <p:cNvGrpSpPr/>
+        <p:nvPr/>
+      </p:nvGrpSpPr>
+      <p:grpSpPr>
+        <a:xfrm>
+          <a:off x="0" y="0"/>
+          <a:ext cx="0" cy="0"/>
+          <a:chOff x="0" y="0"/>
+          <a:chExt cx="0" cy="0"/>
+        </a:xfrm>
+      </p:grpSpPr>
+      <p:sp>
+        <p:nvSpPr>
           <p:cNvPr id="2" name="Title 1"/>
           <p:cNvSpPr>
             <a:spLocks noGrp="1"/>
@@ -9318,7 +11785,7 @@
 </p:sld>
 </file>
 
-<file path=ppt/slides/slide19.xml><?xml version="1.0" encoding="utf-8"?>
+<file path=ppt/slides/slide21.xml><?xml version="1.0" encoding="utf-8"?>
 <p:sld xmlns:a="http://schemas.openxmlformats.org/drawingml/2006/main" xmlns:r="http://schemas.openxmlformats.org/officeDocument/2006/relationships" xmlns:p="http://schemas.openxmlformats.org/presentationml/2006/main" show="0">
   <p:cSld>
     <p:spTree>
@@ -14358,460 +16825,7 @@
 </p:sld>
 </file>
 
-<file path=ppt/slides/slide2.xml><?xml version="1.0" encoding="utf-8"?>
-<p:sld xmlns:a="http://schemas.openxmlformats.org/drawingml/2006/main" xmlns:r="http://schemas.openxmlformats.org/officeDocument/2006/relationships" xmlns:p="http://schemas.openxmlformats.org/presentationml/2006/main">
-  <p:cSld>
-    <p:spTree>
-      <p:nvGrpSpPr>
-        <p:cNvPr id="1" name=""/>
-        <p:cNvGrpSpPr/>
-        <p:nvPr/>
-      </p:nvGrpSpPr>
-      <p:grpSpPr>
-        <a:xfrm>
-          <a:off x="0" y="0"/>
-          <a:ext cx="0" cy="0"/>
-          <a:chOff x="0" y="0"/>
-          <a:chExt cx="0" cy="0"/>
-        </a:xfrm>
-      </p:grpSpPr>
-      <p:sp>
-        <p:nvSpPr>
-          <p:cNvPr id="2" name="Title 1"/>
-          <p:cNvSpPr>
-            <a:spLocks noGrp="1"/>
-          </p:cNvSpPr>
-          <p:nvPr>
-            <p:ph type="title"/>
-          </p:nvPr>
-        </p:nvSpPr>
-        <p:spPr/>
-        <p:txBody>
-          <a:bodyPr/>
-          <a:lstStyle/>
-          <a:p>
-            <a:r>
-              <a:rPr lang="en-US" dirty="0" smtClean="0"/>
-              <a:t>Phylogenetic Tree</a:t>
-            </a:r>
-            <a:endParaRPr lang="en-US" dirty="0"/>
-          </a:p>
-        </p:txBody>
-      </p:sp>
-      <p:sp>
-        <p:nvSpPr>
-          <p:cNvPr id="3" name="Content Placeholder 2"/>
-          <p:cNvSpPr>
-            <a:spLocks noGrp="1"/>
-          </p:cNvSpPr>
-          <p:nvPr>
-            <p:ph sz="quarter" idx="1"/>
-          </p:nvPr>
-        </p:nvSpPr>
-        <p:spPr/>
-        <p:txBody>
-          <a:bodyPr>
-            <a:normAutofit/>
-          </a:bodyPr>
-          <a:lstStyle/>
-          <a:p>
-            <a:r>
-              <a:rPr lang="en-US" dirty="0"/>
-              <a:t>Representation of evolutionary relationships between a set of sequences/</a:t>
-            </a:r>
-            <a:r>
-              <a:rPr lang="en-US" dirty="0" smtClean="0"/>
-              <a:t>organisms</a:t>
-            </a:r>
-          </a:p>
-          <a:p>
-            <a:r>
-              <a:rPr lang="en-US" dirty="0" smtClean="0"/>
-              <a:t>Nodes of tree represent species</a:t>
-            </a:r>
-          </a:p>
-          <a:p>
-            <a:pPr lvl="1"/>
-            <a:r>
-              <a:rPr lang="en-US" dirty="0" smtClean="0"/>
-              <a:t>Leaves --- contemporary species</a:t>
-            </a:r>
-          </a:p>
-          <a:p>
-            <a:pPr lvl="1"/>
-            <a:r>
-              <a:rPr lang="en-US" dirty="0" smtClean="0"/>
-              <a:t>Internal nodes ---- hypothetical ancestral species</a:t>
-            </a:r>
-          </a:p>
-          <a:p>
-            <a:r>
-              <a:rPr lang="en-US" dirty="0" smtClean="0"/>
-              <a:t>Edges represent time of independent evolution</a:t>
-            </a:r>
-          </a:p>
-          <a:p>
-            <a:r>
-              <a:rPr lang="en-US" dirty="0" smtClean="0"/>
-              <a:t>The </a:t>
-            </a:r>
-            <a:r>
-              <a:rPr lang="en-US" i="1" dirty="0" smtClean="0"/>
-              <a:t>topology</a:t>
-            </a:r>
-            <a:r>
-              <a:rPr lang="en-US" dirty="0"/>
-              <a:t> </a:t>
-            </a:r>
-            <a:r>
-              <a:rPr lang="en-US" dirty="0" smtClean="0"/>
-              <a:t>of a tree </a:t>
-            </a:r>
-            <a:endParaRPr lang="en-US" dirty="0"/>
-          </a:p>
-        </p:txBody>
-      </p:sp>
-    </p:spTree>
-    <p:extLst>
-      <p:ext uri="{BB962C8B-B14F-4D97-AF65-F5344CB8AC3E}">
-        <p14:creationId xmlns:p14="http://schemas.microsoft.com/office/powerpoint/2010/main" val="4217128055"/>
-      </p:ext>
-    </p:extLst>
-  </p:cSld>
-  <p:clrMapOvr>
-    <a:masterClrMapping/>
-  </p:clrMapOvr>
-  <p:timing>
-    <p:tnLst>
-      <p:par>
-        <p:cTn xmlns:p14="http://schemas.microsoft.com/office/powerpoint/2010/main" id="1" dur="indefinite" restart="never" nodeType="tmRoot">
-          <p:childTnLst>
-            <p:seq concurrent="1" nextAc="seek">
-              <p:cTn id="2" dur="indefinite" nodeType="mainSeq">
-                <p:childTnLst>
-                  <p:par>
-                    <p:cTn id="3" fill="hold">
-                      <p:stCondLst>
-                        <p:cond delay="indefinite"/>
-                      </p:stCondLst>
-                      <p:childTnLst>
-                        <p:par>
-                          <p:cTn id="4" fill="hold">
-                            <p:stCondLst>
-                              <p:cond delay="0"/>
-                            </p:stCondLst>
-                            <p:childTnLst>
-                              <p:par>
-                                <p:cTn id="5" presetID="1" presetClass="entr" presetSubtype="0" fill="hold" grpId="0" nodeType="clickEffect">
-                                  <p:stCondLst>
-                                    <p:cond delay="0"/>
-                                  </p:stCondLst>
-                                  <p:childTnLst>
-                                    <p:set>
-                                      <p:cBhvr>
-                                        <p:cTn id="6" dur="1" fill="hold">
-                                          <p:stCondLst>
-                                            <p:cond delay="0"/>
-                                          </p:stCondLst>
-                                        </p:cTn>
-                                        <p:tgtEl>
-                                          <p:spTgt spid="3">
-                                            <p:txEl>
-                                              <p:pRg st="0" end="0"/>
-                                            </p:txEl>
-                                          </p:spTgt>
-                                        </p:tgtEl>
-                                        <p:attrNameLst>
-                                          <p:attrName>style.visibility</p:attrName>
-                                        </p:attrNameLst>
-                                      </p:cBhvr>
-                                      <p:to>
-                                        <p:strVal val="visible"/>
-                                      </p:to>
-                                    </p:set>
-                                  </p:childTnLst>
-                                </p:cTn>
-                              </p:par>
-                            </p:childTnLst>
-                          </p:cTn>
-                        </p:par>
-                      </p:childTnLst>
-                    </p:cTn>
-                  </p:par>
-                  <p:par>
-                    <p:cTn id="7" fill="hold">
-                      <p:stCondLst>
-                        <p:cond delay="indefinite"/>
-                      </p:stCondLst>
-                      <p:childTnLst>
-                        <p:par>
-                          <p:cTn id="8" fill="hold">
-                            <p:stCondLst>
-                              <p:cond delay="0"/>
-                            </p:stCondLst>
-                            <p:childTnLst>
-                              <p:par>
-                                <p:cTn id="9" presetID="1" presetClass="entr" presetSubtype="0" fill="hold" grpId="0" nodeType="clickEffect">
-                                  <p:stCondLst>
-                                    <p:cond delay="0"/>
-                                  </p:stCondLst>
-                                  <p:childTnLst>
-                                    <p:set>
-                                      <p:cBhvr>
-                                        <p:cTn id="10" dur="1" fill="hold">
-                                          <p:stCondLst>
-                                            <p:cond delay="0"/>
-                                          </p:stCondLst>
-                                        </p:cTn>
-                                        <p:tgtEl>
-                                          <p:spTgt spid="3">
-                                            <p:txEl>
-                                              <p:pRg st="1" end="1"/>
-                                            </p:txEl>
-                                          </p:spTgt>
-                                        </p:tgtEl>
-                                        <p:attrNameLst>
-                                          <p:attrName>style.visibility</p:attrName>
-                                        </p:attrNameLst>
-                                      </p:cBhvr>
-                                      <p:to>
-                                        <p:strVal val="visible"/>
-                                      </p:to>
-                                    </p:set>
-                                  </p:childTnLst>
-                                </p:cTn>
-                              </p:par>
-                            </p:childTnLst>
-                          </p:cTn>
-                        </p:par>
-                      </p:childTnLst>
-                    </p:cTn>
-                  </p:par>
-                  <p:par>
-                    <p:cTn id="11" fill="hold">
-                      <p:stCondLst>
-                        <p:cond delay="indefinite"/>
-                      </p:stCondLst>
-                      <p:childTnLst>
-                        <p:par>
-                          <p:cTn id="12" fill="hold">
-                            <p:stCondLst>
-                              <p:cond delay="0"/>
-                            </p:stCondLst>
-                            <p:childTnLst>
-                              <p:par>
-                                <p:cTn id="13" presetID="1" presetClass="entr" presetSubtype="0" fill="hold" grpId="0" nodeType="clickEffect">
-                                  <p:stCondLst>
-                                    <p:cond delay="0"/>
-                                  </p:stCondLst>
-                                  <p:childTnLst>
-                                    <p:set>
-                                      <p:cBhvr>
-                                        <p:cTn id="14" dur="1" fill="hold">
-                                          <p:stCondLst>
-                                            <p:cond delay="0"/>
-                                          </p:stCondLst>
-                                        </p:cTn>
-                                        <p:tgtEl>
-                                          <p:spTgt spid="3">
-                                            <p:txEl>
-                                              <p:pRg st="2" end="2"/>
-                                            </p:txEl>
-                                          </p:spTgt>
-                                        </p:tgtEl>
-                                        <p:attrNameLst>
-                                          <p:attrName>style.visibility</p:attrName>
-                                        </p:attrNameLst>
-                                      </p:cBhvr>
-                                      <p:to>
-                                        <p:strVal val="visible"/>
-                                      </p:to>
-                                    </p:set>
-                                  </p:childTnLst>
-                                </p:cTn>
-                              </p:par>
-                            </p:childTnLst>
-                          </p:cTn>
-                        </p:par>
-                      </p:childTnLst>
-                    </p:cTn>
-                  </p:par>
-                  <p:par>
-                    <p:cTn id="15" fill="hold">
-                      <p:stCondLst>
-                        <p:cond delay="indefinite"/>
-                      </p:stCondLst>
-                      <p:childTnLst>
-                        <p:par>
-                          <p:cTn id="16" fill="hold">
-                            <p:stCondLst>
-                              <p:cond delay="0"/>
-                            </p:stCondLst>
-                            <p:childTnLst>
-                              <p:par>
-                                <p:cTn id="17" presetID="1" presetClass="entr" presetSubtype="0" fill="hold" grpId="0" nodeType="clickEffect">
-                                  <p:stCondLst>
-                                    <p:cond delay="0"/>
-                                  </p:stCondLst>
-                                  <p:childTnLst>
-                                    <p:set>
-                                      <p:cBhvr>
-                                        <p:cTn id="18" dur="1" fill="hold">
-                                          <p:stCondLst>
-                                            <p:cond delay="0"/>
-                                          </p:stCondLst>
-                                        </p:cTn>
-                                        <p:tgtEl>
-                                          <p:spTgt spid="3">
-                                            <p:txEl>
-                                              <p:pRg st="3" end="3"/>
-                                            </p:txEl>
-                                          </p:spTgt>
-                                        </p:tgtEl>
-                                        <p:attrNameLst>
-                                          <p:attrName>style.visibility</p:attrName>
-                                        </p:attrNameLst>
-                                      </p:cBhvr>
-                                      <p:to>
-                                        <p:strVal val="visible"/>
-                                      </p:to>
-                                    </p:set>
-                                  </p:childTnLst>
-                                </p:cTn>
-                              </p:par>
-                            </p:childTnLst>
-                          </p:cTn>
-                        </p:par>
-                      </p:childTnLst>
-                    </p:cTn>
-                  </p:par>
-                  <p:par>
-                    <p:cTn id="19" fill="hold">
-                      <p:stCondLst>
-                        <p:cond delay="indefinite"/>
-                      </p:stCondLst>
-                      <p:childTnLst>
-                        <p:par>
-                          <p:cTn id="20" fill="hold">
-                            <p:stCondLst>
-                              <p:cond delay="0"/>
-                            </p:stCondLst>
-                            <p:childTnLst>
-                              <p:par>
-                                <p:cTn id="21" presetID="1" presetClass="entr" presetSubtype="0" fill="hold" grpId="0" nodeType="clickEffect">
-                                  <p:stCondLst>
-                                    <p:cond delay="0"/>
-                                  </p:stCondLst>
-                                  <p:childTnLst>
-                                    <p:set>
-                                      <p:cBhvr>
-                                        <p:cTn id="22" dur="1" fill="hold">
-                                          <p:stCondLst>
-                                            <p:cond delay="0"/>
-                                          </p:stCondLst>
-                                        </p:cTn>
-                                        <p:tgtEl>
-                                          <p:spTgt spid="3">
-                                            <p:txEl>
-                                              <p:pRg st="4" end="4"/>
-                                            </p:txEl>
-                                          </p:spTgt>
-                                        </p:tgtEl>
-                                        <p:attrNameLst>
-                                          <p:attrName>style.visibility</p:attrName>
-                                        </p:attrNameLst>
-                                      </p:cBhvr>
-                                      <p:to>
-                                        <p:strVal val="visible"/>
-                                      </p:to>
-                                    </p:set>
-                                  </p:childTnLst>
-                                </p:cTn>
-                              </p:par>
-                            </p:childTnLst>
-                          </p:cTn>
-                        </p:par>
-                      </p:childTnLst>
-                    </p:cTn>
-                  </p:par>
-                  <p:par>
-                    <p:cTn id="23" fill="hold">
-                      <p:stCondLst>
-                        <p:cond delay="indefinite"/>
-                      </p:stCondLst>
-                      <p:childTnLst>
-                        <p:par>
-                          <p:cTn id="24" fill="hold">
-                            <p:stCondLst>
-                              <p:cond delay="0"/>
-                            </p:stCondLst>
-                            <p:childTnLst>
-                              <p:par>
-                                <p:cTn id="25" presetID="1" presetClass="entr" presetSubtype="0" fill="hold" grpId="0" nodeType="clickEffect">
-                                  <p:stCondLst>
-                                    <p:cond delay="0"/>
-                                  </p:stCondLst>
-                                  <p:childTnLst>
-                                    <p:set>
-                                      <p:cBhvr>
-                                        <p:cTn id="26" dur="1" fill="hold">
-                                          <p:stCondLst>
-                                            <p:cond delay="0"/>
-                                          </p:stCondLst>
-                                        </p:cTn>
-                                        <p:tgtEl>
-                                          <p:spTgt spid="3">
-                                            <p:txEl>
-                                              <p:pRg st="5" end="5"/>
-                                            </p:txEl>
-                                          </p:spTgt>
-                                        </p:tgtEl>
-                                        <p:attrNameLst>
-                                          <p:attrName>style.visibility</p:attrName>
-                                        </p:attrNameLst>
-                                      </p:cBhvr>
-                                      <p:to>
-                                        <p:strVal val="visible"/>
-                                      </p:to>
-                                    </p:set>
-                                  </p:childTnLst>
-                                </p:cTn>
-                              </p:par>
-                            </p:childTnLst>
-                          </p:cTn>
-                        </p:par>
-                      </p:childTnLst>
-                    </p:cTn>
-                  </p:par>
-                </p:childTnLst>
-              </p:cTn>
-              <p:prevCondLst>
-                <p:cond evt="onPrev" delay="0">
-                  <p:tgtEl>
-                    <p:sldTgt/>
-                  </p:tgtEl>
-                </p:cond>
-              </p:prevCondLst>
-              <p:nextCondLst>
-                <p:cond evt="onNext" delay="0">
-                  <p:tgtEl>
-                    <p:sldTgt/>
-                  </p:tgtEl>
-                </p:cond>
-              </p:nextCondLst>
-            </p:seq>
-          </p:childTnLst>
-        </p:cTn>
-      </p:par>
-    </p:tnLst>
-    <p:bldLst>
-      <p:bldP spid="3" grpId="0" build="p"/>
-    </p:bldLst>
-  </p:timing>
-</p:sld>
-</file>
-
-<file path=ppt/slides/slide20.xml><?xml version="1.0" encoding="utf-8"?>
+<file path=ppt/slides/slide22.xml><?xml version="1.0" encoding="utf-8"?>
 <p:sld xmlns:a="http://schemas.openxmlformats.org/drawingml/2006/main" xmlns:r="http://schemas.openxmlformats.org/officeDocument/2006/relationships" xmlns:p="http://schemas.openxmlformats.org/presentationml/2006/main" show="0">
   <p:cSld>
     <p:spTree>
@@ -15585,7 +17599,7 @@
 </p:sld>
 </file>
 
-<file path=ppt/slides/slide21.xml><?xml version="1.0" encoding="utf-8"?>
+<file path=ppt/slides/slide23.xml><?xml version="1.0" encoding="utf-8"?>
 <p:sld xmlns:a="http://schemas.openxmlformats.org/drawingml/2006/main" xmlns:r="http://schemas.openxmlformats.org/officeDocument/2006/relationships" xmlns:p="http://schemas.openxmlformats.org/presentationml/2006/main" show="0">
   <p:cSld>
     <p:spTree>
@@ -17680,7 +19694,7 @@
 </p:sld>
 </file>
 
-<file path=ppt/slides/slide22.xml><?xml version="1.0" encoding="utf-8"?>
+<file path=ppt/slides/slide24.xml><?xml version="1.0" encoding="utf-8"?>
 <p:sld xmlns:a="http://schemas.openxmlformats.org/drawingml/2006/main" xmlns:r="http://schemas.openxmlformats.org/officeDocument/2006/relationships" xmlns:p="http://schemas.openxmlformats.org/presentationml/2006/main" show="0">
   <p:cSld>
     <p:spTree>
@@ -18126,7 +20140,7 @@
 </p:sld>
 </file>
 
-<file path=ppt/slides/slide23.xml><?xml version="1.0" encoding="utf-8"?>
+<file path=ppt/slides/slide25.xml><?xml version="1.0" encoding="utf-8"?>
 <p:sld xmlns:a="http://schemas.openxmlformats.org/drawingml/2006/main" xmlns:r="http://schemas.openxmlformats.org/officeDocument/2006/relationships" xmlns:p="http://schemas.openxmlformats.org/presentationml/2006/main" show="0">
   <p:cSld>
     <p:spTree>
@@ -19087,7 +21101,7 @@
 </p:sld>
 </file>
 
-<file path=ppt/slides/slide24.xml><?xml version="1.0" encoding="utf-8"?>
+<file path=ppt/slides/slide26.xml><?xml version="1.0" encoding="utf-8"?>
 <p:sld xmlns:a="http://schemas.openxmlformats.org/drawingml/2006/main" xmlns:r="http://schemas.openxmlformats.org/officeDocument/2006/relationships" xmlns:p="http://schemas.openxmlformats.org/presentationml/2006/main" show="0">
   <p:cSld>
     <p:spTree>
@@ -20141,7 +22155,7 @@
 </p:sld>
 </file>
 
-<file path=ppt/slides/slide25.xml><?xml version="1.0" encoding="utf-8"?>
+<file path=ppt/slides/slide27.xml><?xml version="1.0" encoding="utf-8"?>
 <p:sld xmlns:a="http://schemas.openxmlformats.org/drawingml/2006/main" xmlns:r="http://schemas.openxmlformats.org/officeDocument/2006/relationships" xmlns:p="http://schemas.openxmlformats.org/presentationml/2006/main" show="0">
   <p:cSld>
     <p:spTree>
@@ -20684,7 +22698,7 @@
 </p:sld>
 </file>
 
-<file path=ppt/slides/slide26.xml><?xml version="1.0" encoding="utf-8"?>
+<file path=ppt/slides/slide28.xml><?xml version="1.0" encoding="utf-8"?>
 <p:sld xmlns:a="http://schemas.openxmlformats.org/drawingml/2006/main" xmlns:r="http://schemas.openxmlformats.org/officeDocument/2006/relationships" xmlns:p="http://schemas.openxmlformats.org/presentationml/2006/main" show="0">
   <p:cSld>
     <p:spTree>
@@ -21248,7 +23262,7 @@
 </p:sld>
 </file>
 
-<file path=ppt/slides/slide27.xml><?xml version="1.0" encoding="utf-8"?>
+<file path=ppt/slides/slide29.xml><?xml version="1.0" encoding="utf-8"?>
 <p:sld xmlns:a="http://schemas.openxmlformats.org/drawingml/2006/main" xmlns:r="http://schemas.openxmlformats.org/officeDocument/2006/relationships" xmlns:p="http://schemas.openxmlformats.org/presentationml/2006/main" show="0">
   <p:cSld>
     <p:spTree>
@@ -23144,633 +25158,6 @@
 </p:sld>
 </file>
 
-<file path=ppt/slides/slide28.xml><?xml version="1.0" encoding="utf-8"?>
-<p:sld xmlns:a="http://schemas.openxmlformats.org/drawingml/2006/main" xmlns:r="http://schemas.openxmlformats.org/officeDocument/2006/relationships" xmlns:p="http://schemas.openxmlformats.org/presentationml/2006/main" show="0">
-  <p:cSld>
-    <p:spTree>
-      <p:nvGrpSpPr>
-        <p:cNvPr id="1" name=""/>
-        <p:cNvGrpSpPr/>
-        <p:nvPr/>
-      </p:nvGrpSpPr>
-      <p:grpSpPr>
-        <a:xfrm>
-          <a:off x="0" y="0"/>
-          <a:ext cx="0" cy="0"/>
-          <a:chOff x="0" y="0"/>
-          <a:chExt cx="0" cy="0"/>
-        </a:xfrm>
-      </p:grpSpPr>
-      <p:sp>
-        <p:nvSpPr>
-          <p:cNvPr id="2" name="Title 1"/>
-          <p:cNvSpPr>
-            <a:spLocks noGrp="1"/>
-          </p:cNvSpPr>
-          <p:nvPr>
-            <p:ph type="title"/>
-          </p:nvPr>
-        </p:nvSpPr>
-        <p:spPr/>
-        <p:txBody>
-          <a:bodyPr/>
-          <a:lstStyle/>
-          <a:p>
-            <a:r>
-              <a:rPr lang="en-US" dirty="0" smtClean="0"/>
-              <a:t>DP Algorithm- Initialization</a:t>
-            </a:r>
-            <a:endParaRPr lang="en-US" dirty="0"/>
-          </a:p>
-        </p:txBody>
-      </p:sp>
-      <p:sp>
-        <p:nvSpPr>
-          <p:cNvPr id="3" name="Content Placeholder 2"/>
-          <p:cNvSpPr>
-            <a:spLocks noGrp="1"/>
-          </p:cNvSpPr>
-          <p:nvPr>
-            <p:ph sz="quarter" idx="1"/>
-          </p:nvPr>
-        </p:nvSpPr>
-        <p:spPr/>
-        <p:txBody>
-          <a:bodyPr>
-            <a:normAutofit/>
-          </a:bodyPr>
-          <a:lstStyle/>
-          <a:p>
-            <a:r>
-              <a:rPr lang="en-US" dirty="0"/>
-              <a:t>Create matrix </a:t>
-            </a:r>
-            <a:r>
-              <a:rPr lang="en-US" i="1" dirty="0"/>
-              <a:t>L</a:t>
-            </a:r>
-            <a:r>
-              <a:rPr lang="en-US" dirty="0"/>
-              <a:t> (size |V| x |∑|)</a:t>
-            </a:r>
-          </a:p>
-          <a:p>
-            <a:pPr lvl="1"/>
-            <a:r>
-              <a:rPr lang="en-US" i="1" dirty="0"/>
-              <a:t>L[v,α] </a:t>
-            </a:r>
-            <a:r>
-              <a:rPr lang="en-US" dirty="0"/>
-              <a:t>= optimal score for </a:t>
-            </a:r>
-            <a:r>
-              <a:rPr lang="en-US" i="1" dirty="0" err="1"/>
-              <a:t>T</a:t>
-            </a:r>
-            <a:r>
-              <a:rPr lang="en-US" i="1" baseline="-25000" dirty="0" err="1"/>
-              <a:t>v</a:t>
-            </a:r>
-            <a:r>
-              <a:rPr lang="en-US" dirty="0"/>
-              <a:t> if node </a:t>
-            </a:r>
-            <a:r>
-              <a:rPr lang="en-US" i="1" dirty="0"/>
-              <a:t>v</a:t>
-            </a:r>
-            <a:r>
-              <a:rPr lang="en-US" dirty="0"/>
-              <a:t> was assigned state α</a:t>
-            </a:r>
-          </a:p>
-          <a:p>
-            <a:r>
-              <a:rPr lang="en-US" dirty="0"/>
-              <a:t>Create matrix </a:t>
-            </a:r>
-            <a:r>
-              <a:rPr lang="en-US" i="1" dirty="0"/>
-              <a:t>C</a:t>
-            </a:r>
-            <a:r>
-              <a:rPr lang="en-US" dirty="0"/>
-              <a:t> (size |V| x |∑|</a:t>
-            </a:r>
-            <a:r>
-              <a:rPr lang="en-US" dirty="0" smtClean="0"/>
-              <a:t>)</a:t>
-            </a:r>
-          </a:p>
-          <a:p>
-            <a:pPr lvl="1"/>
-            <a:r>
-              <a:rPr lang="en-US" i="1" dirty="0" smtClean="0"/>
-              <a:t>C[v,α]</a:t>
-            </a:r>
-            <a:r>
-              <a:rPr lang="en-US" dirty="0" smtClean="0"/>
-              <a:t> = pair of states (</a:t>
-            </a:r>
-            <a:r>
-              <a:rPr lang="en-US" i="1" dirty="0"/>
-              <a:t>β</a:t>
-            </a:r>
-            <a:r>
-              <a:rPr lang="en-US" i="1" baseline="-25000" dirty="0"/>
-              <a:t>u</a:t>
-            </a:r>
-            <a:r>
-              <a:rPr lang="en-US" i="1" dirty="0"/>
-              <a:t> </a:t>
-            </a:r>
-            <a:r>
-              <a:rPr lang="en-US" dirty="0"/>
-              <a:t>,</a:t>
-            </a:r>
-            <a:r>
-              <a:rPr lang="en-US" i="1" dirty="0" smtClean="0"/>
-              <a:t> </a:t>
-            </a:r>
-            <a:r>
-              <a:rPr lang="en-US" i="1" dirty="0"/>
-              <a:t>β</a:t>
-            </a:r>
-            <a:r>
-              <a:rPr lang="en-US" i="1" baseline="-25000" dirty="0"/>
-              <a:t>w</a:t>
-            </a:r>
-            <a:r>
-              <a:rPr lang="en-US" i="1" dirty="0"/>
-              <a:t> </a:t>
-            </a:r>
-            <a:r>
-              <a:rPr lang="en-US" dirty="0" smtClean="0"/>
-              <a:t>) where</a:t>
-            </a:r>
-            <a:endParaRPr lang="en-US" i="1" dirty="0"/>
-          </a:p>
-          <a:p>
-            <a:pPr marL="685800" lvl="2" indent="0">
-              <a:buNone/>
-            </a:pPr>
-            <a:endParaRPr lang="en-US" dirty="0" smtClean="0"/>
-          </a:p>
-          <a:p>
-            <a:pPr marL="685800" lvl="2" indent="0">
-              <a:buNone/>
-            </a:pPr>
-            <a:endParaRPr lang="en-US" dirty="0"/>
-          </a:p>
-        </p:txBody>
-      </p:sp>
-      <p:pic>
-        <p:nvPicPr>
-          <p:cNvPr id="8" name="Picture 7"/>
-          <p:cNvPicPr>
-            <a:picLocks noChangeAspect="1"/>
-          </p:cNvPicPr>
-          <p:nvPr/>
-        </p:nvPicPr>
-        <p:blipFill>
-          <a:blip r:embed="rId3"/>
-          <a:stretch>
-            <a:fillRect/>
-          </a:stretch>
-        </p:blipFill>
-        <p:spPr>
-          <a:xfrm>
-            <a:off x="1870880" y="4319325"/>
-            <a:ext cx="6552328" cy="1020996"/>
-          </a:xfrm>
-          <a:prstGeom prst="rect">
-            <a:avLst/>
-          </a:prstGeom>
-        </p:spPr>
-      </p:pic>
-    </p:spTree>
-    <p:extLst>
-      <p:ext uri="{BB962C8B-B14F-4D97-AF65-F5344CB8AC3E}">
-        <p14:creationId xmlns:p14="http://schemas.microsoft.com/office/powerpoint/2010/main" val="801575197"/>
-      </p:ext>
-    </p:extLst>
-  </p:cSld>
-  <p:clrMapOvr>
-    <a:masterClrMapping/>
-  </p:clrMapOvr>
-  <mc:AlternateContent xmlns:mc="http://schemas.openxmlformats.org/markup-compatibility/2006">
-    <mc:Choice xmlns:p14="http://schemas.microsoft.com/office/powerpoint/2010/main" Requires="p14">
-      <p:transition spd="slow" p14:dur="2000"/>
-    </mc:Choice>
-    <mc:Fallback>
-      <p:transition xmlns:p14="http://schemas.microsoft.com/office/powerpoint/2010/main" spd="slow"/>
-    </mc:Fallback>
-  </mc:AlternateContent>
-  <p:timing>
-    <p:tnLst>
-      <p:par>
-        <p:cTn xmlns:p14="http://schemas.microsoft.com/office/powerpoint/2010/main" id="1" dur="indefinite" restart="never" nodeType="tmRoot"/>
-      </p:par>
-    </p:tnLst>
-  </p:timing>
-</p:sld>
-</file>
-
-<file path=ppt/slides/slide29.xml><?xml version="1.0" encoding="utf-8"?>
-<p:sld xmlns:a="http://schemas.openxmlformats.org/drawingml/2006/main" xmlns:r="http://schemas.openxmlformats.org/officeDocument/2006/relationships" xmlns:p="http://schemas.openxmlformats.org/presentationml/2006/main" show="0">
-  <p:cSld>
-    <p:spTree>
-      <p:nvGrpSpPr>
-        <p:cNvPr id="1" name=""/>
-        <p:cNvGrpSpPr/>
-        <p:nvPr/>
-      </p:nvGrpSpPr>
-      <p:grpSpPr>
-        <a:xfrm>
-          <a:off x="0" y="0"/>
-          <a:ext cx="0" cy="0"/>
-          <a:chOff x="0" y="0"/>
-          <a:chExt cx="0" cy="0"/>
-        </a:xfrm>
-      </p:grpSpPr>
-      <p:sp>
-        <p:nvSpPr>
-          <p:cNvPr id="2" name="Title 1"/>
-          <p:cNvSpPr>
-            <a:spLocks noGrp="1"/>
-          </p:cNvSpPr>
-          <p:nvPr>
-            <p:ph type="title"/>
-          </p:nvPr>
-        </p:nvSpPr>
-        <p:spPr/>
-        <p:txBody>
-          <a:bodyPr/>
-          <a:lstStyle/>
-          <a:p>
-            <a:r>
-              <a:rPr lang="en-US" dirty="0" smtClean="0"/>
-              <a:t>DP Algorithm- Set scores</a:t>
-            </a:r>
-            <a:endParaRPr lang="en-US" dirty="0"/>
-          </a:p>
-        </p:txBody>
-      </p:sp>
-      <p:sp>
-        <p:nvSpPr>
-          <p:cNvPr id="3" name="Content Placeholder 2"/>
-          <p:cNvSpPr>
-            <a:spLocks noGrp="1"/>
-          </p:cNvSpPr>
-          <p:nvPr>
-            <p:ph sz="quarter" idx="1"/>
-          </p:nvPr>
-        </p:nvSpPr>
-        <p:spPr/>
-        <p:txBody>
-          <a:bodyPr>
-            <a:normAutofit/>
-          </a:bodyPr>
-          <a:lstStyle/>
-          <a:p>
-            <a:r>
-              <a:rPr lang="en-US" dirty="0" err="1" smtClean="0"/>
-              <a:t>Postorder</a:t>
-            </a:r>
-            <a:r>
-              <a:rPr lang="en-US" dirty="0" smtClean="0"/>
-              <a:t> traversal </a:t>
-            </a:r>
-          </a:p>
-          <a:p>
-            <a:pPr lvl="1"/>
-            <a:r>
-              <a:rPr lang="en-US" dirty="0" smtClean="0"/>
-              <a:t>For each state α and each node </a:t>
-            </a:r>
-            <a:r>
-              <a:rPr lang="en-US" i="1" dirty="0" smtClean="0"/>
-              <a:t>v </a:t>
-            </a:r>
-            <a:r>
-              <a:rPr lang="en-US" dirty="0" smtClean="0"/>
-              <a:t>with children </a:t>
-            </a:r>
-            <a:r>
-              <a:rPr lang="en-US" i="1" dirty="0" smtClean="0"/>
-              <a:t>u</a:t>
-            </a:r>
-            <a:r>
-              <a:rPr lang="en-US" dirty="0" smtClean="0"/>
-              <a:t> and </a:t>
-            </a:r>
-            <a:r>
-              <a:rPr lang="en-US" i="1" dirty="0" smtClean="0"/>
-              <a:t>w</a:t>
-            </a:r>
-            <a:r>
-              <a:rPr lang="en-US" dirty="0" smtClean="0"/>
-              <a:t>:</a:t>
-            </a:r>
-            <a:endParaRPr lang="en-US" dirty="0"/>
-          </a:p>
-          <a:p>
-            <a:pPr marL="685800" lvl="2" indent="0">
-              <a:buNone/>
-            </a:pPr>
-            <a:endParaRPr lang="en-US" dirty="0"/>
-          </a:p>
-          <a:p>
-            <a:pPr lvl="1"/>
-            <a:endParaRPr lang="en-US" dirty="0" smtClean="0"/>
-          </a:p>
-          <a:p>
-            <a:pPr lvl="1"/>
-            <a:endParaRPr lang="en-US" dirty="0" smtClean="0"/>
-          </a:p>
-          <a:p>
-            <a:pPr lvl="1"/>
-            <a:r>
-              <a:rPr lang="en-US" dirty="0" smtClean="0"/>
-              <a:t>Save states</a:t>
-            </a:r>
-            <a:r>
-              <a:rPr lang="en-US" i="1" dirty="0" smtClean="0"/>
-              <a:t> β</a:t>
-            </a:r>
-            <a:r>
-              <a:rPr lang="en-US" i="1" baseline="-25000" dirty="0" smtClean="0"/>
-              <a:t>u</a:t>
-            </a:r>
-            <a:r>
-              <a:rPr lang="en-US" i="1" dirty="0" smtClean="0"/>
-              <a:t> </a:t>
-            </a:r>
-            <a:r>
-              <a:rPr lang="en-US" dirty="0" smtClean="0"/>
-              <a:t>and</a:t>
-            </a:r>
-            <a:r>
-              <a:rPr lang="en-US" i="1" dirty="0" smtClean="0"/>
-              <a:t> β</a:t>
-            </a:r>
-            <a:r>
-              <a:rPr lang="en-US" i="1" baseline="-25000" dirty="0" smtClean="0"/>
-              <a:t>w</a:t>
-            </a:r>
-            <a:r>
-              <a:rPr lang="en-US" i="1" dirty="0" smtClean="0"/>
-              <a:t> </a:t>
-            </a:r>
-            <a:r>
-              <a:rPr lang="en-US" dirty="0" smtClean="0"/>
-              <a:t>that minimized partial score from </a:t>
-            </a:r>
-            <a:r>
-              <a:rPr lang="en-US" i="1" dirty="0" smtClean="0"/>
-              <a:t>u </a:t>
-            </a:r>
-            <a:r>
-              <a:rPr lang="en-US" dirty="0" smtClean="0"/>
-              <a:t>and </a:t>
-            </a:r>
-            <a:r>
-              <a:rPr lang="en-US" i="1" dirty="0" smtClean="0"/>
-              <a:t>w</a:t>
-            </a:r>
-            <a:r>
-              <a:rPr lang="en-US" dirty="0" smtClean="0"/>
-              <a:t>, respectively </a:t>
-            </a:r>
-          </a:p>
-          <a:p>
-            <a:pPr marL="685800" lvl="2" indent="0">
-              <a:buNone/>
-            </a:pPr>
-            <a:endParaRPr lang="en-US" dirty="0" smtClean="0"/>
-          </a:p>
-          <a:p>
-            <a:pPr marL="685800" lvl="2" indent="0">
-              <a:buNone/>
-            </a:pPr>
-            <a:endParaRPr lang="en-US" dirty="0"/>
-          </a:p>
-        </p:txBody>
-      </p:sp>
-      <p:pic>
-        <p:nvPicPr>
-          <p:cNvPr id="6" name="Picture 5"/>
-          <p:cNvPicPr>
-            <a:picLocks noChangeAspect="1"/>
-          </p:cNvPicPr>
-          <p:nvPr/>
-        </p:nvPicPr>
-        <p:blipFill>
-          <a:blip r:embed="rId3"/>
-          <a:stretch>
-            <a:fillRect/>
-          </a:stretch>
-        </p:blipFill>
-        <p:spPr>
-          <a:xfrm>
-            <a:off x="3415997" y="5421386"/>
-            <a:ext cx="2321129" cy="311165"/>
-          </a:xfrm>
-          <a:prstGeom prst="rect">
-            <a:avLst/>
-          </a:prstGeom>
-        </p:spPr>
-      </p:pic>
-      <p:pic>
-        <p:nvPicPr>
-          <p:cNvPr id="7" name="Picture 6"/>
-          <p:cNvPicPr>
-            <a:picLocks noChangeAspect="1"/>
-          </p:cNvPicPr>
-          <p:nvPr/>
-        </p:nvPicPr>
-        <p:blipFill>
-          <a:blip r:embed="rId4"/>
-          <a:stretch>
-            <a:fillRect/>
-          </a:stretch>
-        </p:blipFill>
-        <p:spPr>
-          <a:xfrm>
-            <a:off x="2298750" y="3117574"/>
-            <a:ext cx="4445656" cy="1053549"/>
-          </a:xfrm>
-          <a:prstGeom prst="rect">
-            <a:avLst/>
-          </a:prstGeom>
-        </p:spPr>
-      </p:pic>
-    </p:spTree>
-    <p:extLst>
-      <p:ext uri="{BB962C8B-B14F-4D97-AF65-F5344CB8AC3E}">
-        <p14:creationId xmlns:p14="http://schemas.microsoft.com/office/powerpoint/2010/main" val="1282846625"/>
-      </p:ext>
-    </p:extLst>
-  </p:cSld>
-  <p:clrMapOvr>
-    <a:masterClrMapping/>
-  </p:clrMapOvr>
-  <mc:AlternateContent xmlns:mc="http://schemas.openxmlformats.org/markup-compatibility/2006">
-    <mc:Choice xmlns:p14="http://schemas.microsoft.com/office/powerpoint/2010/main" Requires="p14">
-      <p:transition spd="slow" p14:dur="2000"/>
-    </mc:Choice>
-    <mc:Fallback>
-      <p:transition xmlns:p14="http://schemas.microsoft.com/office/powerpoint/2010/main" spd="slow"/>
-    </mc:Fallback>
-  </mc:AlternateContent>
-  <p:timing>
-    <p:tnLst>
-      <p:par>
-        <p:cTn xmlns:p14="http://schemas.microsoft.com/office/powerpoint/2010/main" id="1" dur="indefinite" restart="never" nodeType="tmRoot">
-          <p:childTnLst>
-            <p:seq concurrent="1" nextAc="seek">
-              <p:cTn id="2" dur="indefinite" nodeType="mainSeq">
-                <p:childTnLst>
-                  <p:par>
-                    <p:cTn id="3" fill="hold">
-                      <p:stCondLst>
-                        <p:cond delay="indefinite"/>
-                      </p:stCondLst>
-                      <p:childTnLst>
-                        <p:par>
-                          <p:cTn id="4" fill="hold">
-                            <p:stCondLst>
-                              <p:cond delay="0"/>
-                            </p:stCondLst>
-                            <p:childTnLst>
-                              <p:par>
-                                <p:cTn id="5" presetID="1" presetClass="entr" presetSubtype="0" fill="hold" grpId="0" nodeType="clickEffect">
-                                  <p:stCondLst>
-                                    <p:cond delay="0"/>
-                                  </p:stCondLst>
-                                  <p:childTnLst>
-                                    <p:set>
-                                      <p:cBhvr>
-                                        <p:cTn id="6" dur="1" fill="hold">
-                                          <p:stCondLst>
-                                            <p:cond delay="0"/>
-                                          </p:stCondLst>
-                                        </p:cTn>
-                                        <p:tgtEl>
-                                          <p:spTgt spid="3">
-                                            <p:txEl>
-                                              <p:pRg st="0" end="0"/>
-                                            </p:txEl>
-                                          </p:spTgt>
-                                        </p:tgtEl>
-                                        <p:attrNameLst>
-                                          <p:attrName>style.visibility</p:attrName>
-                                        </p:attrNameLst>
-                                      </p:cBhvr>
-                                      <p:to>
-                                        <p:strVal val="visible"/>
-                                      </p:to>
-                                    </p:set>
-                                  </p:childTnLst>
-                                </p:cTn>
-                              </p:par>
-                              <p:par>
-                                <p:cTn id="7" presetID="1" presetClass="entr" presetSubtype="0" fill="hold" grpId="0" nodeType="withEffect">
-                                  <p:stCondLst>
-                                    <p:cond delay="0"/>
-                                  </p:stCondLst>
-                                  <p:childTnLst>
-                                    <p:set>
-                                      <p:cBhvr>
-                                        <p:cTn id="8" dur="1" fill="hold">
-                                          <p:stCondLst>
-                                            <p:cond delay="0"/>
-                                          </p:stCondLst>
-                                        </p:cTn>
-                                        <p:tgtEl>
-                                          <p:spTgt spid="3">
-                                            <p:txEl>
-                                              <p:pRg st="1" end="1"/>
-                                            </p:txEl>
-                                          </p:spTgt>
-                                        </p:tgtEl>
-                                        <p:attrNameLst>
-                                          <p:attrName>style.visibility</p:attrName>
-                                        </p:attrNameLst>
-                                      </p:cBhvr>
-                                      <p:to>
-                                        <p:strVal val="visible"/>
-                                      </p:to>
-                                    </p:set>
-                                  </p:childTnLst>
-                                </p:cTn>
-                              </p:par>
-                              <p:par>
-                                <p:cTn id="9" presetID="1" presetClass="entr" presetSubtype="0" fill="hold" grpId="0" nodeType="withEffect">
-                                  <p:stCondLst>
-                                    <p:cond delay="0"/>
-                                  </p:stCondLst>
-                                  <p:childTnLst>
-                                    <p:set>
-                                      <p:cBhvr>
-                                        <p:cTn id="10" dur="1" fill="hold">
-                                          <p:stCondLst>
-                                            <p:cond delay="0"/>
-                                          </p:stCondLst>
-                                        </p:cTn>
-                                        <p:tgtEl>
-                                          <p:spTgt spid="3">
-                                            <p:txEl>
-                                              <p:pRg st="5" end="5"/>
-                                            </p:txEl>
-                                          </p:spTgt>
-                                        </p:tgtEl>
-                                        <p:attrNameLst>
-                                          <p:attrName>style.visibility</p:attrName>
-                                        </p:attrNameLst>
-                                      </p:cBhvr>
-                                      <p:to>
-                                        <p:strVal val="visible"/>
-                                      </p:to>
-                                    </p:set>
-                                  </p:childTnLst>
-                                </p:cTn>
-                              </p:par>
-                            </p:childTnLst>
-                          </p:cTn>
-                        </p:par>
-                      </p:childTnLst>
-                    </p:cTn>
-                  </p:par>
-                </p:childTnLst>
-              </p:cTn>
-              <p:prevCondLst>
-                <p:cond evt="onPrev" delay="0">
-                  <p:tgtEl>
-                    <p:sldTgt/>
-                  </p:tgtEl>
-                </p:cond>
-              </p:prevCondLst>
-              <p:nextCondLst>
-                <p:cond evt="onNext" delay="0">
-                  <p:tgtEl>
-                    <p:sldTgt/>
-                  </p:tgtEl>
-                </p:cond>
-              </p:nextCondLst>
-            </p:seq>
-          </p:childTnLst>
-        </p:cTn>
-      </p:par>
-    </p:tnLst>
-    <p:bldLst>
-      <p:bldP spid="3" grpId="0" build="p"/>
-    </p:bldLst>
-  </p:timing>
-</p:sld>
-</file>
-
 <file path=ppt/slides/slide3.xml><?xml version="1.0" encoding="utf-8"?>
 <p:sld xmlns:a="http://schemas.openxmlformats.org/drawingml/2006/main" xmlns:r="http://schemas.openxmlformats.org/officeDocument/2006/relationships" xmlns:p="http://schemas.openxmlformats.org/presentationml/2006/main">
   <p:cSld>
@@ -26881,6 +28268,633 @@
           <a:p>
             <a:r>
               <a:rPr lang="en-US" dirty="0" smtClean="0"/>
+              <a:t>DP Algorithm- Initialization</a:t>
+            </a:r>
+            <a:endParaRPr lang="en-US" dirty="0"/>
+          </a:p>
+        </p:txBody>
+      </p:sp>
+      <p:sp>
+        <p:nvSpPr>
+          <p:cNvPr id="3" name="Content Placeholder 2"/>
+          <p:cNvSpPr>
+            <a:spLocks noGrp="1"/>
+          </p:cNvSpPr>
+          <p:nvPr>
+            <p:ph sz="quarter" idx="1"/>
+          </p:nvPr>
+        </p:nvSpPr>
+        <p:spPr/>
+        <p:txBody>
+          <a:bodyPr>
+            <a:normAutofit/>
+          </a:bodyPr>
+          <a:lstStyle/>
+          <a:p>
+            <a:r>
+              <a:rPr lang="en-US" dirty="0"/>
+              <a:t>Create matrix </a:t>
+            </a:r>
+            <a:r>
+              <a:rPr lang="en-US" i="1" dirty="0"/>
+              <a:t>L</a:t>
+            </a:r>
+            <a:r>
+              <a:rPr lang="en-US" dirty="0"/>
+              <a:t> (size |V| x |∑|)</a:t>
+            </a:r>
+          </a:p>
+          <a:p>
+            <a:pPr lvl="1"/>
+            <a:r>
+              <a:rPr lang="en-US" i="1" dirty="0"/>
+              <a:t>L[v,α] </a:t>
+            </a:r>
+            <a:r>
+              <a:rPr lang="en-US" dirty="0"/>
+              <a:t>= optimal score for </a:t>
+            </a:r>
+            <a:r>
+              <a:rPr lang="en-US" i="1" dirty="0" err="1"/>
+              <a:t>T</a:t>
+            </a:r>
+            <a:r>
+              <a:rPr lang="en-US" i="1" baseline="-25000" dirty="0" err="1"/>
+              <a:t>v</a:t>
+            </a:r>
+            <a:r>
+              <a:rPr lang="en-US" dirty="0"/>
+              <a:t> if node </a:t>
+            </a:r>
+            <a:r>
+              <a:rPr lang="en-US" i="1" dirty="0"/>
+              <a:t>v</a:t>
+            </a:r>
+            <a:r>
+              <a:rPr lang="en-US" dirty="0"/>
+              <a:t> was assigned state α</a:t>
+            </a:r>
+          </a:p>
+          <a:p>
+            <a:r>
+              <a:rPr lang="en-US" dirty="0"/>
+              <a:t>Create matrix </a:t>
+            </a:r>
+            <a:r>
+              <a:rPr lang="en-US" i="1" dirty="0"/>
+              <a:t>C</a:t>
+            </a:r>
+            <a:r>
+              <a:rPr lang="en-US" dirty="0"/>
+              <a:t> (size |V| x |∑|</a:t>
+            </a:r>
+            <a:r>
+              <a:rPr lang="en-US" dirty="0" smtClean="0"/>
+              <a:t>)</a:t>
+            </a:r>
+          </a:p>
+          <a:p>
+            <a:pPr lvl="1"/>
+            <a:r>
+              <a:rPr lang="en-US" i="1" dirty="0" smtClean="0"/>
+              <a:t>C[v,α]</a:t>
+            </a:r>
+            <a:r>
+              <a:rPr lang="en-US" dirty="0" smtClean="0"/>
+              <a:t> = pair of states (</a:t>
+            </a:r>
+            <a:r>
+              <a:rPr lang="en-US" i="1" dirty="0"/>
+              <a:t>β</a:t>
+            </a:r>
+            <a:r>
+              <a:rPr lang="en-US" i="1" baseline="-25000" dirty="0"/>
+              <a:t>u</a:t>
+            </a:r>
+            <a:r>
+              <a:rPr lang="en-US" i="1" dirty="0"/>
+              <a:t> </a:t>
+            </a:r>
+            <a:r>
+              <a:rPr lang="en-US" dirty="0"/>
+              <a:t>,</a:t>
+            </a:r>
+            <a:r>
+              <a:rPr lang="en-US" i="1" dirty="0" smtClean="0"/>
+              <a:t> </a:t>
+            </a:r>
+            <a:r>
+              <a:rPr lang="en-US" i="1" dirty="0"/>
+              <a:t>β</a:t>
+            </a:r>
+            <a:r>
+              <a:rPr lang="en-US" i="1" baseline="-25000" dirty="0"/>
+              <a:t>w</a:t>
+            </a:r>
+            <a:r>
+              <a:rPr lang="en-US" i="1" dirty="0"/>
+              <a:t> </a:t>
+            </a:r>
+            <a:r>
+              <a:rPr lang="en-US" dirty="0" smtClean="0"/>
+              <a:t>) where</a:t>
+            </a:r>
+            <a:endParaRPr lang="en-US" i="1" dirty="0"/>
+          </a:p>
+          <a:p>
+            <a:pPr marL="685800" lvl="2" indent="0">
+              <a:buNone/>
+            </a:pPr>
+            <a:endParaRPr lang="en-US" dirty="0" smtClean="0"/>
+          </a:p>
+          <a:p>
+            <a:pPr marL="685800" lvl="2" indent="0">
+              <a:buNone/>
+            </a:pPr>
+            <a:endParaRPr lang="en-US" dirty="0"/>
+          </a:p>
+        </p:txBody>
+      </p:sp>
+      <p:pic>
+        <p:nvPicPr>
+          <p:cNvPr id="8" name="Picture 7"/>
+          <p:cNvPicPr>
+            <a:picLocks noChangeAspect="1"/>
+          </p:cNvPicPr>
+          <p:nvPr/>
+        </p:nvPicPr>
+        <p:blipFill>
+          <a:blip r:embed="rId3"/>
+          <a:stretch>
+            <a:fillRect/>
+          </a:stretch>
+        </p:blipFill>
+        <p:spPr>
+          <a:xfrm>
+            <a:off x="1870880" y="4319325"/>
+            <a:ext cx="6552328" cy="1020996"/>
+          </a:xfrm>
+          <a:prstGeom prst="rect">
+            <a:avLst/>
+          </a:prstGeom>
+        </p:spPr>
+      </p:pic>
+    </p:spTree>
+    <p:extLst>
+      <p:ext uri="{BB962C8B-B14F-4D97-AF65-F5344CB8AC3E}">
+        <p14:creationId xmlns:p14="http://schemas.microsoft.com/office/powerpoint/2010/main" val="801575197"/>
+      </p:ext>
+    </p:extLst>
+  </p:cSld>
+  <p:clrMapOvr>
+    <a:masterClrMapping/>
+  </p:clrMapOvr>
+  <mc:AlternateContent xmlns:mc="http://schemas.openxmlformats.org/markup-compatibility/2006">
+    <mc:Choice xmlns:p14="http://schemas.microsoft.com/office/powerpoint/2010/main" Requires="p14">
+      <p:transition spd="slow" p14:dur="2000"/>
+    </mc:Choice>
+    <mc:Fallback>
+      <p:transition xmlns:p14="http://schemas.microsoft.com/office/powerpoint/2010/main" spd="slow"/>
+    </mc:Fallback>
+  </mc:AlternateContent>
+  <p:timing>
+    <p:tnLst>
+      <p:par>
+        <p:cTn xmlns:p14="http://schemas.microsoft.com/office/powerpoint/2010/main" id="1" dur="indefinite" restart="never" nodeType="tmRoot"/>
+      </p:par>
+    </p:tnLst>
+  </p:timing>
+</p:sld>
+</file>
+
+<file path=ppt/slides/slide31.xml><?xml version="1.0" encoding="utf-8"?>
+<p:sld xmlns:a="http://schemas.openxmlformats.org/drawingml/2006/main" xmlns:r="http://schemas.openxmlformats.org/officeDocument/2006/relationships" xmlns:p="http://schemas.openxmlformats.org/presentationml/2006/main" show="0">
+  <p:cSld>
+    <p:spTree>
+      <p:nvGrpSpPr>
+        <p:cNvPr id="1" name=""/>
+        <p:cNvGrpSpPr/>
+        <p:nvPr/>
+      </p:nvGrpSpPr>
+      <p:grpSpPr>
+        <a:xfrm>
+          <a:off x="0" y="0"/>
+          <a:ext cx="0" cy="0"/>
+          <a:chOff x="0" y="0"/>
+          <a:chExt cx="0" cy="0"/>
+        </a:xfrm>
+      </p:grpSpPr>
+      <p:sp>
+        <p:nvSpPr>
+          <p:cNvPr id="2" name="Title 1"/>
+          <p:cNvSpPr>
+            <a:spLocks noGrp="1"/>
+          </p:cNvSpPr>
+          <p:nvPr>
+            <p:ph type="title"/>
+          </p:nvPr>
+        </p:nvSpPr>
+        <p:spPr/>
+        <p:txBody>
+          <a:bodyPr/>
+          <a:lstStyle/>
+          <a:p>
+            <a:r>
+              <a:rPr lang="en-US" dirty="0" smtClean="0"/>
+              <a:t>DP Algorithm- Set scores</a:t>
+            </a:r>
+            <a:endParaRPr lang="en-US" dirty="0"/>
+          </a:p>
+        </p:txBody>
+      </p:sp>
+      <p:sp>
+        <p:nvSpPr>
+          <p:cNvPr id="3" name="Content Placeholder 2"/>
+          <p:cNvSpPr>
+            <a:spLocks noGrp="1"/>
+          </p:cNvSpPr>
+          <p:nvPr>
+            <p:ph sz="quarter" idx="1"/>
+          </p:nvPr>
+        </p:nvSpPr>
+        <p:spPr/>
+        <p:txBody>
+          <a:bodyPr>
+            <a:normAutofit/>
+          </a:bodyPr>
+          <a:lstStyle/>
+          <a:p>
+            <a:r>
+              <a:rPr lang="en-US" dirty="0" err="1" smtClean="0"/>
+              <a:t>Postorder</a:t>
+            </a:r>
+            <a:r>
+              <a:rPr lang="en-US" dirty="0" smtClean="0"/>
+              <a:t> traversal </a:t>
+            </a:r>
+          </a:p>
+          <a:p>
+            <a:pPr lvl="1"/>
+            <a:r>
+              <a:rPr lang="en-US" dirty="0" smtClean="0"/>
+              <a:t>For each state α and each node </a:t>
+            </a:r>
+            <a:r>
+              <a:rPr lang="en-US" i="1" dirty="0" smtClean="0"/>
+              <a:t>v </a:t>
+            </a:r>
+            <a:r>
+              <a:rPr lang="en-US" dirty="0" smtClean="0"/>
+              <a:t>with children </a:t>
+            </a:r>
+            <a:r>
+              <a:rPr lang="en-US" i="1" dirty="0" smtClean="0"/>
+              <a:t>u</a:t>
+            </a:r>
+            <a:r>
+              <a:rPr lang="en-US" dirty="0" smtClean="0"/>
+              <a:t> and </a:t>
+            </a:r>
+            <a:r>
+              <a:rPr lang="en-US" i="1" dirty="0" smtClean="0"/>
+              <a:t>w</a:t>
+            </a:r>
+            <a:r>
+              <a:rPr lang="en-US" dirty="0" smtClean="0"/>
+              <a:t>:</a:t>
+            </a:r>
+            <a:endParaRPr lang="en-US" dirty="0"/>
+          </a:p>
+          <a:p>
+            <a:pPr marL="685800" lvl="2" indent="0">
+              <a:buNone/>
+            </a:pPr>
+            <a:endParaRPr lang="en-US" dirty="0"/>
+          </a:p>
+          <a:p>
+            <a:pPr lvl="1"/>
+            <a:endParaRPr lang="en-US" dirty="0" smtClean="0"/>
+          </a:p>
+          <a:p>
+            <a:pPr lvl="1"/>
+            <a:endParaRPr lang="en-US" dirty="0" smtClean="0"/>
+          </a:p>
+          <a:p>
+            <a:pPr lvl="1"/>
+            <a:r>
+              <a:rPr lang="en-US" dirty="0" smtClean="0"/>
+              <a:t>Save states</a:t>
+            </a:r>
+            <a:r>
+              <a:rPr lang="en-US" i="1" dirty="0" smtClean="0"/>
+              <a:t> β</a:t>
+            </a:r>
+            <a:r>
+              <a:rPr lang="en-US" i="1" baseline="-25000" dirty="0" smtClean="0"/>
+              <a:t>u</a:t>
+            </a:r>
+            <a:r>
+              <a:rPr lang="en-US" i="1" dirty="0" smtClean="0"/>
+              <a:t> </a:t>
+            </a:r>
+            <a:r>
+              <a:rPr lang="en-US" dirty="0" smtClean="0"/>
+              <a:t>and</a:t>
+            </a:r>
+            <a:r>
+              <a:rPr lang="en-US" i="1" dirty="0" smtClean="0"/>
+              <a:t> β</a:t>
+            </a:r>
+            <a:r>
+              <a:rPr lang="en-US" i="1" baseline="-25000" dirty="0" smtClean="0"/>
+              <a:t>w</a:t>
+            </a:r>
+            <a:r>
+              <a:rPr lang="en-US" i="1" dirty="0" smtClean="0"/>
+              <a:t> </a:t>
+            </a:r>
+            <a:r>
+              <a:rPr lang="en-US" dirty="0" smtClean="0"/>
+              <a:t>that minimized partial score from </a:t>
+            </a:r>
+            <a:r>
+              <a:rPr lang="en-US" i="1" dirty="0" smtClean="0"/>
+              <a:t>u </a:t>
+            </a:r>
+            <a:r>
+              <a:rPr lang="en-US" dirty="0" smtClean="0"/>
+              <a:t>and </a:t>
+            </a:r>
+            <a:r>
+              <a:rPr lang="en-US" i="1" dirty="0" smtClean="0"/>
+              <a:t>w</a:t>
+            </a:r>
+            <a:r>
+              <a:rPr lang="en-US" dirty="0" smtClean="0"/>
+              <a:t>, respectively </a:t>
+            </a:r>
+          </a:p>
+          <a:p>
+            <a:pPr marL="685800" lvl="2" indent="0">
+              <a:buNone/>
+            </a:pPr>
+            <a:endParaRPr lang="en-US" dirty="0" smtClean="0"/>
+          </a:p>
+          <a:p>
+            <a:pPr marL="685800" lvl="2" indent="0">
+              <a:buNone/>
+            </a:pPr>
+            <a:endParaRPr lang="en-US" dirty="0"/>
+          </a:p>
+        </p:txBody>
+      </p:sp>
+      <p:pic>
+        <p:nvPicPr>
+          <p:cNvPr id="6" name="Picture 5"/>
+          <p:cNvPicPr>
+            <a:picLocks noChangeAspect="1"/>
+          </p:cNvPicPr>
+          <p:nvPr/>
+        </p:nvPicPr>
+        <p:blipFill>
+          <a:blip r:embed="rId3"/>
+          <a:stretch>
+            <a:fillRect/>
+          </a:stretch>
+        </p:blipFill>
+        <p:spPr>
+          <a:xfrm>
+            <a:off x="3415997" y="5421386"/>
+            <a:ext cx="2321129" cy="311165"/>
+          </a:xfrm>
+          <a:prstGeom prst="rect">
+            <a:avLst/>
+          </a:prstGeom>
+        </p:spPr>
+      </p:pic>
+      <p:pic>
+        <p:nvPicPr>
+          <p:cNvPr id="7" name="Picture 6"/>
+          <p:cNvPicPr>
+            <a:picLocks noChangeAspect="1"/>
+          </p:cNvPicPr>
+          <p:nvPr/>
+        </p:nvPicPr>
+        <p:blipFill>
+          <a:blip r:embed="rId4"/>
+          <a:stretch>
+            <a:fillRect/>
+          </a:stretch>
+        </p:blipFill>
+        <p:spPr>
+          <a:xfrm>
+            <a:off x="2298750" y="3117574"/>
+            <a:ext cx="4445656" cy="1053549"/>
+          </a:xfrm>
+          <a:prstGeom prst="rect">
+            <a:avLst/>
+          </a:prstGeom>
+        </p:spPr>
+      </p:pic>
+    </p:spTree>
+    <p:extLst>
+      <p:ext uri="{BB962C8B-B14F-4D97-AF65-F5344CB8AC3E}">
+        <p14:creationId xmlns:p14="http://schemas.microsoft.com/office/powerpoint/2010/main" val="1282846625"/>
+      </p:ext>
+    </p:extLst>
+  </p:cSld>
+  <p:clrMapOvr>
+    <a:masterClrMapping/>
+  </p:clrMapOvr>
+  <mc:AlternateContent xmlns:mc="http://schemas.openxmlformats.org/markup-compatibility/2006">
+    <mc:Choice xmlns:p14="http://schemas.microsoft.com/office/powerpoint/2010/main" Requires="p14">
+      <p:transition spd="slow" p14:dur="2000"/>
+    </mc:Choice>
+    <mc:Fallback>
+      <p:transition xmlns:p14="http://schemas.microsoft.com/office/powerpoint/2010/main" spd="slow"/>
+    </mc:Fallback>
+  </mc:AlternateContent>
+  <p:timing>
+    <p:tnLst>
+      <p:par>
+        <p:cTn xmlns:p14="http://schemas.microsoft.com/office/powerpoint/2010/main" id="1" dur="indefinite" restart="never" nodeType="tmRoot">
+          <p:childTnLst>
+            <p:seq concurrent="1" nextAc="seek">
+              <p:cTn id="2" dur="indefinite" nodeType="mainSeq">
+                <p:childTnLst>
+                  <p:par>
+                    <p:cTn id="3" fill="hold">
+                      <p:stCondLst>
+                        <p:cond delay="indefinite"/>
+                      </p:stCondLst>
+                      <p:childTnLst>
+                        <p:par>
+                          <p:cTn id="4" fill="hold">
+                            <p:stCondLst>
+                              <p:cond delay="0"/>
+                            </p:stCondLst>
+                            <p:childTnLst>
+                              <p:par>
+                                <p:cTn id="5" presetID="1" presetClass="entr" presetSubtype="0" fill="hold" grpId="0" nodeType="clickEffect">
+                                  <p:stCondLst>
+                                    <p:cond delay="0"/>
+                                  </p:stCondLst>
+                                  <p:childTnLst>
+                                    <p:set>
+                                      <p:cBhvr>
+                                        <p:cTn id="6" dur="1" fill="hold">
+                                          <p:stCondLst>
+                                            <p:cond delay="0"/>
+                                          </p:stCondLst>
+                                        </p:cTn>
+                                        <p:tgtEl>
+                                          <p:spTgt spid="3">
+                                            <p:txEl>
+                                              <p:pRg st="0" end="0"/>
+                                            </p:txEl>
+                                          </p:spTgt>
+                                        </p:tgtEl>
+                                        <p:attrNameLst>
+                                          <p:attrName>style.visibility</p:attrName>
+                                        </p:attrNameLst>
+                                      </p:cBhvr>
+                                      <p:to>
+                                        <p:strVal val="visible"/>
+                                      </p:to>
+                                    </p:set>
+                                  </p:childTnLst>
+                                </p:cTn>
+                              </p:par>
+                              <p:par>
+                                <p:cTn id="7" presetID="1" presetClass="entr" presetSubtype="0" fill="hold" grpId="0" nodeType="withEffect">
+                                  <p:stCondLst>
+                                    <p:cond delay="0"/>
+                                  </p:stCondLst>
+                                  <p:childTnLst>
+                                    <p:set>
+                                      <p:cBhvr>
+                                        <p:cTn id="8" dur="1" fill="hold">
+                                          <p:stCondLst>
+                                            <p:cond delay="0"/>
+                                          </p:stCondLst>
+                                        </p:cTn>
+                                        <p:tgtEl>
+                                          <p:spTgt spid="3">
+                                            <p:txEl>
+                                              <p:pRg st="1" end="1"/>
+                                            </p:txEl>
+                                          </p:spTgt>
+                                        </p:tgtEl>
+                                        <p:attrNameLst>
+                                          <p:attrName>style.visibility</p:attrName>
+                                        </p:attrNameLst>
+                                      </p:cBhvr>
+                                      <p:to>
+                                        <p:strVal val="visible"/>
+                                      </p:to>
+                                    </p:set>
+                                  </p:childTnLst>
+                                </p:cTn>
+                              </p:par>
+                              <p:par>
+                                <p:cTn id="9" presetID="1" presetClass="entr" presetSubtype="0" fill="hold" grpId="0" nodeType="withEffect">
+                                  <p:stCondLst>
+                                    <p:cond delay="0"/>
+                                  </p:stCondLst>
+                                  <p:childTnLst>
+                                    <p:set>
+                                      <p:cBhvr>
+                                        <p:cTn id="10" dur="1" fill="hold">
+                                          <p:stCondLst>
+                                            <p:cond delay="0"/>
+                                          </p:stCondLst>
+                                        </p:cTn>
+                                        <p:tgtEl>
+                                          <p:spTgt spid="3">
+                                            <p:txEl>
+                                              <p:pRg st="5" end="5"/>
+                                            </p:txEl>
+                                          </p:spTgt>
+                                        </p:tgtEl>
+                                        <p:attrNameLst>
+                                          <p:attrName>style.visibility</p:attrName>
+                                        </p:attrNameLst>
+                                      </p:cBhvr>
+                                      <p:to>
+                                        <p:strVal val="visible"/>
+                                      </p:to>
+                                    </p:set>
+                                  </p:childTnLst>
+                                </p:cTn>
+                              </p:par>
+                            </p:childTnLst>
+                          </p:cTn>
+                        </p:par>
+                      </p:childTnLst>
+                    </p:cTn>
+                  </p:par>
+                </p:childTnLst>
+              </p:cTn>
+              <p:prevCondLst>
+                <p:cond evt="onPrev" delay="0">
+                  <p:tgtEl>
+                    <p:sldTgt/>
+                  </p:tgtEl>
+                </p:cond>
+              </p:prevCondLst>
+              <p:nextCondLst>
+                <p:cond evt="onNext" delay="0">
+                  <p:tgtEl>
+                    <p:sldTgt/>
+                  </p:tgtEl>
+                </p:cond>
+              </p:nextCondLst>
+            </p:seq>
+          </p:childTnLst>
+        </p:cTn>
+      </p:par>
+    </p:tnLst>
+    <p:bldLst>
+      <p:bldP spid="3" grpId="0" build="p"/>
+    </p:bldLst>
+  </p:timing>
+</p:sld>
+</file>
+
+<file path=ppt/slides/slide32.xml><?xml version="1.0" encoding="utf-8"?>
+<p:sld xmlns:a="http://schemas.openxmlformats.org/drawingml/2006/main" xmlns:r="http://schemas.openxmlformats.org/officeDocument/2006/relationships" xmlns:p="http://schemas.openxmlformats.org/presentationml/2006/main" show="0">
+  <p:cSld>
+    <p:spTree>
+      <p:nvGrpSpPr>
+        <p:cNvPr id="1" name=""/>
+        <p:cNvGrpSpPr/>
+        <p:nvPr/>
+      </p:nvGrpSpPr>
+      <p:grpSpPr>
+        <a:xfrm>
+          <a:off x="0" y="0"/>
+          <a:ext cx="0" cy="0"/>
+          <a:chOff x="0" y="0"/>
+          <a:chExt cx="0" cy="0"/>
+        </a:xfrm>
+      </p:grpSpPr>
+      <p:sp>
+        <p:nvSpPr>
+          <p:cNvPr id="2" name="Title 1"/>
+          <p:cNvSpPr>
+            <a:spLocks noGrp="1"/>
+          </p:cNvSpPr>
+          <p:nvPr>
+            <p:ph type="title"/>
+          </p:nvPr>
+        </p:nvSpPr>
+        <p:spPr/>
+        <p:txBody>
+          <a:bodyPr/>
+          <a:lstStyle/>
+          <a:p>
+            <a:r>
+              <a:rPr lang="en-US" dirty="0" smtClean="0"/>
               <a:t>DP Algorithm- </a:t>
             </a:r>
             <a:r>
@@ -27288,7 +29302,7 @@
 </p:sld>
 </file>
 
-<file path=ppt/slides/slide31.xml><?xml version="1.0" encoding="utf-8"?>
+<file path=ppt/slides/slide33.xml><?xml version="1.0" encoding="utf-8"?>
 <p:sld xmlns:a="http://schemas.openxmlformats.org/drawingml/2006/main" xmlns:r="http://schemas.openxmlformats.org/officeDocument/2006/relationships" xmlns:p="http://schemas.openxmlformats.org/presentationml/2006/main" show="0">
   <p:cSld>
     <p:spTree>
@@ -36718,7 +38732,7 @@
 </p:sld>
 </file>
 
-<file path=ppt/slides/slide32.xml><?xml version="1.0" encoding="utf-8"?>
+<file path=ppt/slides/slide34.xml><?xml version="1.0" encoding="utf-8"?>
 <p:sld xmlns:a="http://schemas.openxmlformats.org/drawingml/2006/main" xmlns:r="http://schemas.openxmlformats.org/officeDocument/2006/relationships" xmlns:p="http://schemas.openxmlformats.org/presentationml/2006/main" show="0">
   <p:cSld>
     <p:spTree>
@@ -37049,1430 +39063,6 @@
     <p:extLst>
       <p:ext uri="{BB962C8B-B14F-4D97-AF65-F5344CB8AC3E}">
         <p14:creationId xmlns:p14="http://schemas.microsoft.com/office/powerpoint/2010/main" val="3937851108"/>
-      </p:ext>
-    </p:extLst>
-  </p:cSld>
-  <p:clrMapOvr>
-    <a:masterClrMapping/>
-  </p:clrMapOvr>
-  <mc:AlternateContent xmlns:mc="http://schemas.openxmlformats.org/markup-compatibility/2006">
-    <mc:Choice xmlns:p14="http://schemas.microsoft.com/office/powerpoint/2010/main" Requires="p14">
-      <p:transition spd="slow" p14:dur="2000"/>
-    </mc:Choice>
-    <mc:Fallback>
-      <p:transition xmlns:p14="http://schemas.microsoft.com/office/powerpoint/2010/main" spd="slow"/>
-    </mc:Fallback>
-  </mc:AlternateContent>
-  <p:timing>
-    <p:tnLst>
-      <p:par>
-        <p:cTn xmlns:p14="http://schemas.microsoft.com/office/powerpoint/2010/main" id="1" dur="indefinite" restart="never" nodeType="tmRoot"/>
-      </p:par>
-    </p:tnLst>
-  </p:timing>
-</p:sld>
-</file>
-
-<file path=ppt/slides/slide33.xml><?xml version="1.0" encoding="utf-8"?>
-<p:sld xmlns:a="http://schemas.openxmlformats.org/drawingml/2006/main" xmlns:r="http://schemas.openxmlformats.org/officeDocument/2006/relationships" xmlns:p="http://schemas.openxmlformats.org/presentationml/2006/main" show="0">
-  <p:cSld>
-    <p:spTree>
-      <p:nvGrpSpPr>
-        <p:cNvPr id="1" name=""/>
-        <p:cNvGrpSpPr/>
-        <p:nvPr/>
-      </p:nvGrpSpPr>
-      <p:grpSpPr>
-        <a:xfrm>
-          <a:off x="0" y="0"/>
-          <a:ext cx="0" cy="0"/>
-          <a:chOff x="0" y="0"/>
-          <a:chExt cx="0" cy="0"/>
-        </a:xfrm>
-      </p:grpSpPr>
-      <p:sp>
-        <p:nvSpPr>
-          <p:cNvPr id="2" name="Title 1"/>
-          <p:cNvSpPr>
-            <a:spLocks noGrp="1"/>
-          </p:cNvSpPr>
-          <p:nvPr>
-            <p:ph type="title"/>
-          </p:nvPr>
-        </p:nvSpPr>
-        <p:spPr/>
-        <p:txBody>
-          <a:bodyPr>
-            <a:normAutofit fontScale="90000"/>
-          </a:bodyPr>
-          <a:lstStyle/>
-          <a:p>
-            <a:r>
-              <a:rPr lang="en-US" dirty="0" smtClean="0"/>
-              <a:t>1. Compute L[</a:t>
-            </a:r>
-            <a:r>
-              <a:rPr lang="en-US" dirty="0" err="1" smtClean="0"/>
-              <a:t>v,a</a:t>
-            </a:r>
-            <a:r>
-              <a:rPr lang="en-US" dirty="0" smtClean="0"/>
-              <a:t>] (bottom-up)</a:t>
-            </a:r>
-            <a:endParaRPr lang="en-US" dirty="0"/>
-          </a:p>
-        </p:txBody>
-      </p:sp>
-      <p:sp>
-        <p:nvSpPr>
-          <p:cNvPr id="3" name="Content Placeholder 2"/>
-          <p:cNvSpPr>
-            <a:spLocks noGrp="1"/>
-          </p:cNvSpPr>
-          <p:nvPr>
-            <p:ph sz="quarter" idx="1"/>
-          </p:nvPr>
-        </p:nvSpPr>
-        <p:spPr>
-          <a:xfrm>
-            <a:off x="612648" y="1600200"/>
-            <a:ext cx="8153400" cy="4736432"/>
-          </a:xfrm>
-        </p:spPr>
-        <p:txBody>
-          <a:bodyPr>
-            <a:normAutofit fontScale="92500" lnSpcReduction="10000"/>
-          </a:bodyPr>
-          <a:lstStyle/>
-          <a:p>
-            <a:r>
-              <a:rPr lang="en-US" dirty="0"/>
-              <a:t>For </a:t>
-            </a:r>
-            <a:r>
-              <a:rPr lang="en-US" i="1" dirty="0" smtClean="0"/>
-              <a:t>v</a:t>
-            </a:r>
-            <a:r>
-              <a:rPr lang="en-US" dirty="0" smtClean="0"/>
-              <a:t> </a:t>
-            </a:r>
-            <a:r>
-              <a:rPr lang="en-US" dirty="0"/>
-              <a:t>= 0 to |V|-1</a:t>
-            </a:r>
-          </a:p>
-          <a:p>
-            <a:pPr lvl="1"/>
-            <a:r>
-              <a:rPr lang="en-US" dirty="0"/>
-              <a:t>For </a:t>
-            </a:r>
-            <a:r>
-              <a:rPr lang="en-US" i="1" dirty="0" smtClean="0"/>
-              <a:t>a</a:t>
-            </a:r>
-            <a:r>
-              <a:rPr lang="en-US" dirty="0" smtClean="0"/>
-              <a:t> </a:t>
-            </a:r>
-            <a:r>
-              <a:rPr lang="en-US" dirty="0"/>
-              <a:t>= 0 to |∑| </a:t>
-            </a:r>
-          </a:p>
-          <a:p>
-            <a:pPr lvl="2"/>
-            <a:r>
-              <a:rPr lang="en-US" dirty="0"/>
-              <a:t>If node</a:t>
-            </a:r>
-            <a:r>
-              <a:rPr lang="en-US" i="1" dirty="0"/>
-              <a:t> </a:t>
-            </a:r>
-            <a:r>
-              <a:rPr lang="en-US" i="1" dirty="0" smtClean="0"/>
-              <a:t>v </a:t>
-            </a:r>
-            <a:r>
-              <a:rPr lang="en-US" dirty="0" smtClean="0"/>
-              <a:t>is </a:t>
-            </a:r>
-            <a:r>
-              <a:rPr lang="en-US" dirty="0"/>
-              <a:t>a leaf</a:t>
-            </a:r>
-          </a:p>
-          <a:p>
-            <a:pPr lvl="3"/>
-            <a:r>
-              <a:rPr lang="en-US" i="1" dirty="0" smtClean="0"/>
-              <a:t>L[</a:t>
-            </a:r>
-            <a:r>
-              <a:rPr lang="en-US" i="1" dirty="0" err="1"/>
-              <a:t>v</a:t>
-            </a:r>
-            <a:r>
-              <a:rPr lang="en-US" i="1" dirty="0" err="1" smtClean="0"/>
-              <a:t>,</a:t>
-            </a:r>
-            <a:r>
-              <a:rPr lang="en-US" i="1" dirty="0" err="1"/>
-              <a:t>a</a:t>
-            </a:r>
-            <a:r>
-              <a:rPr lang="en-US" i="1" dirty="0" smtClean="0"/>
-              <a:t>] = 0</a:t>
-            </a:r>
-            <a:r>
-              <a:rPr lang="en-US" dirty="0" smtClean="0"/>
-              <a:t> if</a:t>
-            </a:r>
-            <a:r>
-              <a:rPr lang="en-US" i="1" dirty="0" smtClean="0"/>
-              <a:t> label(v) == a</a:t>
-            </a:r>
-            <a:r>
-              <a:rPr lang="en-US" dirty="0" smtClean="0"/>
-              <a:t> , </a:t>
-            </a:r>
-            <a:r>
-              <a:rPr lang="en-US" i="1" dirty="0" smtClean="0">
-                <a:cs typeface="Cambria Math"/>
-              </a:rPr>
-              <a:t>∞ otherwise</a:t>
-            </a:r>
-            <a:endParaRPr lang="en-US" i="1" dirty="0"/>
-          </a:p>
-          <a:p>
-            <a:pPr lvl="2"/>
-            <a:r>
-              <a:rPr lang="en-US" dirty="0" smtClean="0">
-                <a:cs typeface="Cambria Math"/>
-              </a:rPr>
-              <a:t>Else node </a:t>
-            </a:r>
-            <a:r>
-              <a:rPr lang="en-US" i="1" dirty="0" smtClean="0">
-                <a:cs typeface="Cambria Math"/>
-              </a:rPr>
-              <a:t>v</a:t>
-            </a:r>
-            <a:r>
-              <a:rPr lang="en-US" dirty="0" smtClean="0">
-                <a:cs typeface="Cambria Math"/>
-              </a:rPr>
-              <a:t> is internal node with children </a:t>
-            </a:r>
-            <a:r>
-              <a:rPr lang="en-US" i="1" dirty="0" smtClean="0">
-                <a:cs typeface="Cambria Math"/>
-              </a:rPr>
-              <a:t>u</a:t>
-            </a:r>
-            <a:r>
-              <a:rPr lang="en-US" dirty="0" smtClean="0">
-                <a:cs typeface="Cambria Math"/>
-              </a:rPr>
-              <a:t> and </a:t>
-            </a:r>
-            <a:r>
-              <a:rPr lang="en-US" i="1" dirty="0" smtClean="0">
-                <a:cs typeface="Cambria Math"/>
-              </a:rPr>
-              <a:t>w</a:t>
-            </a:r>
-            <a:endParaRPr lang="en-US" dirty="0" smtClean="0">
-              <a:cs typeface="Cambria Math"/>
-            </a:endParaRPr>
-          </a:p>
-          <a:p>
-            <a:pPr lvl="3"/>
-            <a:r>
-              <a:rPr lang="en-US" i="1" dirty="0" smtClean="0">
-                <a:cs typeface="Cambria Math"/>
-              </a:rPr>
-              <a:t>left=∞, right=∞</a:t>
-            </a:r>
-            <a:endParaRPr lang="en-US" dirty="0" smtClean="0">
-              <a:cs typeface="Cambria Math"/>
-            </a:endParaRPr>
-          </a:p>
-          <a:p>
-            <a:pPr lvl="3"/>
-            <a:r>
-              <a:rPr lang="en-US" dirty="0" smtClean="0">
-                <a:cs typeface="Cambria Math"/>
-              </a:rPr>
-              <a:t>For </a:t>
-            </a:r>
-            <a:r>
-              <a:rPr lang="en-US" i="1" dirty="0" smtClean="0">
-                <a:cs typeface="Cambria Math"/>
-              </a:rPr>
-              <a:t>b </a:t>
-            </a:r>
-            <a:r>
-              <a:rPr lang="en-US" dirty="0" smtClean="0">
-                <a:cs typeface="Cambria Math"/>
-              </a:rPr>
-              <a:t>= 0 to </a:t>
-            </a:r>
-            <a:r>
-              <a:rPr lang="en-US" dirty="0"/>
-              <a:t>|∑| </a:t>
-            </a:r>
-            <a:endParaRPr lang="en-US" dirty="0" smtClean="0"/>
-          </a:p>
-          <a:p>
-            <a:pPr lvl="4"/>
-            <a:r>
-              <a:rPr lang="en-US" dirty="0" smtClean="0"/>
-              <a:t>If </a:t>
-            </a:r>
-            <a:r>
-              <a:rPr lang="en-US" i="1" dirty="0" smtClean="0">
-                <a:cs typeface="Cambria Math"/>
-              </a:rPr>
-              <a:t>(</a:t>
-            </a:r>
-            <a:r>
-              <a:rPr lang="en-US" i="1" dirty="0">
-                <a:cs typeface="Cambria Math"/>
-              </a:rPr>
-              <a:t>L[</a:t>
-            </a:r>
-            <a:r>
-              <a:rPr lang="en-US" i="1" dirty="0" err="1">
-                <a:cs typeface="Cambria Math"/>
-              </a:rPr>
-              <a:t>u,b</a:t>
-            </a:r>
-            <a:r>
-              <a:rPr lang="en-US" i="1" dirty="0">
-                <a:cs typeface="Cambria Math"/>
-              </a:rPr>
-              <a:t>] + </a:t>
-            </a:r>
-            <a:r>
-              <a:rPr lang="en-US" i="1" dirty="0" smtClean="0">
-                <a:cs typeface="Cambria Math"/>
-              </a:rPr>
-              <a:t>S[</a:t>
-            </a:r>
-            <a:r>
-              <a:rPr lang="en-US" i="1" dirty="0" err="1">
-                <a:cs typeface="Cambria Math"/>
-              </a:rPr>
-              <a:t>a,b</a:t>
-            </a:r>
-            <a:r>
-              <a:rPr lang="en-US" i="1" dirty="0">
-                <a:cs typeface="Cambria Math"/>
-              </a:rPr>
-              <a:t>]</a:t>
-            </a:r>
-            <a:r>
-              <a:rPr lang="en-US" i="1" dirty="0" smtClean="0">
-                <a:cs typeface="Cambria Math"/>
-              </a:rPr>
-              <a:t>) &lt; left</a:t>
-            </a:r>
-            <a:endParaRPr lang="en-US" dirty="0">
-              <a:cs typeface="Cambria Math"/>
-            </a:endParaRPr>
-          </a:p>
-          <a:p>
-            <a:pPr lvl="5"/>
-            <a:r>
-              <a:rPr lang="en-US" i="1" dirty="0" smtClean="0">
-                <a:cs typeface="Cambria Math"/>
-              </a:rPr>
-              <a:t>left = </a:t>
-            </a:r>
-            <a:r>
-              <a:rPr lang="en-US" i="1" dirty="0">
-                <a:cs typeface="Cambria Math"/>
-              </a:rPr>
-              <a:t>(L[</a:t>
-            </a:r>
-            <a:r>
-              <a:rPr lang="en-US" i="1" dirty="0" err="1">
-                <a:cs typeface="Cambria Math"/>
-              </a:rPr>
-              <a:t>u,b</a:t>
-            </a:r>
-            <a:r>
-              <a:rPr lang="en-US" i="1" dirty="0">
-                <a:cs typeface="Cambria Math"/>
-              </a:rPr>
-              <a:t>] + </a:t>
-            </a:r>
-            <a:r>
-              <a:rPr lang="en-US" i="1" dirty="0" smtClean="0">
-                <a:cs typeface="Cambria Math"/>
-              </a:rPr>
-              <a:t>S[</a:t>
-            </a:r>
-            <a:r>
-              <a:rPr lang="en-US" i="1" dirty="0" err="1">
-                <a:cs typeface="Cambria Math"/>
-              </a:rPr>
-              <a:t>a,b</a:t>
-            </a:r>
-            <a:r>
-              <a:rPr lang="en-US" i="1" dirty="0">
-                <a:cs typeface="Cambria Math"/>
-              </a:rPr>
-              <a:t>]) </a:t>
-            </a:r>
-            <a:endParaRPr lang="en-US" dirty="0"/>
-          </a:p>
-          <a:p>
-            <a:pPr lvl="4"/>
-            <a:r>
-              <a:rPr lang="en-US" dirty="0" smtClean="0">
-                <a:cs typeface="Cambria Math"/>
-              </a:rPr>
-              <a:t>If </a:t>
-            </a:r>
-            <a:r>
-              <a:rPr lang="en-US" dirty="0" smtClean="0"/>
-              <a:t> </a:t>
-            </a:r>
-            <a:r>
-              <a:rPr lang="en-US" i="1" dirty="0">
-                <a:cs typeface="Cambria Math"/>
-              </a:rPr>
-              <a:t>(L[</a:t>
-            </a:r>
-            <a:r>
-              <a:rPr lang="en-US" i="1" dirty="0" err="1">
-                <a:cs typeface="Cambria Math"/>
-              </a:rPr>
-              <a:t>w</a:t>
-            </a:r>
-            <a:r>
-              <a:rPr lang="en-US" i="1" dirty="0" err="1" smtClean="0">
-                <a:cs typeface="Cambria Math"/>
-              </a:rPr>
-              <a:t>,b</a:t>
-            </a:r>
-            <a:r>
-              <a:rPr lang="en-US" i="1" dirty="0" smtClean="0">
-                <a:cs typeface="Cambria Math"/>
-              </a:rPr>
-              <a:t>] </a:t>
-            </a:r>
-            <a:r>
-              <a:rPr lang="en-US" i="1" dirty="0">
-                <a:cs typeface="Cambria Math"/>
-              </a:rPr>
-              <a:t>+ </a:t>
-            </a:r>
-            <a:r>
-              <a:rPr lang="en-US" i="1" dirty="0" smtClean="0">
-                <a:cs typeface="Cambria Math"/>
-              </a:rPr>
-              <a:t>S[</a:t>
-            </a:r>
-            <a:r>
-              <a:rPr lang="en-US" i="1" dirty="0" err="1">
-                <a:cs typeface="Cambria Math"/>
-              </a:rPr>
-              <a:t>a</a:t>
-            </a:r>
-            <a:r>
-              <a:rPr lang="en-US" i="1" dirty="0" err="1" smtClean="0">
-                <a:cs typeface="Cambria Math"/>
-              </a:rPr>
-              <a:t>,b</a:t>
-            </a:r>
-            <a:r>
-              <a:rPr lang="en-US" i="1" dirty="0" smtClean="0">
-                <a:cs typeface="Cambria Math"/>
-              </a:rPr>
-              <a:t>]) &lt; right</a:t>
-            </a:r>
-            <a:endParaRPr lang="en-US" dirty="0">
-              <a:cs typeface="Cambria Math"/>
-            </a:endParaRPr>
-          </a:p>
-          <a:p>
-            <a:pPr lvl="5"/>
-            <a:r>
-              <a:rPr lang="en-US" i="1" dirty="0" smtClean="0">
-                <a:cs typeface="Cambria Math"/>
-              </a:rPr>
-              <a:t>right </a:t>
-            </a:r>
-            <a:r>
-              <a:rPr lang="en-US" i="1" dirty="0">
-                <a:cs typeface="Cambria Math"/>
-              </a:rPr>
-              <a:t>= (L[</a:t>
-            </a:r>
-            <a:r>
-              <a:rPr lang="en-US" i="1" dirty="0" err="1">
-                <a:cs typeface="Cambria Math"/>
-              </a:rPr>
-              <a:t>w</a:t>
-            </a:r>
-            <a:r>
-              <a:rPr lang="en-US" i="1" dirty="0" err="1" smtClean="0">
-                <a:cs typeface="Cambria Math"/>
-              </a:rPr>
-              <a:t>,b</a:t>
-            </a:r>
-            <a:r>
-              <a:rPr lang="en-US" i="1" dirty="0" smtClean="0">
-                <a:cs typeface="Cambria Math"/>
-              </a:rPr>
-              <a:t>] </a:t>
-            </a:r>
-            <a:r>
-              <a:rPr lang="en-US" i="1" dirty="0">
-                <a:cs typeface="Cambria Math"/>
-              </a:rPr>
-              <a:t>+ </a:t>
-            </a:r>
-            <a:r>
-              <a:rPr lang="en-US" i="1" dirty="0" smtClean="0">
-                <a:cs typeface="Cambria Math"/>
-              </a:rPr>
-              <a:t>S[</a:t>
-            </a:r>
-            <a:r>
-              <a:rPr lang="en-US" i="1" dirty="0" err="1">
-                <a:cs typeface="Cambria Math"/>
-              </a:rPr>
-              <a:t>a</a:t>
-            </a:r>
-            <a:r>
-              <a:rPr lang="en-US" i="1" dirty="0" err="1" smtClean="0">
-                <a:cs typeface="Cambria Math"/>
-              </a:rPr>
-              <a:t>,b</a:t>
-            </a:r>
-            <a:r>
-              <a:rPr lang="en-US" i="1" dirty="0" smtClean="0">
-                <a:cs typeface="Cambria Math"/>
-              </a:rPr>
-              <a:t>]</a:t>
-            </a:r>
-            <a:r>
-              <a:rPr lang="en-US" i="1" dirty="0">
-                <a:cs typeface="Cambria Math"/>
-              </a:rPr>
-              <a:t>) </a:t>
-            </a:r>
-            <a:endParaRPr lang="en-US" i="1" dirty="0" smtClean="0">
-              <a:cs typeface="Cambria Math"/>
-            </a:endParaRPr>
-          </a:p>
-          <a:p>
-            <a:pPr lvl="3"/>
-            <a:r>
-              <a:rPr lang="en-US" i="1" dirty="0" smtClean="0">
-                <a:cs typeface="Cambria Math"/>
-              </a:rPr>
-              <a:t>L[</a:t>
-            </a:r>
-            <a:r>
-              <a:rPr lang="en-US" i="1" dirty="0" err="1" smtClean="0">
-                <a:cs typeface="Cambria Math"/>
-              </a:rPr>
-              <a:t>v,a</a:t>
-            </a:r>
-            <a:r>
-              <a:rPr lang="en-US" i="1" dirty="0" smtClean="0">
-                <a:cs typeface="Cambria Math"/>
-              </a:rPr>
-              <a:t>] = </a:t>
-            </a:r>
-            <a:r>
-              <a:rPr lang="en-US" i="1" dirty="0" err="1" smtClean="0">
-                <a:cs typeface="Cambria Math"/>
-              </a:rPr>
-              <a:t>left+right</a:t>
-            </a:r>
-            <a:endParaRPr lang="en-US" i="1" dirty="0" smtClean="0">
-              <a:cs typeface="Cambria Math"/>
-            </a:endParaRPr>
-          </a:p>
-          <a:p>
-            <a:pPr lvl="3"/>
-            <a:r>
-              <a:rPr lang="en-US" i="1" dirty="0" smtClean="0">
-                <a:cs typeface="Cambria Math"/>
-              </a:rPr>
-              <a:t>X[</a:t>
-            </a:r>
-            <a:r>
-              <a:rPr lang="en-US" i="1" dirty="0" err="1" smtClean="0">
-                <a:cs typeface="Cambria Math"/>
-              </a:rPr>
-              <a:t>v,a</a:t>
-            </a:r>
-            <a:r>
-              <a:rPr lang="en-US" i="1" dirty="0" smtClean="0">
-                <a:cs typeface="Cambria Math"/>
-              </a:rPr>
-              <a:t>] = left</a:t>
-            </a:r>
-          </a:p>
-          <a:p>
-            <a:pPr lvl="3"/>
-            <a:r>
-              <a:rPr lang="en-US" i="1" dirty="0" smtClean="0">
-                <a:cs typeface="Cambria Math"/>
-              </a:rPr>
-              <a:t>Y[</a:t>
-            </a:r>
-            <a:r>
-              <a:rPr lang="en-US" i="1" dirty="0" err="1" smtClean="0">
-                <a:cs typeface="Cambria Math"/>
-              </a:rPr>
-              <a:t>v,a</a:t>
-            </a:r>
-            <a:r>
-              <a:rPr lang="en-US" i="1" dirty="0" smtClean="0">
-                <a:cs typeface="Cambria Math"/>
-              </a:rPr>
-              <a:t>] = right</a:t>
-            </a:r>
-          </a:p>
-        </p:txBody>
-      </p:sp>
-    </p:spTree>
-    <p:extLst>
-      <p:ext uri="{BB962C8B-B14F-4D97-AF65-F5344CB8AC3E}">
-        <p14:creationId xmlns:p14="http://schemas.microsoft.com/office/powerpoint/2010/main" val="480338214"/>
-      </p:ext>
-    </p:extLst>
-  </p:cSld>
-  <p:clrMapOvr>
-    <a:masterClrMapping/>
-  </p:clrMapOvr>
-  <mc:AlternateContent xmlns:mc="http://schemas.openxmlformats.org/markup-compatibility/2006">
-    <mc:Choice xmlns:p14="http://schemas.microsoft.com/office/powerpoint/2010/main" Requires="p14">
-      <p:transition spd="slow" p14:dur="2000"/>
-    </mc:Choice>
-    <mc:Fallback>
-      <p:transition xmlns:p14="http://schemas.microsoft.com/office/powerpoint/2010/main" spd="slow"/>
-    </mc:Fallback>
-  </mc:AlternateContent>
-  <p:timing>
-    <p:tnLst>
-      <p:par>
-        <p:cTn xmlns:p14="http://schemas.microsoft.com/office/powerpoint/2010/main" id="1" dur="indefinite" restart="never" nodeType="tmRoot">
-          <p:childTnLst>
-            <p:seq concurrent="1" nextAc="seek">
-              <p:cTn id="2" dur="indefinite" nodeType="mainSeq">
-                <p:childTnLst>
-                  <p:par>
-                    <p:cTn id="3" fill="hold">
-                      <p:stCondLst>
-                        <p:cond delay="indefinite"/>
-                      </p:stCondLst>
-                      <p:childTnLst>
-                        <p:par>
-                          <p:cTn id="4" fill="hold">
-                            <p:stCondLst>
-                              <p:cond delay="0"/>
-                            </p:stCondLst>
-                            <p:childTnLst>
-                              <p:par>
-                                <p:cTn id="5" presetID="1" presetClass="entr" presetSubtype="0" fill="hold" grpId="0" nodeType="clickEffect">
-                                  <p:stCondLst>
-                                    <p:cond delay="0"/>
-                                  </p:stCondLst>
-                                  <p:childTnLst>
-                                    <p:set>
-                                      <p:cBhvr>
-                                        <p:cTn id="6" dur="1" fill="hold">
-                                          <p:stCondLst>
-                                            <p:cond delay="0"/>
-                                          </p:stCondLst>
-                                        </p:cTn>
-                                        <p:tgtEl>
-                                          <p:spTgt spid="3">
-                                            <p:txEl>
-                                              <p:pRg st="0" end="0"/>
-                                            </p:txEl>
-                                          </p:spTgt>
-                                        </p:tgtEl>
-                                        <p:attrNameLst>
-                                          <p:attrName>style.visibility</p:attrName>
-                                        </p:attrNameLst>
-                                      </p:cBhvr>
-                                      <p:to>
-                                        <p:strVal val="visible"/>
-                                      </p:to>
-                                    </p:set>
-                                  </p:childTnLst>
-                                </p:cTn>
-                              </p:par>
-                              <p:par>
-                                <p:cTn id="7" presetID="1" presetClass="entr" presetSubtype="0" fill="hold" grpId="0" nodeType="withEffect">
-                                  <p:stCondLst>
-                                    <p:cond delay="0"/>
-                                  </p:stCondLst>
-                                  <p:childTnLst>
-                                    <p:set>
-                                      <p:cBhvr>
-                                        <p:cTn id="8" dur="1" fill="hold">
-                                          <p:stCondLst>
-                                            <p:cond delay="0"/>
-                                          </p:stCondLst>
-                                        </p:cTn>
-                                        <p:tgtEl>
-                                          <p:spTgt spid="3">
-                                            <p:txEl>
-                                              <p:pRg st="1" end="1"/>
-                                            </p:txEl>
-                                          </p:spTgt>
-                                        </p:tgtEl>
-                                        <p:attrNameLst>
-                                          <p:attrName>style.visibility</p:attrName>
-                                        </p:attrNameLst>
-                                      </p:cBhvr>
-                                      <p:to>
-                                        <p:strVal val="visible"/>
-                                      </p:to>
-                                    </p:set>
-                                  </p:childTnLst>
-                                </p:cTn>
-                              </p:par>
-                              <p:par>
-                                <p:cTn id="9" presetID="1" presetClass="entr" presetSubtype="0" fill="hold" grpId="0" nodeType="withEffect">
-                                  <p:stCondLst>
-                                    <p:cond delay="0"/>
-                                  </p:stCondLst>
-                                  <p:childTnLst>
-                                    <p:set>
-                                      <p:cBhvr>
-                                        <p:cTn id="10" dur="1" fill="hold">
-                                          <p:stCondLst>
-                                            <p:cond delay="0"/>
-                                          </p:stCondLst>
-                                        </p:cTn>
-                                        <p:tgtEl>
-                                          <p:spTgt spid="3">
-                                            <p:txEl>
-                                              <p:pRg st="2" end="2"/>
-                                            </p:txEl>
-                                          </p:spTgt>
-                                        </p:tgtEl>
-                                        <p:attrNameLst>
-                                          <p:attrName>style.visibility</p:attrName>
-                                        </p:attrNameLst>
-                                      </p:cBhvr>
-                                      <p:to>
-                                        <p:strVal val="visible"/>
-                                      </p:to>
-                                    </p:set>
-                                  </p:childTnLst>
-                                </p:cTn>
-                              </p:par>
-                              <p:par>
-                                <p:cTn id="11" presetID="1" presetClass="entr" presetSubtype="0" fill="hold" grpId="0" nodeType="withEffect">
-                                  <p:stCondLst>
-                                    <p:cond delay="0"/>
-                                  </p:stCondLst>
-                                  <p:childTnLst>
-                                    <p:set>
-                                      <p:cBhvr>
-                                        <p:cTn id="12" dur="1" fill="hold">
-                                          <p:stCondLst>
-                                            <p:cond delay="0"/>
-                                          </p:stCondLst>
-                                        </p:cTn>
-                                        <p:tgtEl>
-                                          <p:spTgt spid="3">
-                                            <p:txEl>
-                                              <p:pRg st="3" end="3"/>
-                                            </p:txEl>
-                                          </p:spTgt>
-                                        </p:tgtEl>
-                                        <p:attrNameLst>
-                                          <p:attrName>style.visibility</p:attrName>
-                                        </p:attrNameLst>
-                                      </p:cBhvr>
-                                      <p:to>
-                                        <p:strVal val="visible"/>
-                                      </p:to>
-                                    </p:set>
-                                  </p:childTnLst>
-                                </p:cTn>
-                              </p:par>
-                              <p:par>
-                                <p:cTn id="13" presetID="1" presetClass="entr" presetSubtype="0" fill="hold" grpId="0" nodeType="withEffect">
-                                  <p:stCondLst>
-                                    <p:cond delay="0"/>
-                                  </p:stCondLst>
-                                  <p:childTnLst>
-                                    <p:set>
-                                      <p:cBhvr>
-                                        <p:cTn id="14" dur="1" fill="hold">
-                                          <p:stCondLst>
-                                            <p:cond delay="0"/>
-                                          </p:stCondLst>
-                                        </p:cTn>
-                                        <p:tgtEl>
-                                          <p:spTgt spid="3">
-                                            <p:txEl>
-                                              <p:pRg st="4" end="4"/>
-                                            </p:txEl>
-                                          </p:spTgt>
-                                        </p:tgtEl>
-                                        <p:attrNameLst>
-                                          <p:attrName>style.visibility</p:attrName>
-                                        </p:attrNameLst>
-                                      </p:cBhvr>
-                                      <p:to>
-                                        <p:strVal val="visible"/>
-                                      </p:to>
-                                    </p:set>
-                                  </p:childTnLst>
-                                </p:cTn>
-                              </p:par>
-                              <p:par>
-                                <p:cTn id="15" presetID="1" presetClass="entr" presetSubtype="0" fill="hold" grpId="0" nodeType="withEffect">
-                                  <p:stCondLst>
-                                    <p:cond delay="0"/>
-                                  </p:stCondLst>
-                                  <p:childTnLst>
-                                    <p:set>
-                                      <p:cBhvr>
-                                        <p:cTn id="16" dur="1" fill="hold">
-                                          <p:stCondLst>
-                                            <p:cond delay="0"/>
-                                          </p:stCondLst>
-                                        </p:cTn>
-                                        <p:tgtEl>
-                                          <p:spTgt spid="3">
-                                            <p:txEl>
-                                              <p:pRg st="5" end="5"/>
-                                            </p:txEl>
-                                          </p:spTgt>
-                                        </p:tgtEl>
-                                        <p:attrNameLst>
-                                          <p:attrName>style.visibility</p:attrName>
-                                        </p:attrNameLst>
-                                      </p:cBhvr>
-                                      <p:to>
-                                        <p:strVal val="visible"/>
-                                      </p:to>
-                                    </p:set>
-                                  </p:childTnLst>
-                                </p:cTn>
-                              </p:par>
-                              <p:par>
-                                <p:cTn id="17" presetID="1" presetClass="entr" presetSubtype="0" fill="hold" grpId="0" nodeType="withEffect">
-                                  <p:stCondLst>
-                                    <p:cond delay="0"/>
-                                  </p:stCondLst>
-                                  <p:childTnLst>
-                                    <p:set>
-                                      <p:cBhvr>
-                                        <p:cTn id="18" dur="1" fill="hold">
-                                          <p:stCondLst>
-                                            <p:cond delay="0"/>
-                                          </p:stCondLst>
-                                        </p:cTn>
-                                        <p:tgtEl>
-                                          <p:spTgt spid="3">
-                                            <p:txEl>
-                                              <p:pRg st="6" end="6"/>
-                                            </p:txEl>
-                                          </p:spTgt>
-                                        </p:tgtEl>
-                                        <p:attrNameLst>
-                                          <p:attrName>style.visibility</p:attrName>
-                                        </p:attrNameLst>
-                                      </p:cBhvr>
-                                      <p:to>
-                                        <p:strVal val="visible"/>
-                                      </p:to>
-                                    </p:set>
-                                  </p:childTnLst>
-                                </p:cTn>
-                              </p:par>
-                              <p:par>
-                                <p:cTn id="19" presetID="1" presetClass="entr" presetSubtype="0" fill="hold" grpId="0" nodeType="withEffect">
-                                  <p:stCondLst>
-                                    <p:cond delay="0"/>
-                                  </p:stCondLst>
-                                  <p:childTnLst>
-                                    <p:set>
-                                      <p:cBhvr>
-                                        <p:cTn id="20" dur="1" fill="hold">
-                                          <p:stCondLst>
-                                            <p:cond delay="0"/>
-                                          </p:stCondLst>
-                                        </p:cTn>
-                                        <p:tgtEl>
-                                          <p:spTgt spid="3">
-                                            <p:txEl>
-                                              <p:pRg st="7" end="7"/>
-                                            </p:txEl>
-                                          </p:spTgt>
-                                        </p:tgtEl>
-                                        <p:attrNameLst>
-                                          <p:attrName>style.visibility</p:attrName>
-                                        </p:attrNameLst>
-                                      </p:cBhvr>
-                                      <p:to>
-                                        <p:strVal val="visible"/>
-                                      </p:to>
-                                    </p:set>
-                                  </p:childTnLst>
-                                </p:cTn>
-                              </p:par>
-                              <p:par>
-                                <p:cTn id="21" presetID="1" presetClass="entr" presetSubtype="0" fill="hold" grpId="0" nodeType="withEffect">
-                                  <p:stCondLst>
-                                    <p:cond delay="0"/>
-                                  </p:stCondLst>
-                                  <p:childTnLst>
-                                    <p:set>
-                                      <p:cBhvr>
-                                        <p:cTn id="22" dur="1" fill="hold">
-                                          <p:stCondLst>
-                                            <p:cond delay="0"/>
-                                          </p:stCondLst>
-                                        </p:cTn>
-                                        <p:tgtEl>
-                                          <p:spTgt spid="3">
-                                            <p:txEl>
-                                              <p:pRg st="8" end="8"/>
-                                            </p:txEl>
-                                          </p:spTgt>
-                                        </p:tgtEl>
-                                        <p:attrNameLst>
-                                          <p:attrName>style.visibility</p:attrName>
-                                        </p:attrNameLst>
-                                      </p:cBhvr>
-                                      <p:to>
-                                        <p:strVal val="visible"/>
-                                      </p:to>
-                                    </p:set>
-                                  </p:childTnLst>
-                                </p:cTn>
-                              </p:par>
-                              <p:par>
-                                <p:cTn id="23" presetID="1" presetClass="entr" presetSubtype="0" fill="hold" grpId="0" nodeType="withEffect">
-                                  <p:stCondLst>
-                                    <p:cond delay="0"/>
-                                  </p:stCondLst>
-                                  <p:childTnLst>
-                                    <p:set>
-                                      <p:cBhvr>
-                                        <p:cTn id="24" dur="1" fill="hold">
-                                          <p:stCondLst>
-                                            <p:cond delay="0"/>
-                                          </p:stCondLst>
-                                        </p:cTn>
-                                        <p:tgtEl>
-                                          <p:spTgt spid="3">
-                                            <p:txEl>
-                                              <p:pRg st="9" end="9"/>
-                                            </p:txEl>
-                                          </p:spTgt>
-                                        </p:tgtEl>
-                                        <p:attrNameLst>
-                                          <p:attrName>style.visibility</p:attrName>
-                                        </p:attrNameLst>
-                                      </p:cBhvr>
-                                      <p:to>
-                                        <p:strVal val="visible"/>
-                                      </p:to>
-                                    </p:set>
-                                  </p:childTnLst>
-                                </p:cTn>
-                              </p:par>
-                              <p:par>
-                                <p:cTn id="25" presetID="1" presetClass="entr" presetSubtype="0" fill="hold" grpId="0" nodeType="withEffect">
-                                  <p:stCondLst>
-                                    <p:cond delay="0"/>
-                                  </p:stCondLst>
-                                  <p:childTnLst>
-                                    <p:set>
-                                      <p:cBhvr>
-                                        <p:cTn id="26" dur="1" fill="hold">
-                                          <p:stCondLst>
-                                            <p:cond delay="0"/>
-                                          </p:stCondLst>
-                                        </p:cTn>
-                                        <p:tgtEl>
-                                          <p:spTgt spid="3">
-                                            <p:txEl>
-                                              <p:pRg st="10" end="10"/>
-                                            </p:txEl>
-                                          </p:spTgt>
-                                        </p:tgtEl>
-                                        <p:attrNameLst>
-                                          <p:attrName>style.visibility</p:attrName>
-                                        </p:attrNameLst>
-                                      </p:cBhvr>
-                                      <p:to>
-                                        <p:strVal val="visible"/>
-                                      </p:to>
-                                    </p:set>
-                                  </p:childTnLst>
-                                </p:cTn>
-                              </p:par>
-                              <p:par>
-                                <p:cTn id="27" presetID="1" presetClass="entr" presetSubtype="0" fill="hold" grpId="0" nodeType="withEffect">
-                                  <p:stCondLst>
-                                    <p:cond delay="0"/>
-                                  </p:stCondLst>
-                                  <p:childTnLst>
-                                    <p:set>
-                                      <p:cBhvr>
-                                        <p:cTn id="28" dur="1" fill="hold">
-                                          <p:stCondLst>
-                                            <p:cond delay="0"/>
-                                          </p:stCondLst>
-                                        </p:cTn>
-                                        <p:tgtEl>
-                                          <p:spTgt spid="3">
-                                            <p:txEl>
-                                              <p:pRg st="11" end="11"/>
-                                            </p:txEl>
-                                          </p:spTgt>
-                                        </p:tgtEl>
-                                        <p:attrNameLst>
-                                          <p:attrName>style.visibility</p:attrName>
-                                        </p:attrNameLst>
-                                      </p:cBhvr>
-                                      <p:to>
-                                        <p:strVal val="visible"/>
-                                      </p:to>
-                                    </p:set>
-                                  </p:childTnLst>
-                                </p:cTn>
-                              </p:par>
-                              <p:par>
-                                <p:cTn id="29" presetID="1" presetClass="entr" presetSubtype="0" fill="hold" grpId="0" nodeType="withEffect">
-                                  <p:stCondLst>
-                                    <p:cond delay="0"/>
-                                  </p:stCondLst>
-                                  <p:childTnLst>
-                                    <p:set>
-                                      <p:cBhvr>
-                                        <p:cTn id="30" dur="1" fill="hold">
-                                          <p:stCondLst>
-                                            <p:cond delay="0"/>
-                                          </p:stCondLst>
-                                        </p:cTn>
-                                        <p:tgtEl>
-                                          <p:spTgt spid="3">
-                                            <p:txEl>
-                                              <p:pRg st="12" end="12"/>
-                                            </p:txEl>
-                                          </p:spTgt>
-                                        </p:tgtEl>
-                                        <p:attrNameLst>
-                                          <p:attrName>style.visibility</p:attrName>
-                                        </p:attrNameLst>
-                                      </p:cBhvr>
-                                      <p:to>
-                                        <p:strVal val="visible"/>
-                                      </p:to>
-                                    </p:set>
-                                  </p:childTnLst>
-                                </p:cTn>
-                              </p:par>
-                              <p:par>
-                                <p:cTn id="31" presetID="1" presetClass="entr" presetSubtype="0" fill="hold" grpId="0" nodeType="withEffect">
-                                  <p:stCondLst>
-                                    <p:cond delay="0"/>
-                                  </p:stCondLst>
-                                  <p:childTnLst>
-                                    <p:set>
-                                      <p:cBhvr>
-                                        <p:cTn id="32" dur="1" fill="hold">
-                                          <p:stCondLst>
-                                            <p:cond delay="0"/>
-                                          </p:stCondLst>
-                                        </p:cTn>
-                                        <p:tgtEl>
-                                          <p:spTgt spid="3">
-                                            <p:txEl>
-                                              <p:pRg st="13" end="13"/>
-                                            </p:txEl>
-                                          </p:spTgt>
-                                        </p:tgtEl>
-                                        <p:attrNameLst>
-                                          <p:attrName>style.visibility</p:attrName>
-                                        </p:attrNameLst>
-                                      </p:cBhvr>
-                                      <p:to>
-                                        <p:strVal val="visible"/>
-                                      </p:to>
-                                    </p:set>
-                                  </p:childTnLst>
-                                </p:cTn>
-                              </p:par>
-                            </p:childTnLst>
-                          </p:cTn>
-                        </p:par>
-                      </p:childTnLst>
-                    </p:cTn>
-                  </p:par>
-                </p:childTnLst>
-              </p:cTn>
-              <p:prevCondLst>
-                <p:cond evt="onPrev" delay="0">
-                  <p:tgtEl>
-                    <p:sldTgt/>
-                  </p:tgtEl>
-                </p:cond>
-              </p:prevCondLst>
-              <p:nextCondLst>
-                <p:cond evt="onNext" delay="0">
-                  <p:tgtEl>
-                    <p:sldTgt/>
-                  </p:tgtEl>
-                </p:cond>
-              </p:nextCondLst>
-            </p:seq>
-          </p:childTnLst>
-        </p:cTn>
-      </p:par>
-    </p:tnLst>
-    <p:bldLst>
-      <p:bldP spid="3" grpId="0" build="p"/>
-    </p:bldLst>
-  </p:timing>
-</p:sld>
-</file>
-
-<file path=ppt/slides/slide34.xml><?xml version="1.0" encoding="utf-8"?>
-<p:sld xmlns:a="http://schemas.openxmlformats.org/drawingml/2006/main" xmlns:r="http://schemas.openxmlformats.org/officeDocument/2006/relationships" xmlns:p="http://schemas.openxmlformats.org/presentationml/2006/main" show="0">
-  <p:cSld>
-    <p:spTree>
-      <p:nvGrpSpPr>
-        <p:cNvPr id="1" name=""/>
-        <p:cNvGrpSpPr/>
-        <p:nvPr/>
-      </p:nvGrpSpPr>
-      <p:grpSpPr>
-        <a:xfrm>
-          <a:off x="0" y="0"/>
-          <a:ext cx="0" cy="0"/>
-          <a:chOff x="0" y="0"/>
-          <a:chExt cx="0" cy="0"/>
-        </a:xfrm>
-      </p:grpSpPr>
-      <p:sp>
-        <p:nvSpPr>
-          <p:cNvPr id="2" name="Title 1"/>
-          <p:cNvSpPr>
-            <a:spLocks noGrp="1"/>
-          </p:cNvSpPr>
-          <p:nvPr>
-            <p:ph type="title"/>
-          </p:nvPr>
-        </p:nvSpPr>
-        <p:spPr/>
-        <p:txBody>
-          <a:bodyPr>
-            <a:normAutofit/>
-          </a:bodyPr>
-          <a:lstStyle/>
-          <a:p>
-            <a:r>
-              <a:rPr lang="en-US" dirty="0" smtClean="0"/>
-              <a:t>2. Assign Labels (top-down)</a:t>
-            </a:r>
-            <a:endParaRPr lang="en-US" dirty="0"/>
-          </a:p>
-        </p:txBody>
-      </p:sp>
-      <p:sp>
-        <p:nvSpPr>
-          <p:cNvPr id="5" name="Content Placeholder 2"/>
-          <p:cNvSpPr>
-            <a:spLocks noGrp="1"/>
-          </p:cNvSpPr>
-          <p:nvPr>
-            <p:ph sz="quarter" idx="1"/>
-          </p:nvPr>
-        </p:nvSpPr>
-        <p:spPr/>
-        <p:txBody>
-          <a:bodyPr>
-            <a:normAutofit fontScale="92500" lnSpcReduction="20000"/>
-          </a:bodyPr>
-          <a:lstStyle/>
-          <a:p>
-            <a:r>
-              <a:rPr lang="en-US" i="1" dirty="0" err="1" smtClean="0"/>
-              <a:t>LabelOn</a:t>
-            </a:r>
-            <a:r>
-              <a:rPr lang="en-US" i="1" dirty="0" smtClean="0"/>
-              <a:t>(</a:t>
-            </a:r>
-            <a:r>
-              <a:rPr lang="en-US" i="1" dirty="0" err="1" smtClean="0"/>
-              <a:t>v,a</a:t>
-            </a:r>
-            <a:r>
-              <a:rPr lang="en-US" i="1" dirty="0" smtClean="0"/>
-              <a:t>)</a:t>
-            </a:r>
-          </a:p>
-          <a:p>
-            <a:pPr lvl="1"/>
-            <a:r>
-              <a:rPr lang="en-US" dirty="0" smtClean="0"/>
-              <a:t>If v is not a leaf:</a:t>
-            </a:r>
-          </a:p>
-          <a:p>
-            <a:pPr lvl="2"/>
-            <a:r>
-              <a:rPr lang="en-US" dirty="0"/>
-              <a:t>l</a:t>
-            </a:r>
-            <a:r>
-              <a:rPr lang="en-US" dirty="0" smtClean="0"/>
-              <a:t>abel(v) = a</a:t>
-            </a:r>
-          </a:p>
-          <a:p>
-            <a:pPr lvl="2"/>
-            <a:r>
-              <a:rPr lang="en-US" dirty="0">
-                <a:cs typeface="Cambria Math"/>
-              </a:rPr>
-              <a:t>u</a:t>
-            </a:r>
-            <a:r>
-              <a:rPr lang="en-US" dirty="0" smtClean="0">
-                <a:cs typeface="Cambria Math"/>
-              </a:rPr>
-              <a:t> = left </a:t>
-            </a:r>
-            <a:r>
-              <a:rPr lang="en-US" dirty="0">
-                <a:cs typeface="Cambria Math"/>
-              </a:rPr>
-              <a:t>child of v</a:t>
-            </a:r>
-          </a:p>
-          <a:p>
-            <a:pPr lvl="2"/>
-            <a:r>
-              <a:rPr lang="en-US" dirty="0" smtClean="0">
-                <a:cs typeface="Cambria Math"/>
-              </a:rPr>
-              <a:t>w = right </a:t>
-            </a:r>
-            <a:r>
-              <a:rPr lang="en-US" dirty="0">
-                <a:cs typeface="Cambria Math"/>
-              </a:rPr>
-              <a:t>child v</a:t>
-            </a:r>
-            <a:endParaRPr lang="en-US" dirty="0" smtClean="0"/>
-          </a:p>
-          <a:p>
-            <a:pPr lvl="2"/>
-            <a:r>
-              <a:rPr lang="en-US" dirty="0" smtClean="0">
-                <a:cs typeface="Cambria Math"/>
-                <a:sym typeface="Wingdings"/>
-              </a:rPr>
-              <a:t>For b = 0 to </a:t>
-            </a:r>
-            <a:r>
-              <a:rPr lang="en-US" dirty="0"/>
-              <a:t>|∑| </a:t>
-            </a:r>
-          </a:p>
-          <a:p>
-            <a:pPr lvl="3"/>
-            <a:r>
-              <a:rPr lang="en-US" dirty="0" smtClean="0">
-                <a:cs typeface="Cambria Math"/>
-                <a:sym typeface="Wingdings"/>
-              </a:rPr>
-              <a:t>For c = 0 to </a:t>
-            </a:r>
-            <a:r>
-              <a:rPr lang="en-US" dirty="0" smtClean="0"/>
-              <a:t>|</a:t>
-            </a:r>
-            <a:r>
-              <a:rPr lang="en-US" dirty="0"/>
-              <a:t>∑| </a:t>
-            </a:r>
-          </a:p>
-          <a:p>
-            <a:pPr lvl="4"/>
-            <a:r>
-              <a:rPr lang="en-US" dirty="0" smtClean="0">
-                <a:cs typeface="Cambria Math"/>
-                <a:sym typeface="Wingdings"/>
-              </a:rPr>
-              <a:t>If C[</a:t>
-            </a:r>
-            <a:r>
-              <a:rPr lang="en-US" dirty="0" err="1" smtClean="0">
-                <a:cs typeface="Cambria Math"/>
-                <a:sym typeface="Wingdings"/>
-              </a:rPr>
-              <a:t>v,a,b,</a:t>
-            </a:r>
-            <a:r>
-              <a:rPr lang="en-US" dirty="0" err="1">
-                <a:cs typeface="Cambria Math"/>
-                <a:sym typeface="Wingdings"/>
-              </a:rPr>
-              <a:t>c</a:t>
-            </a:r>
-            <a:r>
-              <a:rPr lang="en-US" dirty="0" smtClean="0">
-                <a:cs typeface="Cambria Math"/>
-                <a:sym typeface="Wingdings"/>
-              </a:rPr>
-              <a:t>] = min</a:t>
-            </a:r>
-          </a:p>
-          <a:p>
-            <a:pPr lvl="5"/>
-            <a:r>
-              <a:rPr lang="en-US" dirty="0" err="1" smtClean="0">
-                <a:cs typeface="Cambria Math"/>
-                <a:sym typeface="Wingdings"/>
-              </a:rPr>
-              <a:t>LabelOn</a:t>
-            </a:r>
-            <a:r>
-              <a:rPr lang="en-US" dirty="0" smtClean="0">
-                <a:cs typeface="Cambria Math"/>
-                <a:sym typeface="Wingdings"/>
-              </a:rPr>
-              <a:t>(</a:t>
-            </a:r>
-            <a:r>
-              <a:rPr lang="en-US" dirty="0" err="1" smtClean="0">
-                <a:cs typeface="Cambria Math"/>
-                <a:sym typeface="Wingdings"/>
-              </a:rPr>
-              <a:t>u,b</a:t>
-            </a:r>
-            <a:r>
-              <a:rPr lang="en-US" dirty="0" smtClean="0">
-                <a:cs typeface="Cambria Math"/>
-                <a:sym typeface="Wingdings"/>
-              </a:rPr>
-              <a:t>)</a:t>
-            </a:r>
-          </a:p>
-          <a:p>
-            <a:pPr lvl="5"/>
-            <a:r>
-              <a:rPr lang="en-US" dirty="0" err="1" smtClean="0">
-                <a:cs typeface="Cambria Math"/>
-                <a:sym typeface="Wingdings"/>
-              </a:rPr>
-              <a:t>LabelOn</a:t>
-            </a:r>
-            <a:r>
-              <a:rPr lang="en-US" dirty="0" smtClean="0">
-                <a:cs typeface="Cambria Math"/>
-                <a:sym typeface="Wingdings"/>
-              </a:rPr>
-              <a:t>(</a:t>
-            </a:r>
-            <a:r>
-              <a:rPr lang="en-US" dirty="0" err="1" smtClean="0">
-                <a:cs typeface="Cambria Math"/>
-                <a:sym typeface="Wingdings"/>
-              </a:rPr>
-              <a:t>w,c</a:t>
-            </a:r>
-            <a:r>
-              <a:rPr lang="en-US" dirty="0" smtClean="0">
-                <a:cs typeface="Cambria Math"/>
-                <a:sym typeface="Wingdings"/>
-              </a:rPr>
-              <a:t>)</a:t>
-            </a:r>
-          </a:p>
-          <a:p>
-            <a:r>
-              <a:rPr lang="en-US" dirty="0"/>
-              <a:t>For root </a:t>
-            </a:r>
-            <a:r>
-              <a:rPr lang="en-US" i="1" dirty="0"/>
-              <a:t>r</a:t>
-            </a:r>
-            <a:r>
-              <a:rPr lang="en-US" dirty="0"/>
-              <a:t>, determine optimal label by finding value of </a:t>
-            </a:r>
-            <a:r>
-              <a:rPr lang="en-US" i="1" dirty="0"/>
-              <a:t>a</a:t>
-            </a:r>
-            <a:r>
-              <a:rPr lang="en-US" dirty="0"/>
-              <a:t> that minimizes </a:t>
-            </a:r>
-            <a:r>
-              <a:rPr lang="en-US" i="1" dirty="0"/>
-              <a:t>L[</a:t>
-            </a:r>
-            <a:r>
-              <a:rPr lang="en-US" i="1" dirty="0" err="1"/>
-              <a:t>r,a</a:t>
-            </a:r>
-            <a:r>
-              <a:rPr lang="en-US" i="1" dirty="0"/>
-              <a:t>]. </a:t>
-            </a:r>
-            <a:r>
-              <a:rPr lang="en-US" dirty="0"/>
-              <a:t>Then call </a:t>
-            </a:r>
-            <a:r>
-              <a:rPr lang="en-US" i="1" dirty="0" err="1"/>
-              <a:t>LabelOn</a:t>
-            </a:r>
-            <a:r>
-              <a:rPr lang="en-US" i="1" dirty="0"/>
-              <a:t>(</a:t>
-            </a:r>
-            <a:r>
-              <a:rPr lang="en-US" i="1" dirty="0" err="1"/>
-              <a:t>r,a</a:t>
-            </a:r>
-            <a:r>
-              <a:rPr lang="en-US" i="1" dirty="0"/>
-              <a:t>)</a:t>
-            </a:r>
-            <a:r>
-              <a:rPr lang="en-US" dirty="0" smtClean="0"/>
-              <a:t>.</a:t>
-            </a:r>
-            <a:endParaRPr lang="en-US" i="1" dirty="0"/>
-          </a:p>
-        </p:txBody>
-      </p:sp>
-    </p:spTree>
-    <p:extLst>
-      <p:ext uri="{BB962C8B-B14F-4D97-AF65-F5344CB8AC3E}">
-        <p14:creationId xmlns:p14="http://schemas.microsoft.com/office/powerpoint/2010/main" val="3765660569"/>
       </p:ext>
     </p:extLst>
   </p:cSld>
@@ -38527,6 +39117,1430 @@
         <p:spPr/>
         <p:txBody>
           <a:bodyPr>
+            <a:normAutofit fontScale="90000"/>
+          </a:bodyPr>
+          <a:lstStyle/>
+          <a:p>
+            <a:r>
+              <a:rPr lang="en-US" dirty="0" smtClean="0"/>
+              <a:t>1. Compute L[</a:t>
+            </a:r>
+            <a:r>
+              <a:rPr lang="en-US" dirty="0" err="1" smtClean="0"/>
+              <a:t>v,a</a:t>
+            </a:r>
+            <a:r>
+              <a:rPr lang="en-US" dirty="0" smtClean="0"/>
+              <a:t>] (bottom-up)</a:t>
+            </a:r>
+            <a:endParaRPr lang="en-US" dirty="0"/>
+          </a:p>
+        </p:txBody>
+      </p:sp>
+      <p:sp>
+        <p:nvSpPr>
+          <p:cNvPr id="3" name="Content Placeholder 2"/>
+          <p:cNvSpPr>
+            <a:spLocks noGrp="1"/>
+          </p:cNvSpPr>
+          <p:nvPr>
+            <p:ph sz="quarter" idx="1"/>
+          </p:nvPr>
+        </p:nvSpPr>
+        <p:spPr>
+          <a:xfrm>
+            <a:off x="612648" y="1600200"/>
+            <a:ext cx="8153400" cy="4736432"/>
+          </a:xfrm>
+        </p:spPr>
+        <p:txBody>
+          <a:bodyPr>
+            <a:normAutofit fontScale="92500" lnSpcReduction="10000"/>
+          </a:bodyPr>
+          <a:lstStyle/>
+          <a:p>
+            <a:r>
+              <a:rPr lang="en-US" dirty="0"/>
+              <a:t>For </a:t>
+            </a:r>
+            <a:r>
+              <a:rPr lang="en-US" i="1" dirty="0" smtClean="0"/>
+              <a:t>v</a:t>
+            </a:r>
+            <a:r>
+              <a:rPr lang="en-US" dirty="0" smtClean="0"/>
+              <a:t> </a:t>
+            </a:r>
+            <a:r>
+              <a:rPr lang="en-US" dirty="0"/>
+              <a:t>= 0 to |V|-1</a:t>
+            </a:r>
+          </a:p>
+          <a:p>
+            <a:pPr lvl="1"/>
+            <a:r>
+              <a:rPr lang="en-US" dirty="0"/>
+              <a:t>For </a:t>
+            </a:r>
+            <a:r>
+              <a:rPr lang="en-US" i="1" dirty="0" smtClean="0"/>
+              <a:t>a</a:t>
+            </a:r>
+            <a:r>
+              <a:rPr lang="en-US" dirty="0" smtClean="0"/>
+              <a:t> </a:t>
+            </a:r>
+            <a:r>
+              <a:rPr lang="en-US" dirty="0"/>
+              <a:t>= 0 to |∑| </a:t>
+            </a:r>
+          </a:p>
+          <a:p>
+            <a:pPr lvl="2"/>
+            <a:r>
+              <a:rPr lang="en-US" dirty="0"/>
+              <a:t>If node</a:t>
+            </a:r>
+            <a:r>
+              <a:rPr lang="en-US" i="1" dirty="0"/>
+              <a:t> </a:t>
+            </a:r>
+            <a:r>
+              <a:rPr lang="en-US" i="1" dirty="0" smtClean="0"/>
+              <a:t>v </a:t>
+            </a:r>
+            <a:r>
+              <a:rPr lang="en-US" dirty="0" smtClean="0"/>
+              <a:t>is </a:t>
+            </a:r>
+            <a:r>
+              <a:rPr lang="en-US" dirty="0"/>
+              <a:t>a leaf</a:t>
+            </a:r>
+          </a:p>
+          <a:p>
+            <a:pPr lvl="3"/>
+            <a:r>
+              <a:rPr lang="en-US" i="1" dirty="0" smtClean="0"/>
+              <a:t>L[</a:t>
+            </a:r>
+            <a:r>
+              <a:rPr lang="en-US" i="1" dirty="0" err="1"/>
+              <a:t>v</a:t>
+            </a:r>
+            <a:r>
+              <a:rPr lang="en-US" i="1" dirty="0" err="1" smtClean="0"/>
+              <a:t>,</a:t>
+            </a:r>
+            <a:r>
+              <a:rPr lang="en-US" i="1" dirty="0" err="1"/>
+              <a:t>a</a:t>
+            </a:r>
+            <a:r>
+              <a:rPr lang="en-US" i="1" dirty="0" smtClean="0"/>
+              <a:t>] = 0</a:t>
+            </a:r>
+            <a:r>
+              <a:rPr lang="en-US" dirty="0" smtClean="0"/>
+              <a:t> if</a:t>
+            </a:r>
+            <a:r>
+              <a:rPr lang="en-US" i="1" dirty="0" smtClean="0"/>
+              <a:t> label(v) == a</a:t>
+            </a:r>
+            <a:r>
+              <a:rPr lang="en-US" dirty="0" smtClean="0"/>
+              <a:t> , </a:t>
+            </a:r>
+            <a:r>
+              <a:rPr lang="en-US" i="1" dirty="0" smtClean="0">
+                <a:cs typeface="Cambria Math"/>
+              </a:rPr>
+              <a:t>∞ otherwise</a:t>
+            </a:r>
+            <a:endParaRPr lang="en-US" i="1" dirty="0"/>
+          </a:p>
+          <a:p>
+            <a:pPr lvl="2"/>
+            <a:r>
+              <a:rPr lang="en-US" dirty="0" smtClean="0">
+                <a:cs typeface="Cambria Math"/>
+              </a:rPr>
+              <a:t>Else node </a:t>
+            </a:r>
+            <a:r>
+              <a:rPr lang="en-US" i="1" dirty="0" smtClean="0">
+                <a:cs typeface="Cambria Math"/>
+              </a:rPr>
+              <a:t>v</a:t>
+            </a:r>
+            <a:r>
+              <a:rPr lang="en-US" dirty="0" smtClean="0">
+                <a:cs typeface="Cambria Math"/>
+              </a:rPr>
+              <a:t> is internal node with children </a:t>
+            </a:r>
+            <a:r>
+              <a:rPr lang="en-US" i="1" dirty="0" smtClean="0">
+                <a:cs typeface="Cambria Math"/>
+              </a:rPr>
+              <a:t>u</a:t>
+            </a:r>
+            <a:r>
+              <a:rPr lang="en-US" dirty="0" smtClean="0">
+                <a:cs typeface="Cambria Math"/>
+              </a:rPr>
+              <a:t> and </a:t>
+            </a:r>
+            <a:r>
+              <a:rPr lang="en-US" i="1" dirty="0" smtClean="0">
+                <a:cs typeface="Cambria Math"/>
+              </a:rPr>
+              <a:t>w</a:t>
+            </a:r>
+            <a:endParaRPr lang="en-US" dirty="0" smtClean="0">
+              <a:cs typeface="Cambria Math"/>
+            </a:endParaRPr>
+          </a:p>
+          <a:p>
+            <a:pPr lvl="3"/>
+            <a:r>
+              <a:rPr lang="en-US" i="1" dirty="0" smtClean="0">
+                <a:cs typeface="Cambria Math"/>
+              </a:rPr>
+              <a:t>left=∞, right=∞</a:t>
+            </a:r>
+            <a:endParaRPr lang="en-US" dirty="0" smtClean="0">
+              <a:cs typeface="Cambria Math"/>
+            </a:endParaRPr>
+          </a:p>
+          <a:p>
+            <a:pPr lvl="3"/>
+            <a:r>
+              <a:rPr lang="en-US" dirty="0" smtClean="0">
+                <a:cs typeface="Cambria Math"/>
+              </a:rPr>
+              <a:t>For </a:t>
+            </a:r>
+            <a:r>
+              <a:rPr lang="en-US" i="1" dirty="0" smtClean="0">
+                <a:cs typeface="Cambria Math"/>
+              </a:rPr>
+              <a:t>b </a:t>
+            </a:r>
+            <a:r>
+              <a:rPr lang="en-US" dirty="0" smtClean="0">
+                <a:cs typeface="Cambria Math"/>
+              </a:rPr>
+              <a:t>= 0 to </a:t>
+            </a:r>
+            <a:r>
+              <a:rPr lang="en-US" dirty="0"/>
+              <a:t>|∑| </a:t>
+            </a:r>
+            <a:endParaRPr lang="en-US" dirty="0" smtClean="0"/>
+          </a:p>
+          <a:p>
+            <a:pPr lvl="4"/>
+            <a:r>
+              <a:rPr lang="en-US" dirty="0" smtClean="0"/>
+              <a:t>If </a:t>
+            </a:r>
+            <a:r>
+              <a:rPr lang="en-US" i="1" dirty="0" smtClean="0">
+                <a:cs typeface="Cambria Math"/>
+              </a:rPr>
+              <a:t>(</a:t>
+            </a:r>
+            <a:r>
+              <a:rPr lang="en-US" i="1" dirty="0">
+                <a:cs typeface="Cambria Math"/>
+              </a:rPr>
+              <a:t>L[</a:t>
+            </a:r>
+            <a:r>
+              <a:rPr lang="en-US" i="1" dirty="0" err="1">
+                <a:cs typeface="Cambria Math"/>
+              </a:rPr>
+              <a:t>u,b</a:t>
+            </a:r>
+            <a:r>
+              <a:rPr lang="en-US" i="1" dirty="0">
+                <a:cs typeface="Cambria Math"/>
+              </a:rPr>
+              <a:t>] + </a:t>
+            </a:r>
+            <a:r>
+              <a:rPr lang="en-US" i="1" dirty="0" smtClean="0">
+                <a:cs typeface="Cambria Math"/>
+              </a:rPr>
+              <a:t>S[</a:t>
+            </a:r>
+            <a:r>
+              <a:rPr lang="en-US" i="1" dirty="0" err="1">
+                <a:cs typeface="Cambria Math"/>
+              </a:rPr>
+              <a:t>a,b</a:t>
+            </a:r>
+            <a:r>
+              <a:rPr lang="en-US" i="1" dirty="0">
+                <a:cs typeface="Cambria Math"/>
+              </a:rPr>
+              <a:t>]</a:t>
+            </a:r>
+            <a:r>
+              <a:rPr lang="en-US" i="1" dirty="0" smtClean="0">
+                <a:cs typeface="Cambria Math"/>
+              </a:rPr>
+              <a:t>) &lt; left</a:t>
+            </a:r>
+            <a:endParaRPr lang="en-US" dirty="0">
+              <a:cs typeface="Cambria Math"/>
+            </a:endParaRPr>
+          </a:p>
+          <a:p>
+            <a:pPr lvl="5"/>
+            <a:r>
+              <a:rPr lang="en-US" i="1" dirty="0" smtClean="0">
+                <a:cs typeface="Cambria Math"/>
+              </a:rPr>
+              <a:t>left = </a:t>
+            </a:r>
+            <a:r>
+              <a:rPr lang="en-US" i="1" dirty="0">
+                <a:cs typeface="Cambria Math"/>
+              </a:rPr>
+              <a:t>(L[</a:t>
+            </a:r>
+            <a:r>
+              <a:rPr lang="en-US" i="1" dirty="0" err="1">
+                <a:cs typeface="Cambria Math"/>
+              </a:rPr>
+              <a:t>u,b</a:t>
+            </a:r>
+            <a:r>
+              <a:rPr lang="en-US" i="1" dirty="0">
+                <a:cs typeface="Cambria Math"/>
+              </a:rPr>
+              <a:t>] + </a:t>
+            </a:r>
+            <a:r>
+              <a:rPr lang="en-US" i="1" dirty="0" smtClean="0">
+                <a:cs typeface="Cambria Math"/>
+              </a:rPr>
+              <a:t>S[</a:t>
+            </a:r>
+            <a:r>
+              <a:rPr lang="en-US" i="1" dirty="0" err="1">
+                <a:cs typeface="Cambria Math"/>
+              </a:rPr>
+              <a:t>a,b</a:t>
+            </a:r>
+            <a:r>
+              <a:rPr lang="en-US" i="1" dirty="0">
+                <a:cs typeface="Cambria Math"/>
+              </a:rPr>
+              <a:t>]) </a:t>
+            </a:r>
+            <a:endParaRPr lang="en-US" dirty="0"/>
+          </a:p>
+          <a:p>
+            <a:pPr lvl="4"/>
+            <a:r>
+              <a:rPr lang="en-US" dirty="0" smtClean="0">
+                <a:cs typeface="Cambria Math"/>
+              </a:rPr>
+              <a:t>If </a:t>
+            </a:r>
+            <a:r>
+              <a:rPr lang="en-US" dirty="0" smtClean="0"/>
+              <a:t> </a:t>
+            </a:r>
+            <a:r>
+              <a:rPr lang="en-US" i="1" dirty="0">
+                <a:cs typeface="Cambria Math"/>
+              </a:rPr>
+              <a:t>(L[</a:t>
+            </a:r>
+            <a:r>
+              <a:rPr lang="en-US" i="1" dirty="0" err="1">
+                <a:cs typeface="Cambria Math"/>
+              </a:rPr>
+              <a:t>w</a:t>
+            </a:r>
+            <a:r>
+              <a:rPr lang="en-US" i="1" dirty="0" err="1" smtClean="0">
+                <a:cs typeface="Cambria Math"/>
+              </a:rPr>
+              <a:t>,b</a:t>
+            </a:r>
+            <a:r>
+              <a:rPr lang="en-US" i="1" dirty="0" smtClean="0">
+                <a:cs typeface="Cambria Math"/>
+              </a:rPr>
+              <a:t>] </a:t>
+            </a:r>
+            <a:r>
+              <a:rPr lang="en-US" i="1" dirty="0">
+                <a:cs typeface="Cambria Math"/>
+              </a:rPr>
+              <a:t>+ </a:t>
+            </a:r>
+            <a:r>
+              <a:rPr lang="en-US" i="1" dirty="0" smtClean="0">
+                <a:cs typeface="Cambria Math"/>
+              </a:rPr>
+              <a:t>S[</a:t>
+            </a:r>
+            <a:r>
+              <a:rPr lang="en-US" i="1" dirty="0" err="1">
+                <a:cs typeface="Cambria Math"/>
+              </a:rPr>
+              <a:t>a</a:t>
+            </a:r>
+            <a:r>
+              <a:rPr lang="en-US" i="1" dirty="0" err="1" smtClean="0">
+                <a:cs typeface="Cambria Math"/>
+              </a:rPr>
+              <a:t>,b</a:t>
+            </a:r>
+            <a:r>
+              <a:rPr lang="en-US" i="1" dirty="0" smtClean="0">
+                <a:cs typeface="Cambria Math"/>
+              </a:rPr>
+              <a:t>]) &lt; right</a:t>
+            </a:r>
+            <a:endParaRPr lang="en-US" dirty="0">
+              <a:cs typeface="Cambria Math"/>
+            </a:endParaRPr>
+          </a:p>
+          <a:p>
+            <a:pPr lvl="5"/>
+            <a:r>
+              <a:rPr lang="en-US" i="1" dirty="0" smtClean="0">
+                <a:cs typeface="Cambria Math"/>
+              </a:rPr>
+              <a:t>right </a:t>
+            </a:r>
+            <a:r>
+              <a:rPr lang="en-US" i="1" dirty="0">
+                <a:cs typeface="Cambria Math"/>
+              </a:rPr>
+              <a:t>= (L[</a:t>
+            </a:r>
+            <a:r>
+              <a:rPr lang="en-US" i="1" dirty="0" err="1">
+                <a:cs typeface="Cambria Math"/>
+              </a:rPr>
+              <a:t>w</a:t>
+            </a:r>
+            <a:r>
+              <a:rPr lang="en-US" i="1" dirty="0" err="1" smtClean="0">
+                <a:cs typeface="Cambria Math"/>
+              </a:rPr>
+              <a:t>,b</a:t>
+            </a:r>
+            <a:r>
+              <a:rPr lang="en-US" i="1" dirty="0" smtClean="0">
+                <a:cs typeface="Cambria Math"/>
+              </a:rPr>
+              <a:t>] </a:t>
+            </a:r>
+            <a:r>
+              <a:rPr lang="en-US" i="1" dirty="0">
+                <a:cs typeface="Cambria Math"/>
+              </a:rPr>
+              <a:t>+ </a:t>
+            </a:r>
+            <a:r>
+              <a:rPr lang="en-US" i="1" dirty="0" smtClean="0">
+                <a:cs typeface="Cambria Math"/>
+              </a:rPr>
+              <a:t>S[</a:t>
+            </a:r>
+            <a:r>
+              <a:rPr lang="en-US" i="1" dirty="0" err="1">
+                <a:cs typeface="Cambria Math"/>
+              </a:rPr>
+              <a:t>a</a:t>
+            </a:r>
+            <a:r>
+              <a:rPr lang="en-US" i="1" dirty="0" err="1" smtClean="0">
+                <a:cs typeface="Cambria Math"/>
+              </a:rPr>
+              <a:t>,b</a:t>
+            </a:r>
+            <a:r>
+              <a:rPr lang="en-US" i="1" dirty="0" smtClean="0">
+                <a:cs typeface="Cambria Math"/>
+              </a:rPr>
+              <a:t>]</a:t>
+            </a:r>
+            <a:r>
+              <a:rPr lang="en-US" i="1" dirty="0">
+                <a:cs typeface="Cambria Math"/>
+              </a:rPr>
+              <a:t>) </a:t>
+            </a:r>
+            <a:endParaRPr lang="en-US" i="1" dirty="0" smtClean="0">
+              <a:cs typeface="Cambria Math"/>
+            </a:endParaRPr>
+          </a:p>
+          <a:p>
+            <a:pPr lvl="3"/>
+            <a:r>
+              <a:rPr lang="en-US" i="1" dirty="0" smtClean="0">
+                <a:cs typeface="Cambria Math"/>
+              </a:rPr>
+              <a:t>L[</a:t>
+            </a:r>
+            <a:r>
+              <a:rPr lang="en-US" i="1" dirty="0" err="1" smtClean="0">
+                <a:cs typeface="Cambria Math"/>
+              </a:rPr>
+              <a:t>v,a</a:t>
+            </a:r>
+            <a:r>
+              <a:rPr lang="en-US" i="1" dirty="0" smtClean="0">
+                <a:cs typeface="Cambria Math"/>
+              </a:rPr>
+              <a:t>] = </a:t>
+            </a:r>
+            <a:r>
+              <a:rPr lang="en-US" i="1" dirty="0" err="1" smtClean="0">
+                <a:cs typeface="Cambria Math"/>
+              </a:rPr>
+              <a:t>left+right</a:t>
+            </a:r>
+            <a:endParaRPr lang="en-US" i="1" dirty="0" smtClean="0">
+              <a:cs typeface="Cambria Math"/>
+            </a:endParaRPr>
+          </a:p>
+          <a:p>
+            <a:pPr lvl="3"/>
+            <a:r>
+              <a:rPr lang="en-US" i="1" dirty="0" smtClean="0">
+                <a:cs typeface="Cambria Math"/>
+              </a:rPr>
+              <a:t>X[</a:t>
+            </a:r>
+            <a:r>
+              <a:rPr lang="en-US" i="1" dirty="0" err="1" smtClean="0">
+                <a:cs typeface="Cambria Math"/>
+              </a:rPr>
+              <a:t>v,a</a:t>
+            </a:r>
+            <a:r>
+              <a:rPr lang="en-US" i="1" dirty="0" smtClean="0">
+                <a:cs typeface="Cambria Math"/>
+              </a:rPr>
+              <a:t>] = left</a:t>
+            </a:r>
+          </a:p>
+          <a:p>
+            <a:pPr lvl="3"/>
+            <a:r>
+              <a:rPr lang="en-US" i="1" dirty="0" smtClean="0">
+                <a:cs typeface="Cambria Math"/>
+              </a:rPr>
+              <a:t>Y[</a:t>
+            </a:r>
+            <a:r>
+              <a:rPr lang="en-US" i="1" dirty="0" err="1" smtClean="0">
+                <a:cs typeface="Cambria Math"/>
+              </a:rPr>
+              <a:t>v,a</a:t>
+            </a:r>
+            <a:r>
+              <a:rPr lang="en-US" i="1" dirty="0" smtClean="0">
+                <a:cs typeface="Cambria Math"/>
+              </a:rPr>
+              <a:t>] = right</a:t>
+            </a:r>
+          </a:p>
+        </p:txBody>
+      </p:sp>
+    </p:spTree>
+    <p:extLst>
+      <p:ext uri="{BB962C8B-B14F-4D97-AF65-F5344CB8AC3E}">
+        <p14:creationId xmlns:p14="http://schemas.microsoft.com/office/powerpoint/2010/main" val="480338214"/>
+      </p:ext>
+    </p:extLst>
+  </p:cSld>
+  <p:clrMapOvr>
+    <a:masterClrMapping/>
+  </p:clrMapOvr>
+  <mc:AlternateContent xmlns:mc="http://schemas.openxmlformats.org/markup-compatibility/2006">
+    <mc:Choice xmlns:p14="http://schemas.microsoft.com/office/powerpoint/2010/main" Requires="p14">
+      <p:transition spd="slow" p14:dur="2000"/>
+    </mc:Choice>
+    <mc:Fallback>
+      <p:transition xmlns:p14="http://schemas.microsoft.com/office/powerpoint/2010/main" spd="slow"/>
+    </mc:Fallback>
+  </mc:AlternateContent>
+  <p:timing>
+    <p:tnLst>
+      <p:par>
+        <p:cTn xmlns:p14="http://schemas.microsoft.com/office/powerpoint/2010/main" id="1" dur="indefinite" restart="never" nodeType="tmRoot">
+          <p:childTnLst>
+            <p:seq concurrent="1" nextAc="seek">
+              <p:cTn id="2" dur="indefinite" nodeType="mainSeq">
+                <p:childTnLst>
+                  <p:par>
+                    <p:cTn id="3" fill="hold">
+                      <p:stCondLst>
+                        <p:cond delay="indefinite"/>
+                      </p:stCondLst>
+                      <p:childTnLst>
+                        <p:par>
+                          <p:cTn id="4" fill="hold">
+                            <p:stCondLst>
+                              <p:cond delay="0"/>
+                            </p:stCondLst>
+                            <p:childTnLst>
+                              <p:par>
+                                <p:cTn id="5" presetID="1" presetClass="entr" presetSubtype="0" fill="hold" grpId="0" nodeType="clickEffect">
+                                  <p:stCondLst>
+                                    <p:cond delay="0"/>
+                                  </p:stCondLst>
+                                  <p:childTnLst>
+                                    <p:set>
+                                      <p:cBhvr>
+                                        <p:cTn id="6" dur="1" fill="hold">
+                                          <p:stCondLst>
+                                            <p:cond delay="0"/>
+                                          </p:stCondLst>
+                                        </p:cTn>
+                                        <p:tgtEl>
+                                          <p:spTgt spid="3">
+                                            <p:txEl>
+                                              <p:pRg st="0" end="0"/>
+                                            </p:txEl>
+                                          </p:spTgt>
+                                        </p:tgtEl>
+                                        <p:attrNameLst>
+                                          <p:attrName>style.visibility</p:attrName>
+                                        </p:attrNameLst>
+                                      </p:cBhvr>
+                                      <p:to>
+                                        <p:strVal val="visible"/>
+                                      </p:to>
+                                    </p:set>
+                                  </p:childTnLst>
+                                </p:cTn>
+                              </p:par>
+                              <p:par>
+                                <p:cTn id="7" presetID="1" presetClass="entr" presetSubtype="0" fill="hold" grpId="0" nodeType="withEffect">
+                                  <p:stCondLst>
+                                    <p:cond delay="0"/>
+                                  </p:stCondLst>
+                                  <p:childTnLst>
+                                    <p:set>
+                                      <p:cBhvr>
+                                        <p:cTn id="8" dur="1" fill="hold">
+                                          <p:stCondLst>
+                                            <p:cond delay="0"/>
+                                          </p:stCondLst>
+                                        </p:cTn>
+                                        <p:tgtEl>
+                                          <p:spTgt spid="3">
+                                            <p:txEl>
+                                              <p:pRg st="1" end="1"/>
+                                            </p:txEl>
+                                          </p:spTgt>
+                                        </p:tgtEl>
+                                        <p:attrNameLst>
+                                          <p:attrName>style.visibility</p:attrName>
+                                        </p:attrNameLst>
+                                      </p:cBhvr>
+                                      <p:to>
+                                        <p:strVal val="visible"/>
+                                      </p:to>
+                                    </p:set>
+                                  </p:childTnLst>
+                                </p:cTn>
+                              </p:par>
+                              <p:par>
+                                <p:cTn id="9" presetID="1" presetClass="entr" presetSubtype="0" fill="hold" grpId="0" nodeType="withEffect">
+                                  <p:stCondLst>
+                                    <p:cond delay="0"/>
+                                  </p:stCondLst>
+                                  <p:childTnLst>
+                                    <p:set>
+                                      <p:cBhvr>
+                                        <p:cTn id="10" dur="1" fill="hold">
+                                          <p:stCondLst>
+                                            <p:cond delay="0"/>
+                                          </p:stCondLst>
+                                        </p:cTn>
+                                        <p:tgtEl>
+                                          <p:spTgt spid="3">
+                                            <p:txEl>
+                                              <p:pRg st="2" end="2"/>
+                                            </p:txEl>
+                                          </p:spTgt>
+                                        </p:tgtEl>
+                                        <p:attrNameLst>
+                                          <p:attrName>style.visibility</p:attrName>
+                                        </p:attrNameLst>
+                                      </p:cBhvr>
+                                      <p:to>
+                                        <p:strVal val="visible"/>
+                                      </p:to>
+                                    </p:set>
+                                  </p:childTnLst>
+                                </p:cTn>
+                              </p:par>
+                              <p:par>
+                                <p:cTn id="11" presetID="1" presetClass="entr" presetSubtype="0" fill="hold" grpId="0" nodeType="withEffect">
+                                  <p:stCondLst>
+                                    <p:cond delay="0"/>
+                                  </p:stCondLst>
+                                  <p:childTnLst>
+                                    <p:set>
+                                      <p:cBhvr>
+                                        <p:cTn id="12" dur="1" fill="hold">
+                                          <p:stCondLst>
+                                            <p:cond delay="0"/>
+                                          </p:stCondLst>
+                                        </p:cTn>
+                                        <p:tgtEl>
+                                          <p:spTgt spid="3">
+                                            <p:txEl>
+                                              <p:pRg st="3" end="3"/>
+                                            </p:txEl>
+                                          </p:spTgt>
+                                        </p:tgtEl>
+                                        <p:attrNameLst>
+                                          <p:attrName>style.visibility</p:attrName>
+                                        </p:attrNameLst>
+                                      </p:cBhvr>
+                                      <p:to>
+                                        <p:strVal val="visible"/>
+                                      </p:to>
+                                    </p:set>
+                                  </p:childTnLst>
+                                </p:cTn>
+                              </p:par>
+                              <p:par>
+                                <p:cTn id="13" presetID="1" presetClass="entr" presetSubtype="0" fill="hold" grpId="0" nodeType="withEffect">
+                                  <p:stCondLst>
+                                    <p:cond delay="0"/>
+                                  </p:stCondLst>
+                                  <p:childTnLst>
+                                    <p:set>
+                                      <p:cBhvr>
+                                        <p:cTn id="14" dur="1" fill="hold">
+                                          <p:stCondLst>
+                                            <p:cond delay="0"/>
+                                          </p:stCondLst>
+                                        </p:cTn>
+                                        <p:tgtEl>
+                                          <p:spTgt spid="3">
+                                            <p:txEl>
+                                              <p:pRg st="4" end="4"/>
+                                            </p:txEl>
+                                          </p:spTgt>
+                                        </p:tgtEl>
+                                        <p:attrNameLst>
+                                          <p:attrName>style.visibility</p:attrName>
+                                        </p:attrNameLst>
+                                      </p:cBhvr>
+                                      <p:to>
+                                        <p:strVal val="visible"/>
+                                      </p:to>
+                                    </p:set>
+                                  </p:childTnLst>
+                                </p:cTn>
+                              </p:par>
+                              <p:par>
+                                <p:cTn id="15" presetID="1" presetClass="entr" presetSubtype="0" fill="hold" grpId="0" nodeType="withEffect">
+                                  <p:stCondLst>
+                                    <p:cond delay="0"/>
+                                  </p:stCondLst>
+                                  <p:childTnLst>
+                                    <p:set>
+                                      <p:cBhvr>
+                                        <p:cTn id="16" dur="1" fill="hold">
+                                          <p:stCondLst>
+                                            <p:cond delay="0"/>
+                                          </p:stCondLst>
+                                        </p:cTn>
+                                        <p:tgtEl>
+                                          <p:spTgt spid="3">
+                                            <p:txEl>
+                                              <p:pRg st="5" end="5"/>
+                                            </p:txEl>
+                                          </p:spTgt>
+                                        </p:tgtEl>
+                                        <p:attrNameLst>
+                                          <p:attrName>style.visibility</p:attrName>
+                                        </p:attrNameLst>
+                                      </p:cBhvr>
+                                      <p:to>
+                                        <p:strVal val="visible"/>
+                                      </p:to>
+                                    </p:set>
+                                  </p:childTnLst>
+                                </p:cTn>
+                              </p:par>
+                              <p:par>
+                                <p:cTn id="17" presetID="1" presetClass="entr" presetSubtype="0" fill="hold" grpId="0" nodeType="withEffect">
+                                  <p:stCondLst>
+                                    <p:cond delay="0"/>
+                                  </p:stCondLst>
+                                  <p:childTnLst>
+                                    <p:set>
+                                      <p:cBhvr>
+                                        <p:cTn id="18" dur="1" fill="hold">
+                                          <p:stCondLst>
+                                            <p:cond delay="0"/>
+                                          </p:stCondLst>
+                                        </p:cTn>
+                                        <p:tgtEl>
+                                          <p:spTgt spid="3">
+                                            <p:txEl>
+                                              <p:pRg st="6" end="6"/>
+                                            </p:txEl>
+                                          </p:spTgt>
+                                        </p:tgtEl>
+                                        <p:attrNameLst>
+                                          <p:attrName>style.visibility</p:attrName>
+                                        </p:attrNameLst>
+                                      </p:cBhvr>
+                                      <p:to>
+                                        <p:strVal val="visible"/>
+                                      </p:to>
+                                    </p:set>
+                                  </p:childTnLst>
+                                </p:cTn>
+                              </p:par>
+                              <p:par>
+                                <p:cTn id="19" presetID="1" presetClass="entr" presetSubtype="0" fill="hold" grpId="0" nodeType="withEffect">
+                                  <p:stCondLst>
+                                    <p:cond delay="0"/>
+                                  </p:stCondLst>
+                                  <p:childTnLst>
+                                    <p:set>
+                                      <p:cBhvr>
+                                        <p:cTn id="20" dur="1" fill="hold">
+                                          <p:stCondLst>
+                                            <p:cond delay="0"/>
+                                          </p:stCondLst>
+                                        </p:cTn>
+                                        <p:tgtEl>
+                                          <p:spTgt spid="3">
+                                            <p:txEl>
+                                              <p:pRg st="7" end="7"/>
+                                            </p:txEl>
+                                          </p:spTgt>
+                                        </p:tgtEl>
+                                        <p:attrNameLst>
+                                          <p:attrName>style.visibility</p:attrName>
+                                        </p:attrNameLst>
+                                      </p:cBhvr>
+                                      <p:to>
+                                        <p:strVal val="visible"/>
+                                      </p:to>
+                                    </p:set>
+                                  </p:childTnLst>
+                                </p:cTn>
+                              </p:par>
+                              <p:par>
+                                <p:cTn id="21" presetID="1" presetClass="entr" presetSubtype="0" fill="hold" grpId="0" nodeType="withEffect">
+                                  <p:stCondLst>
+                                    <p:cond delay="0"/>
+                                  </p:stCondLst>
+                                  <p:childTnLst>
+                                    <p:set>
+                                      <p:cBhvr>
+                                        <p:cTn id="22" dur="1" fill="hold">
+                                          <p:stCondLst>
+                                            <p:cond delay="0"/>
+                                          </p:stCondLst>
+                                        </p:cTn>
+                                        <p:tgtEl>
+                                          <p:spTgt spid="3">
+                                            <p:txEl>
+                                              <p:pRg st="8" end="8"/>
+                                            </p:txEl>
+                                          </p:spTgt>
+                                        </p:tgtEl>
+                                        <p:attrNameLst>
+                                          <p:attrName>style.visibility</p:attrName>
+                                        </p:attrNameLst>
+                                      </p:cBhvr>
+                                      <p:to>
+                                        <p:strVal val="visible"/>
+                                      </p:to>
+                                    </p:set>
+                                  </p:childTnLst>
+                                </p:cTn>
+                              </p:par>
+                              <p:par>
+                                <p:cTn id="23" presetID="1" presetClass="entr" presetSubtype="0" fill="hold" grpId="0" nodeType="withEffect">
+                                  <p:stCondLst>
+                                    <p:cond delay="0"/>
+                                  </p:stCondLst>
+                                  <p:childTnLst>
+                                    <p:set>
+                                      <p:cBhvr>
+                                        <p:cTn id="24" dur="1" fill="hold">
+                                          <p:stCondLst>
+                                            <p:cond delay="0"/>
+                                          </p:stCondLst>
+                                        </p:cTn>
+                                        <p:tgtEl>
+                                          <p:spTgt spid="3">
+                                            <p:txEl>
+                                              <p:pRg st="9" end="9"/>
+                                            </p:txEl>
+                                          </p:spTgt>
+                                        </p:tgtEl>
+                                        <p:attrNameLst>
+                                          <p:attrName>style.visibility</p:attrName>
+                                        </p:attrNameLst>
+                                      </p:cBhvr>
+                                      <p:to>
+                                        <p:strVal val="visible"/>
+                                      </p:to>
+                                    </p:set>
+                                  </p:childTnLst>
+                                </p:cTn>
+                              </p:par>
+                              <p:par>
+                                <p:cTn id="25" presetID="1" presetClass="entr" presetSubtype="0" fill="hold" grpId="0" nodeType="withEffect">
+                                  <p:stCondLst>
+                                    <p:cond delay="0"/>
+                                  </p:stCondLst>
+                                  <p:childTnLst>
+                                    <p:set>
+                                      <p:cBhvr>
+                                        <p:cTn id="26" dur="1" fill="hold">
+                                          <p:stCondLst>
+                                            <p:cond delay="0"/>
+                                          </p:stCondLst>
+                                        </p:cTn>
+                                        <p:tgtEl>
+                                          <p:spTgt spid="3">
+                                            <p:txEl>
+                                              <p:pRg st="10" end="10"/>
+                                            </p:txEl>
+                                          </p:spTgt>
+                                        </p:tgtEl>
+                                        <p:attrNameLst>
+                                          <p:attrName>style.visibility</p:attrName>
+                                        </p:attrNameLst>
+                                      </p:cBhvr>
+                                      <p:to>
+                                        <p:strVal val="visible"/>
+                                      </p:to>
+                                    </p:set>
+                                  </p:childTnLst>
+                                </p:cTn>
+                              </p:par>
+                              <p:par>
+                                <p:cTn id="27" presetID="1" presetClass="entr" presetSubtype="0" fill="hold" grpId="0" nodeType="withEffect">
+                                  <p:stCondLst>
+                                    <p:cond delay="0"/>
+                                  </p:stCondLst>
+                                  <p:childTnLst>
+                                    <p:set>
+                                      <p:cBhvr>
+                                        <p:cTn id="28" dur="1" fill="hold">
+                                          <p:stCondLst>
+                                            <p:cond delay="0"/>
+                                          </p:stCondLst>
+                                        </p:cTn>
+                                        <p:tgtEl>
+                                          <p:spTgt spid="3">
+                                            <p:txEl>
+                                              <p:pRg st="11" end="11"/>
+                                            </p:txEl>
+                                          </p:spTgt>
+                                        </p:tgtEl>
+                                        <p:attrNameLst>
+                                          <p:attrName>style.visibility</p:attrName>
+                                        </p:attrNameLst>
+                                      </p:cBhvr>
+                                      <p:to>
+                                        <p:strVal val="visible"/>
+                                      </p:to>
+                                    </p:set>
+                                  </p:childTnLst>
+                                </p:cTn>
+                              </p:par>
+                              <p:par>
+                                <p:cTn id="29" presetID="1" presetClass="entr" presetSubtype="0" fill="hold" grpId="0" nodeType="withEffect">
+                                  <p:stCondLst>
+                                    <p:cond delay="0"/>
+                                  </p:stCondLst>
+                                  <p:childTnLst>
+                                    <p:set>
+                                      <p:cBhvr>
+                                        <p:cTn id="30" dur="1" fill="hold">
+                                          <p:stCondLst>
+                                            <p:cond delay="0"/>
+                                          </p:stCondLst>
+                                        </p:cTn>
+                                        <p:tgtEl>
+                                          <p:spTgt spid="3">
+                                            <p:txEl>
+                                              <p:pRg st="12" end="12"/>
+                                            </p:txEl>
+                                          </p:spTgt>
+                                        </p:tgtEl>
+                                        <p:attrNameLst>
+                                          <p:attrName>style.visibility</p:attrName>
+                                        </p:attrNameLst>
+                                      </p:cBhvr>
+                                      <p:to>
+                                        <p:strVal val="visible"/>
+                                      </p:to>
+                                    </p:set>
+                                  </p:childTnLst>
+                                </p:cTn>
+                              </p:par>
+                              <p:par>
+                                <p:cTn id="31" presetID="1" presetClass="entr" presetSubtype="0" fill="hold" grpId="0" nodeType="withEffect">
+                                  <p:stCondLst>
+                                    <p:cond delay="0"/>
+                                  </p:stCondLst>
+                                  <p:childTnLst>
+                                    <p:set>
+                                      <p:cBhvr>
+                                        <p:cTn id="32" dur="1" fill="hold">
+                                          <p:stCondLst>
+                                            <p:cond delay="0"/>
+                                          </p:stCondLst>
+                                        </p:cTn>
+                                        <p:tgtEl>
+                                          <p:spTgt spid="3">
+                                            <p:txEl>
+                                              <p:pRg st="13" end="13"/>
+                                            </p:txEl>
+                                          </p:spTgt>
+                                        </p:tgtEl>
+                                        <p:attrNameLst>
+                                          <p:attrName>style.visibility</p:attrName>
+                                        </p:attrNameLst>
+                                      </p:cBhvr>
+                                      <p:to>
+                                        <p:strVal val="visible"/>
+                                      </p:to>
+                                    </p:set>
+                                  </p:childTnLst>
+                                </p:cTn>
+                              </p:par>
+                            </p:childTnLst>
+                          </p:cTn>
+                        </p:par>
+                      </p:childTnLst>
+                    </p:cTn>
+                  </p:par>
+                </p:childTnLst>
+              </p:cTn>
+              <p:prevCondLst>
+                <p:cond evt="onPrev" delay="0">
+                  <p:tgtEl>
+                    <p:sldTgt/>
+                  </p:tgtEl>
+                </p:cond>
+              </p:prevCondLst>
+              <p:nextCondLst>
+                <p:cond evt="onNext" delay="0">
+                  <p:tgtEl>
+                    <p:sldTgt/>
+                  </p:tgtEl>
+                </p:cond>
+              </p:nextCondLst>
+            </p:seq>
+          </p:childTnLst>
+        </p:cTn>
+      </p:par>
+    </p:tnLst>
+    <p:bldLst>
+      <p:bldP spid="3" grpId="0" build="p"/>
+    </p:bldLst>
+  </p:timing>
+</p:sld>
+</file>
+
+<file path=ppt/slides/slide36.xml><?xml version="1.0" encoding="utf-8"?>
+<p:sld xmlns:a="http://schemas.openxmlformats.org/drawingml/2006/main" xmlns:r="http://schemas.openxmlformats.org/officeDocument/2006/relationships" xmlns:p="http://schemas.openxmlformats.org/presentationml/2006/main" show="0">
+  <p:cSld>
+    <p:spTree>
+      <p:nvGrpSpPr>
+        <p:cNvPr id="1" name=""/>
+        <p:cNvGrpSpPr/>
+        <p:nvPr/>
+      </p:nvGrpSpPr>
+      <p:grpSpPr>
+        <a:xfrm>
+          <a:off x="0" y="0"/>
+          <a:ext cx="0" cy="0"/>
+          <a:chOff x="0" y="0"/>
+          <a:chExt cx="0" cy="0"/>
+        </a:xfrm>
+      </p:grpSpPr>
+      <p:sp>
+        <p:nvSpPr>
+          <p:cNvPr id="2" name="Title 1"/>
+          <p:cNvSpPr>
+            <a:spLocks noGrp="1"/>
+          </p:cNvSpPr>
+          <p:nvPr>
+            <p:ph type="title"/>
+          </p:nvPr>
+        </p:nvSpPr>
+        <p:spPr/>
+        <p:txBody>
+          <a:bodyPr>
+            <a:normAutofit/>
+          </a:bodyPr>
+          <a:lstStyle/>
+          <a:p>
+            <a:r>
+              <a:rPr lang="en-US" dirty="0" smtClean="0"/>
+              <a:t>2. Assign Labels (top-down)</a:t>
+            </a:r>
+            <a:endParaRPr lang="en-US" dirty="0"/>
+          </a:p>
+        </p:txBody>
+      </p:sp>
+      <p:sp>
+        <p:nvSpPr>
+          <p:cNvPr id="5" name="Content Placeholder 2"/>
+          <p:cNvSpPr>
+            <a:spLocks noGrp="1"/>
+          </p:cNvSpPr>
+          <p:nvPr>
+            <p:ph sz="quarter" idx="1"/>
+          </p:nvPr>
+        </p:nvSpPr>
+        <p:spPr/>
+        <p:txBody>
+          <a:bodyPr>
+            <a:normAutofit fontScale="92500" lnSpcReduction="20000"/>
+          </a:bodyPr>
+          <a:lstStyle/>
+          <a:p>
+            <a:r>
+              <a:rPr lang="en-US" i="1" dirty="0" err="1" smtClean="0"/>
+              <a:t>LabelOn</a:t>
+            </a:r>
+            <a:r>
+              <a:rPr lang="en-US" i="1" dirty="0" smtClean="0"/>
+              <a:t>(</a:t>
+            </a:r>
+            <a:r>
+              <a:rPr lang="en-US" i="1" dirty="0" err="1" smtClean="0"/>
+              <a:t>v,a</a:t>
+            </a:r>
+            <a:r>
+              <a:rPr lang="en-US" i="1" dirty="0" smtClean="0"/>
+              <a:t>)</a:t>
+            </a:r>
+          </a:p>
+          <a:p>
+            <a:pPr lvl="1"/>
+            <a:r>
+              <a:rPr lang="en-US" dirty="0" smtClean="0"/>
+              <a:t>If v is not a leaf:</a:t>
+            </a:r>
+          </a:p>
+          <a:p>
+            <a:pPr lvl="2"/>
+            <a:r>
+              <a:rPr lang="en-US" dirty="0"/>
+              <a:t>l</a:t>
+            </a:r>
+            <a:r>
+              <a:rPr lang="en-US" dirty="0" smtClean="0"/>
+              <a:t>abel(v) = a</a:t>
+            </a:r>
+          </a:p>
+          <a:p>
+            <a:pPr lvl="2"/>
+            <a:r>
+              <a:rPr lang="en-US" dirty="0">
+                <a:cs typeface="Cambria Math"/>
+              </a:rPr>
+              <a:t>u</a:t>
+            </a:r>
+            <a:r>
+              <a:rPr lang="en-US" dirty="0" smtClean="0">
+                <a:cs typeface="Cambria Math"/>
+              </a:rPr>
+              <a:t> = left </a:t>
+            </a:r>
+            <a:r>
+              <a:rPr lang="en-US" dirty="0">
+                <a:cs typeface="Cambria Math"/>
+              </a:rPr>
+              <a:t>child of v</a:t>
+            </a:r>
+          </a:p>
+          <a:p>
+            <a:pPr lvl="2"/>
+            <a:r>
+              <a:rPr lang="en-US" dirty="0" smtClean="0">
+                <a:cs typeface="Cambria Math"/>
+              </a:rPr>
+              <a:t>w = right </a:t>
+            </a:r>
+            <a:r>
+              <a:rPr lang="en-US" dirty="0">
+                <a:cs typeface="Cambria Math"/>
+              </a:rPr>
+              <a:t>child v</a:t>
+            </a:r>
+            <a:endParaRPr lang="en-US" dirty="0" smtClean="0"/>
+          </a:p>
+          <a:p>
+            <a:pPr lvl="2"/>
+            <a:r>
+              <a:rPr lang="en-US" dirty="0" smtClean="0">
+                <a:cs typeface="Cambria Math"/>
+                <a:sym typeface="Wingdings"/>
+              </a:rPr>
+              <a:t>For b = 0 to </a:t>
+            </a:r>
+            <a:r>
+              <a:rPr lang="en-US" dirty="0"/>
+              <a:t>|∑| </a:t>
+            </a:r>
+          </a:p>
+          <a:p>
+            <a:pPr lvl="3"/>
+            <a:r>
+              <a:rPr lang="en-US" dirty="0" smtClean="0">
+                <a:cs typeface="Cambria Math"/>
+                <a:sym typeface="Wingdings"/>
+              </a:rPr>
+              <a:t>For c = 0 to </a:t>
+            </a:r>
+            <a:r>
+              <a:rPr lang="en-US" dirty="0" smtClean="0"/>
+              <a:t>|</a:t>
+            </a:r>
+            <a:r>
+              <a:rPr lang="en-US" dirty="0"/>
+              <a:t>∑| </a:t>
+            </a:r>
+          </a:p>
+          <a:p>
+            <a:pPr lvl="4"/>
+            <a:r>
+              <a:rPr lang="en-US" dirty="0" smtClean="0">
+                <a:cs typeface="Cambria Math"/>
+                <a:sym typeface="Wingdings"/>
+              </a:rPr>
+              <a:t>If C[</a:t>
+            </a:r>
+            <a:r>
+              <a:rPr lang="en-US" dirty="0" err="1" smtClean="0">
+                <a:cs typeface="Cambria Math"/>
+                <a:sym typeface="Wingdings"/>
+              </a:rPr>
+              <a:t>v,a,b,</a:t>
+            </a:r>
+            <a:r>
+              <a:rPr lang="en-US" dirty="0" err="1">
+                <a:cs typeface="Cambria Math"/>
+                <a:sym typeface="Wingdings"/>
+              </a:rPr>
+              <a:t>c</a:t>
+            </a:r>
+            <a:r>
+              <a:rPr lang="en-US" dirty="0" smtClean="0">
+                <a:cs typeface="Cambria Math"/>
+                <a:sym typeface="Wingdings"/>
+              </a:rPr>
+              <a:t>] = min</a:t>
+            </a:r>
+          </a:p>
+          <a:p>
+            <a:pPr lvl="5"/>
+            <a:r>
+              <a:rPr lang="en-US" dirty="0" err="1" smtClean="0">
+                <a:cs typeface="Cambria Math"/>
+                <a:sym typeface="Wingdings"/>
+              </a:rPr>
+              <a:t>LabelOn</a:t>
+            </a:r>
+            <a:r>
+              <a:rPr lang="en-US" dirty="0" smtClean="0">
+                <a:cs typeface="Cambria Math"/>
+                <a:sym typeface="Wingdings"/>
+              </a:rPr>
+              <a:t>(</a:t>
+            </a:r>
+            <a:r>
+              <a:rPr lang="en-US" dirty="0" err="1" smtClean="0">
+                <a:cs typeface="Cambria Math"/>
+                <a:sym typeface="Wingdings"/>
+              </a:rPr>
+              <a:t>u,b</a:t>
+            </a:r>
+            <a:r>
+              <a:rPr lang="en-US" dirty="0" smtClean="0">
+                <a:cs typeface="Cambria Math"/>
+                <a:sym typeface="Wingdings"/>
+              </a:rPr>
+              <a:t>)</a:t>
+            </a:r>
+          </a:p>
+          <a:p>
+            <a:pPr lvl="5"/>
+            <a:r>
+              <a:rPr lang="en-US" dirty="0" err="1" smtClean="0">
+                <a:cs typeface="Cambria Math"/>
+                <a:sym typeface="Wingdings"/>
+              </a:rPr>
+              <a:t>LabelOn</a:t>
+            </a:r>
+            <a:r>
+              <a:rPr lang="en-US" dirty="0" smtClean="0">
+                <a:cs typeface="Cambria Math"/>
+                <a:sym typeface="Wingdings"/>
+              </a:rPr>
+              <a:t>(</a:t>
+            </a:r>
+            <a:r>
+              <a:rPr lang="en-US" dirty="0" err="1" smtClean="0">
+                <a:cs typeface="Cambria Math"/>
+                <a:sym typeface="Wingdings"/>
+              </a:rPr>
+              <a:t>w,c</a:t>
+            </a:r>
+            <a:r>
+              <a:rPr lang="en-US" dirty="0" smtClean="0">
+                <a:cs typeface="Cambria Math"/>
+                <a:sym typeface="Wingdings"/>
+              </a:rPr>
+              <a:t>)</a:t>
+            </a:r>
+          </a:p>
+          <a:p>
+            <a:r>
+              <a:rPr lang="en-US" dirty="0"/>
+              <a:t>For root </a:t>
+            </a:r>
+            <a:r>
+              <a:rPr lang="en-US" i="1" dirty="0"/>
+              <a:t>r</a:t>
+            </a:r>
+            <a:r>
+              <a:rPr lang="en-US" dirty="0"/>
+              <a:t>, determine optimal label by finding value of </a:t>
+            </a:r>
+            <a:r>
+              <a:rPr lang="en-US" i="1" dirty="0"/>
+              <a:t>a</a:t>
+            </a:r>
+            <a:r>
+              <a:rPr lang="en-US" dirty="0"/>
+              <a:t> that minimizes </a:t>
+            </a:r>
+            <a:r>
+              <a:rPr lang="en-US" i="1" dirty="0"/>
+              <a:t>L[</a:t>
+            </a:r>
+            <a:r>
+              <a:rPr lang="en-US" i="1" dirty="0" err="1"/>
+              <a:t>r,a</a:t>
+            </a:r>
+            <a:r>
+              <a:rPr lang="en-US" i="1" dirty="0"/>
+              <a:t>]. </a:t>
+            </a:r>
+            <a:r>
+              <a:rPr lang="en-US" dirty="0"/>
+              <a:t>Then call </a:t>
+            </a:r>
+            <a:r>
+              <a:rPr lang="en-US" i="1" dirty="0" err="1"/>
+              <a:t>LabelOn</a:t>
+            </a:r>
+            <a:r>
+              <a:rPr lang="en-US" i="1" dirty="0"/>
+              <a:t>(</a:t>
+            </a:r>
+            <a:r>
+              <a:rPr lang="en-US" i="1" dirty="0" err="1"/>
+              <a:t>r,a</a:t>
+            </a:r>
+            <a:r>
+              <a:rPr lang="en-US" i="1" dirty="0"/>
+              <a:t>)</a:t>
+            </a:r>
+            <a:r>
+              <a:rPr lang="en-US" dirty="0" smtClean="0"/>
+              <a:t>.</a:t>
+            </a:r>
+            <a:endParaRPr lang="en-US" i="1" dirty="0"/>
+          </a:p>
+        </p:txBody>
+      </p:sp>
+    </p:spTree>
+    <p:extLst>
+      <p:ext uri="{BB962C8B-B14F-4D97-AF65-F5344CB8AC3E}">
+        <p14:creationId xmlns:p14="http://schemas.microsoft.com/office/powerpoint/2010/main" val="3765660569"/>
+      </p:ext>
+    </p:extLst>
+  </p:cSld>
+  <p:clrMapOvr>
+    <a:masterClrMapping/>
+  </p:clrMapOvr>
+  <mc:AlternateContent xmlns:mc="http://schemas.openxmlformats.org/markup-compatibility/2006">
+    <mc:Choice xmlns:p14="http://schemas.microsoft.com/office/powerpoint/2010/main" Requires="p14">
+      <p:transition spd="slow" p14:dur="2000"/>
+    </mc:Choice>
+    <mc:Fallback>
+      <p:transition xmlns:p14="http://schemas.microsoft.com/office/powerpoint/2010/main" spd="slow"/>
+    </mc:Fallback>
+  </mc:AlternateContent>
+  <p:timing>
+    <p:tnLst>
+      <p:par>
+        <p:cTn xmlns:p14="http://schemas.microsoft.com/office/powerpoint/2010/main" id="1" dur="indefinite" restart="never" nodeType="tmRoot"/>
+      </p:par>
+    </p:tnLst>
+  </p:timing>
+</p:sld>
+</file>
+
+<file path=ppt/slides/slide37.xml><?xml version="1.0" encoding="utf-8"?>
+<p:sld xmlns:a="http://schemas.openxmlformats.org/drawingml/2006/main" xmlns:r="http://schemas.openxmlformats.org/officeDocument/2006/relationships" xmlns:p="http://schemas.openxmlformats.org/presentationml/2006/main" show="0">
+  <p:cSld>
+    <p:spTree>
+      <p:nvGrpSpPr>
+        <p:cNvPr id="1" name=""/>
+        <p:cNvGrpSpPr/>
+        <p:nvPr/>
+      </p:nvGrpSpPr>
+      <p:grpSpPr>
+        <a:xfrm>
+          <a:off x="0" y="0"/>
+          <a:ext cx="0" cy="0"/>
+          <a:chOff x="0" y="0"/>
+          <a:chExt cx="0" cy="0"/>
+        </a:xfrm>
+      </p:grpSpPr>
+      <p:sp>
+        <p:nvSpPr>
+          <p:cNvPr id="2" name="Title 1"/>
+          <p:cNvSpPr>
+            <a:spLocks noGrp="1"/>
+          </p:cNvSpPr>
+          <p:nvPr>
+            <p:ph type="title"/>
+          </p:nvPr>
+        </p:nvSpPr>
+        <p:spPr/>
+        <p:txBody>
+          <a:bodyPr>
             <a:normAutofit/>
           </a:bodyPr>
           <a:lstStyle/>
@@ -39044,7 +41058,7 @@
 </p:sld>
 </file>
 
-<file path=ppt/slides/slide36.xml><?xml version="1.0" encoding="utf-8"?>
+<file path=ppt/slides/slide38.xml><?xml version="1.0" encoding="utf-8"?>
 <p:sld xmlns:a="http://schemas.openxmlformats.org/drawingml/2006/main" xmlns:r="http://schemas.openxmlformats.org/officeDocument/2006/relationships" xmlns:p="http://schemas.openxmlformats.org/presentationml/2006/main" show="0">
   <p:cSld>
     <p:spTree>
@@ -39395,7 +41409,7 @@
 </p:sld>
 </file>
 
-<file path=ppt/slides/slide37.xml><?xml version="1.0" encoding="utf-8"?>
+<file path=ppt/slides/slide39.xml><?xml version="1.0" encoding="utf-8"?>
 <p:sld xmlns:a="http://schemas.openxmlformats.org/drawingml/2006/main" xmlns:r="http://schemas.openxmlformats.org/officeDocument/2006/relationships" xmlns:p="http://schemas.openxmlformats.org/presentationml/2006/main" show="0">
   <p:cSld>
     <p:spTree>
@@ -41524,27 +43538,14 @@
             </a:r>
             <a:r>
               <a:rPr lang="en-US" dirty="0" smtClean="0"/>
-              <a:t>are the different values a character can take </a:t>
-            </a:r>
+              <a:t>are the different values a character can take on</a:t>
+            </a:r>
+          </a:p>
+          <a:p>
             <a:r>
               <a:rPr lang="en-US" dirty="0" smtClean="0"/>
-              <a:t>on</a:t>
-            </a:r>
-          </a:p>
-          <a:p>
-            <a:r>
-              <a:rPr lang="en-US" dirty="0" smtClean="0"/>
-              <a:t>Example</a:t>
-            </a:r>
-            <a:r>
-              <a:rPr lang="en-US" dirty="0" smtClean="0"/>
-              <a:t>: </a:t>
-            </a:r>
-            <a:r>
-              <a:rPr lang="en-US" dirty="0" smtClean="0"/>
-              <a:t>In our example, gene blocks are characters with many possible states</a:t>
-            </a:r>
-            <a:endParaRPr lang="en-US" dirty="0" smtClean="0"/>
+              <a:t>Example: In our example, gene blocks are characters with many possible states</a:t>
+            </a:r>
           </a:p>
           <a:p>
             <a:endParaRPr lang="en-US" dirty="0" smtClean="0"/>
@@ -41820,11 +43821,7 @@
             <a:pPr lvl="1"/>
             <a:r>
               <a:rPr lang="en-US" dirty="0" smtClean="0"/>
-              <a:t>Gene block state assignments for </a:t>
-            </a:r>
-            <a:r>
-              <a:rPr lang="en-US" dirty="0" smtClean="0"/>
-              <a:t>contemporary species </a:t>
+              <a:t>Gene block state assignments for contemporary species </a:t>
             </a:r>
             <a:r>
               <a:rPr lang="en-US" dirty="0"/>
@@ -41854,11 +43851,7 @@
             </a:r>
             <a:r>
               <a:rPr lang="en-US" dirty="0" smtClean="0"/>
-              <a:t>gene block state </a:t>
-            </a:r>
-            <a:r>
-              <a:rPr lang="en-US" dirty="0" smtClean="0"/>
-              <a:t>to each ancestral species (interior node in tree)</a:t>
+              <a:t>gene block state to each ancestral species (interior node in tree)</a:t>
             </a:r>
           </a:p>
           <a:p>
@@ -41871,23 +43864,7 @@
             <a:pPr lvl="1"/>
             <a:r>
               <a:rPr lang="en-US" dirty="0" smtClean="0"/>
-              <a:t>Gene block states </a:t>
-            </a:r>
-            <a:r>
-              <a:rPr lang="en-US" dirty="0" smtClean="0"/>
-              <a:t>assigned to ancestors best explain the </a:t>
-            </a:r>
-            <a:r>
-              <a:rPr lang="en-US" dirty="0" smtClean="0"/>
-              <a:t>gene block</a:t>
-            </a:r>
-            <a:r>
-              <a:rPr lang="en-US" dirty="0" smtClean="0"/>
-              <a:t> </a:t>
-            </a:r>
-            <a:r>
-              <a:rPr lang="en-US" dirty="0" smtClean="0"/>
-              <a:t>states of their descendants</a:t>
+              <a:t>Gene block states assigned to ancestors best explain the gene block states of their descendants</a:t>
             </a:r>
           </a:p>
           <a:p>
